--- a/PPT/第三部分 软件测试应用/11.6 常用控件测试方法.pptx
+++ b/PPT/第三部分 软件测试应用/11.6 常用控件测试方法.pptx
@@ -5,19 +5,23 @@
     <p:sldMasterId id="2147483776" r:id="rId1"/>
   </p:sldMasterIdLst>
   <p:notesMasterIdLst>
-    <p:notesMasterId r:id="rId9"/>
+    <p:notesMasterId r:id="rId13"/>
   </p:notesMasterIdLst>
   <p:handoutMasterIdLst>
-    <p:handoutMasterId r:id="rId10"/>
+    <p:handoutMasterId r:id="rId14"/>
   </p:handoutMasterIdLst>
   <p:sldIdLst>
     <p:sldId id="256" r:id="rId2"/>
     <p:sldId id="285" r:id="rId3"/>
-    <p:sldId id="318" r:id="rId4"/>
-    <p:sldId id="320" r:id="rId5"/>
-    <p:sldId id="321" r:id="rId6"/>
-    <p:sldId id="322" r:id="rId7"/>
-    <p:sldId id="323" r:id="rId8"/>
+    <p:sldId id="327" r:id="rId4"/>
+    <p:sldId id="328" r:id="rId5"/>
+    <p:sldId id="336" r:id="rId6"/>
+    <p:sldId id="329" r:id="rId7"/>
+    <p:sldId id="338" r:id="rId8"/>
+    <p:sldId id="337" r:id="rId9"/>
+    <p:sldId id="331" r:id="rId10"/>
+    <p:sldId id="332" r:id="rId11"/>
+    <p:sldId id="323" r:id="rId12"/>
   </p:sldIdLst>
   <p:sldSz cx="9144000" cy="6858000" type="screen4x3"/>
   <p:notesSz cx="6858000" cy="9144000"/>
@@ -896,11 +900,7 @@
           </a:bodyPr>
           <a:lstStyle/>
           <a:p>
-            <a:r>
-              <a:rPr lang="zh-CN" altLang="en-US" dirty="0" smtClean="0"/>
-              <a:t>公司内部测试结束前的总结性文档</a:t>
-            </a:r>
-            <a:endParaRPr lang="zh-CN" altLang="en-US" dirty="0"/>
+            <a:endParaRPr lang="zh-CN" altLang="en-US"/>
           </a:p>
         </p:txBody>
       </p:sp>
@@ -919,17 +919,12 @@
           <a:bodyPr/>
           <a:lstStyle/>
           <a:p>
-            <a:pPr>
-              <a:defRPr/>
-            </a:pPr>
-            <a:fld id="{CBFB72AA-FFA9-427A-8480-5ACFBD2982FB}" type="slidenum">
+            <a:fld id="{4140273F-E35B-4368-A4A4-5732FF70872E}" type="slidenum">
               <a:rPr lang="zh-CN" altLang="en-US" smtClean="0"/>
-              <a:pPr>
-                <a:defRPr/>
-              </a:pPr>
+              <a:pPr/>
               <a:t>3</a:t>
             </a:fld>
-            <a:endParaRPr lang="en-US" altLang="zh-CN"/>
+            <a:endParaRPr lang="zh-CN" altLang="en-US"/>
           </a:p>
         </p:txBody>
       </p:sp>
@@ -960,45 +955,12 @@
       </p:grpSpPr>
       <p:sp>
         <p:nvSpPr>
-          <p:cNvPr id="2" name="幻灯片图像占位符 1"/>
-          <p:cNvSpPr>
-            <a:spLocks noGrp="1" noRot="1" noChangeAspect="1"/>
+          <p:cNvPr id="7" name="Rectangle 7"/>
+          <p:cNvSpPr>
+            <a:spLocks noGrp="1" noChangeArrowheads="1"/>
           </p:cNvSpPr>
           <p:nvPr>
-            <p:ph type="sldImg"/>
-          </p:nvPr>
-        </p:nvSpPr>
-        <p:spPr/>
-      </p:sp>
-      <p:sp>
-        <p:nvSpPr>
-          <p:cNvPr id="3" name="备注占位符 2"/>
-          <p:cNvSpPr>
-            <a:spLocks noGrp="1"/>
-          </p:cNvSpPr>
-          <p:nvPr>
-            <p:ph type="body" idx="1"/>
-          </p:nvPr>
-        </p:nvSpPr>
-        <p:spPr/>
-        <p:txBody>
-          <a:bodyPr>
-            <a:normAutofit/>
-          </a:bodyPr>
-          <a:lstStyle/>
-          <a:p>
-            <a:endParaRPr lang="zh-CN" altLang="en-US"/>
-          </a:p>
-        </p:txBody>
-      </p:sp>
-      <p:sp>
-        <p:nvSpPr>
-          <p:cNvPr id="4" name="灯片编号占位符 3"/>
-          <p:cNvSpPr>
-            <a:spLocks noGrp="1"/>
-          </p:cNvSpPr>
-          <p:nvPr>
-            <p:ph type="sldNum" sz="quarter" idx="10"/>
+            <p:ph type="sldNum" sz="quarter" idx="5"/>
           </p:nvPr>
         </p:nvSpPr>
         <p:spPr/>
@@ -1009,14 +971,97 @@
             <a:pPr>
               <a:defRPr/>
             </a:pPr>
-            <a:fld id="{CBFB72AA-FFA9-427A-8480-5ACFBD2982FB}" type="slidenum">
-              <a:rPr lang="zh-CN" altLang="en-US" smtClean="0"/>
+            <a:fld id="{34DB19C5-4EDC-48A2-B389-206E2008633C}" type="slidenum">
+              <a:rPr lang="en-US" altLang="zh-CN"/>
               <a:pPr>
                 <a:defRPr/>
               </a:pPr>
               <a:t>4</a:t>
             </a:fld>
             <a:endParaRPr lang="en-US" altLang="zh-CN"/>
+          </a:p>
+        </p:txBody>
+      </p:sp>
+      <p:sp>
+        <p:nvSpPr>
+          <p:cNvPr id="29699" name="Rectangle 2"/>
+          <p:cNvSpPr>
+            <a:spLocks noGrp="1" noRot="1" noChangeAspect="1" noChangeArrowheads="1" noTextEdit="1"/>
+          </p:cNvSpPr>
+          <p:nvPr>
+            <p:ph type="sldImg"/>
+          </p:nvPr>
+        </p:nvSpPr>
+        <p:spPr>
+          <a:ln/>
+        </p:spPr>
+      </p:sp>
+      <p:sp>
+        <p:nvSpPr>
+          <p:cNvPr id="29700" name="Rectangle 3"/>
+          <p:cNvSpPr>
+            <a:spLocks noGrp="1" noChangeArrowheads="1"/>
+          </p:cNvSpPr>
+          <p:nvPr>
+            <p:ph type="body" idx="1"/>
+          </p:nvPr>
+        </p:nvSpPr>
+        <p:spPr>
+          <a:noFill/>
+          <a:ln/>
+        </p:spPr>
+        <p:txBody>
+          <a:bodyPr/>
+          <a:lstStyle/>
+          <a:p>
+            <a:pPr algn="just">
+              <a:spcBef>
+                <a:spcPct val="20000"/>
+              </a:spcBef>
+              <a:buClr>
+                <a:schemeClr val="hlink"/>
+              </a:buClr>
+              <a:buSzPct val="60000"/>
+              <a:buFontTx/>
+              <a:buNone/>
+            </a:pPr>
+            <a:r>
+              <a:rPr lang="zh-CN" altLang="en-US" dirty="0" smtClean="0">
+                <a:latin typeface="Times New Roman" pitchFamily="18" charset="0"/>
+              </a:rPr>
+              <a:t>大家已经知道什么是文本框了  那如何进行文本框控件测试  先看这个“插入工作表”的功能</a:t>
+            </a:r>
+            <a:endParaRPr lang="en-US" altLang="zh-CN" dirty="0" smtClean="0">
+              <a:latin typeface="Times New Roman" pitchFamily="18" charset="0"/>
+            </a:endParaRPr>
+          </a:p>
+          <a:p>
+            <a:pPr algn="just">
+              <a:spcBef>
+                <a:spcPct val="20000"/>
+              </a:spcBef>
+              <a:buClr>
+                <a:schemeClr val="hlink"/>
+              </a:buClr>
+              <a:buSzPct val="60000"/>
+              <a:buFontTx/>
+              <a:buNone/>
+            </a:pPr>
+            <a:r>
+              <a:rPr lang="en-US" altLang="zh-CN" dirty="0" smtClean="0">
+                <a:latin typeface="Times New Roman" pitchFamily="18" charset="0"/>
+              </a:rPr>
+              <a:t>\n</a:t>
+            </a:r>
+            <a:r>
+              <a:rPr lang="en-US" altLang="zh-CN" baseline="0" dirty="0" smtClean="0">
+                <a:latin typeface="Times New Roman" pitchFamily="18" charset="0"/>
+              </a:rPr>
+              <a:t> \r</a:t>
+            </a:r>
+            <a:endParaRPr lang="en-US" altLang="zh-CN" dirty="0" smtClean="0">
+              <a:latin typeface="Times New Roman" pitchFamily="18" charset="0"/>
+            </a:endParaRPr>
           </a:p>
         </p:txBody>
       </p:sp>
@@ -1047,45 +1092,12 @@
       </p:grpSpPr>
       <p:sp>
         <p:nvSpPr>
-          <p:cNvPr id="2" name="幻灯片图像占位符 1"/>
-          <p:cNvSpPr>
-            <a:spLocks noGrp="1" noRot="1" noChangeAspect="1"/>
+          <p:cNvPr id="7" name="Rectangle 7"/>
+          <p:cNvSpPr>
+            <a:spLocks noGrp="1" noChangeArrowheads="1"/>
           </p:cNvSpPr>
           <p:nvPr>
-            <p:ph type="sldImg"/>
-          </p:nvPr>
-        </p:nvSpPr>
-        <p:spPr/>
-      </p:sp>
-      <p:sp>
-        <p:nvSpPr>
-          <p:cNvPr id="3" name="备注占位符 2"/>
-          <p:cNvSpPr>
-            <a:spLocks noGrp="1"/>
-          </p:cNvSpPr>
-          <p:nvPr>
-            <p:ph type="body" idx="1"/>
-          </p:nvPr>
-        </p:nvSpPr>
-        <p:spPr/>
-        <p:txBody>
-          <a:bodyPr>
-            <a:normAutofit/>
-          </a:bodyPr>
-          <a:lstStyle/>
-          <a:p>
-            <a:endParaRPr lang="zh-CN" altLang="en-US"/>
-          </a:p>
-        </p:txBody>
-      </p:sp>
-      <p:sp>
-        <p:nvSpPr>
-          <p:cNvPr id="4" name="灯片编号占位符 3"/>
-          <p:cNvSpPr>
-            <a:spLocks noGrp="1"/>
-          </p:cNvSpPr>
-          <p:nvPr>
-            <p:ph type="sldNum" sz="quarter" idx="10"/>
+            <p:ph type="sldNum" sz="quarter" idx="5"/>
           </p:nvPr>
         </p:nvSpPr>
         <p:spPr/>
@@ -1096,14 +1108,63 @@
             <a:pPr>
               <a:defRPr/>
             </a:pPr>
-            <a:fld id="{CBFB72AA-FFA9-427A-8480-5ACFBD2982FB}" type="slidenum">
-              <a:rPr lang="zh-CN" altLang="en-US" smtClean="0"/>
+            <a:fld id="{34DB19C5-4EDC-48A2-B389-206E2008633C}" type="slidenum">
+              <a:rPr lang="en-US" altLang="zh-CN"/>
               <a:pPr>
                 <a:defRPr/>
               </a:pPr>
               <a:t>5</a:t>
             </a:fld>
             <a:endParaRPr lang="en-US" altLang="zh-CN"/>
+          </a:p>
+        </p:txBody>
+      </p:sp>
+      <p:sp>
+        <p:nvSpPr>
+          <p:cNvPr id="29699" name="Rectangle 2"/>
+          <p:cNvSpPr>
+            <a:spLocks noGrp="1" noRot="1" noChangeAspect="1" noChangeArrowheads="1" noTextEdit="1"/>
+          </p:cNvSpPr>
+          <p:nvPr>
+            <p:ph type="sldImg"/>
+          </p:nvPr>
+        </p:nvSpPr>
+        <p:spPr>
+          <a:ln/>
+        </p:spPr>
+      </p:sp>
+      <p:sp>
+        <p:nvSpPr>
+          <p:cNvPr id="29700" name="Rectangle 3"/>
+          <p:cNvSpPr>
+            <a:spLocks noGrp="1" noChangeArrowheads="1"/>
+          </p:cNvSpPr>
+          <p:nvPr>
+            <p:ph type="body" idx="1"/>
+          </p:nvPr>
+        </p:nvSpPr>
+        <p:spPr>
+          <a:noFill/>
+          <a:ln/>
+        </p:spPr>
+        <p:txBody>
+          <a:bodyPr/>
+          <a:lstStyle/>
+          <a:p>
+            <a:pPr algn="just">
+              <a:spcBef>
+                <a:spcPct val="20000"/>
+              </a:spcBef>
+              <a:buClr>
+                <a:schemeClr val="hlink"/>
+              </a:buClr>
+              <a:buSzPct val="60000"/>
+              <a:buFontTx/>
+              <a:buNone/>
+            </a:pPr>
+            <a:endParaRPr lang="en-US" altLang="zh-CN" dirty="0" smtClean="0">
+              <a:latin typeface="Times New Roman" pitchFamily="18" charset="0"/>
+            </a:endParaRPr>
           </a:p>
         </p:txBody>
       </p:sp>
@@ -1134,45 +1195,12 @@
       </p:grpSpPr>
       <p:sp>
         <p:nvSpPr>
-          <p:cNvPr id="2" name="幻灯片图像占位符 1"/>
-          <p:cNvSpPr>
-            <a:spLocks noGrp="1" noRot="1" noChangeAspect="1"/>
+          <p:cNvPr id="7" name="Rectangle 7"/>
+          <p:cNvSpPr>
+            <a:spLocks noGrp="1" noChangeArrowheads="1"/>
           </p:cNvSpPr>
           <p:nvPr>
-            <p:ph type="sldImg"/>
-          </p:nvPr>
-        </p:nvSpPr>
-        <p:spPr/>
-      </p:sp>
-      <p:sp>
-        <p:nvSpPr>
-          <p:cNvPr id="3" name="备注占位符 2"/>
-          <p:cNvSpPr>
-            <a:spLocks noGrp="1"/>
-          </p:cNvSpPr>
-          <p:nvPr>
-            <p:ph type="body" idx="1"/>
-          </p:nvPr>
-        </p:nvSpPr>
-        <p:spPr/>
-        <p:txBody>
-          <a:bodyPr>
-            <a:normAutofit/>
-          </a:bodyPr>
-          <a:lstStyle/>
-          <a:p>
-            <a:endParaRPr lang="zh-CN" altLang="en-US" dirty="0"/>
-          </a:p>
-        </p:txBody>
-      </p:sp>
-      <p:sp>
-        <p:nvSpPr>
-          <p:cNvPr id="4" name="灯片编号占位符 3"/>
-          <p:cNvSpPr>
-            <a:spLocks noGrp="1"/>
-          </p:cNvSpPr>
-          <p:nvPr>
-            <p:ph type="sldNum" sz="quarter" idx="10"/>
+            <p:ph type="sldNum" sz="quarter" idx="5"/>
           </p:nvPr>
         </p:nvSpPr>
         <p:spPr/>
@@ -1183,14 +1211,730 @@
             <a:pPr>
               <a:defRPr/>
             </a:pPr>
-            <a:fld id="{CBFB72AA-FFA9-427A-8480-5ACFBD2982FB}" type="slidenum">
-              <a:rPr lang="zh-CN" altLang="en-US" smtClean="0"/>
+            <a:fld id="{23CBB9B9-3177-46FC-BED4-BA10197AD449}" type="slidenum">
+              <a:rPr lang="en-US" altLang="zh-CN"/>
               <a:pPr>
                 <a:defRPr/>
               </a:pPr>
               <a:t>6</a:t>
             </a:fld>
             <a:endParaRPr lang="en-US" altLang="zh-CN"/>
+          </a:p>
+        </p:txBody>
+      </p:sp>
+      <p:sp>
+        <p:nvSpPr>
+          <p:cNvPr id="30723" name="Rectangle 2"/>
+          <p:cNvSpPr>
+            <a:spLocks noGrp="1" noRot="1" noChangeAspect="1" noChangeArrowheads="1" noTextEdit="1"/>
+          </p:cNvSpPr>
+          <p:nvPr>
+            <p:ph type="sldImg"/>
+          </p:nvPr>
+        </p:nvSpPr>
+        <p:spPr>
+          <a:ln/>
+        </p:spPr>
+      </p:sp>
+      <p:sp>
+        <p:nvSpPr>
+          <p:cNvPr id="30724" name="Rectangle 3"/>
+          <p:cNvSpPr>
+            <a:spLocks noGrp="1" noChangeArrowheads="1"/>
+          </p:cNvSpPr>
+          <p:nvPr>
+            <p:ph type="body" idx="1"/>
+          </p:nvPr>
+        </p:nvSpPr>
+        <p:spPr>
+          <a:noFill/>
+          <a:ln/>
+        </p:spPr>
+        <p:txBody>
+          <a:bodyPr/>
+          <a:lstStyle/>
+          <a:p>
+            <a:pPr lvl="1" eaLnBrk="0" hangingPunct="0">
+              <a:lnSpc>
+                <a:spcPct val="150000"/>
+              </a:lnSpc>
+              <a:spcAft>
+                <a:spcPts val="0"/>
+              </a:spcAft>
+            </a:pPr>
+            <a:r>
+              <a:rPr lang="zh-CN" altLang="en-US" sz="2000" dirty="0" smtClean="0">
+                <a:solidFill>
+                  <a:schemeClr val="tx1"/>
+                </a:solidFill>
+              </a:rPr>
+              <a:t>按钮功能是否实现（关联）                  </a:t>
+            </a:r>
+            <a:r>
+              <a:rPr lang="en-US" altLang="zh-CN" sz="2000" dirty="0" smtClean="0">
+                <a:solidFill>
+                  <a:schemeClr val="tx1"/>
+                </a:solidFill>
+              </a:rPr>
+              <a:t>EX</a:t>
+            </a:r>
+            <a:r>
+              <a:rPr lang="zh-CN" altLang="en-US" sz="2000" dirty="0" smtClean="0">
+                <a:solidFill>
+                  <a:schemeClr val="tx1"/>
+                </a:solidFill>
+              </a:rPr>
+              <a:t>： 邮件发送，定时发送</a:t>
+            </a:r>
+          </a:p>
+          <a:p>
+            <a:pPr lvl="1" eaLnBrk="0" hangingPunct="0">
+              <a:lnSpc>
+                <a:spcPct val="150000"/>
+              </a:lnSpc>
+              <a:spcAft>
+                <a:spcPts val="0"/>
+              </a:spcAft>
+            </a:pPr>
+            <a:r>
+              <a:rPr lang="zh-CN" altLang="en-US" sz="2000" dirty="0" smtClean="0">
+                <a:solidFill>
+                  <a:schemeClr val="tx1"/>
+                </a:solidFill>
+              </a:rPr>
+              <a:t>提示信息是否正确（正确、友好、无法恢复时）</a:t>
+            </a:r>
+            <a:r>
+              <a:rPr lang="en-US" altLang="zh-CN" sz="2000" dirty="0" smtClean="0">
+                <a:solidFill>
+                  <a:schemeClr val="tx1"/>
+                </a:solidFill>
+              </a:rPr>
+              <a:t>EX</a:t>
+            </a:r>
+            <a:r>
+              <a:rPr lang="zh-CN" altLang="en-US" sz="2000" dirty="0" smtClean="0">
+                <a:solidFill>
+                  <a:schemeClr val="tx1"/>
+                </a:solidFill>
+              </a:rPr>
+              <a:t>： 删除</a:t>
+            </a:r>
+            <a:r>
+              <a:rPr lang="en-US" altLang="zh-CN" sz="2000" dirty="0" smtClean="0">
+                <a:solidFill>
+                  <a:schemeClr val="tx1"/>
+                </a:solidFill>
+              </a:rPr>
+              <a:t>QQ</a:t>
+            </a:r>
+            <a:r>
+              <a:rPr lang="zh-CN" altLang="en-US" sz="2000" dirty="0" smtClean="0">
+                <a:solidFill>
+                  <a:schemeClr val="tx1"/>
+                </a:solidFill>
+              </a:rPr>
+              <a:t>好友，删除后不在接收他的信息</a:t>
+            </a:r>
+          </a:p>
+          <a:p>
+            <a:pPr lvl="1" eaLnBrk="0" hangingPunct="0">
+              <a:lnSpc>
+                <a:spcPct val="150000"/>
+              </a:lnSpc>
+              <a:spcAft>
+                <a:spcPts val="0"/>
+              </a:spcAft>
+            </a:pPr>
+            <a:r>
+              <a:rPr lang="zh-CN" altLang="en-US" sz="2000" dirty="0" smtClean="0">
+                <a:solidFill>
+                  <a:schemeClr val="tx1"/>
+                </a:solidFill>
+              </a:rPr>
+              <a:t>对于</a:t>
+            </a:r>
+            <a:r>
+              <a:rPr lang="zh-CN" altLang="en-US" sz="2000" dirty="0" smtClean="0">
+                <a:solidFill>
+                  <a:srgbClr val="FF0000"/>
+                </a:solidFill>
+              </a:rPr>
+              <a:t>不符合业务</a:t>
+            </a:r>
+            <a:r>
+              <a:rPr lang="zh-CN" altLang="en-US" sz="2000" dirty="0" smtClean="0">
+                <a:solidFill>
+                  <a:schemeClr val="tx1"/>
+                </a:solidFill>
+              </a:rPr>
+              <a:t>背景的输入数据是否有相应    </a:t>
+            </a:r>
+            <a:r>
+              <a:rPr lang="en-US" altLang="zh-CN" sz="2000" dirty="0" smtClean="0">
+                <a:solidFill>
+                  <a:schemeClr val="tx1"/>
+                </a:solidFill>
+              </a:rPr>
+              <a:t>EX</a:t>
+            </a:r>
+            <a:r>
+              <a:rPr lang="zh-CN" altLang="en-US" sz="2000" dirty="0" smtClean="0">
+                <a:solidFill>
+                  <a:schemeClr val="tx1"/>
+                </a:solidFill>
+              </a:rPr>
+              <a:t>：错误的邮件收件人格式</a:t>
+            </a:r>
+            <a:endParaRPr lang="zh-CN" altLang="en-US" dirty="0" smtClean="0">
+              <a:latin typeface="Arial" pitchFamily="34" charset="0"/>
+            </a:endParaRPr>
+          </a:p>
+        </p:txBody>
+      </p:sp>
+    </p:spTree>
+  </p:cSld>
+  <p:clrMapOvr>
+    <a:masterClrMapping/>
+  </p:clrMapOvr>
+</p:notes>
+</file>
+
+<file path=ppt/notesSlides/notesSlide5.xml><?xml version="1.0" encoding="utf-8"?>
+<p:notes xmlns:a="http://schemas.openxmlformats.org/drawingml/2006/main" xmlns:r="http://schemas.openxmlformats.org/officeDocument/2006/relationships" xmlns:p="http://schemas.openxmlformats.org/presentationml/2006/main">
+  <p:cSld>
+    <p:spTree>
+      <p:nvGrpSpPr>
+        <p:cNvPr id="1" name=""/>
+        <p:cNvGrpSpPr/>
+        <p:nvPr/>
+      </p:nvGrpSpPr>
+      <p:grpSpPr>
+        <a:xfrm>
+          <a:off x="0" y="0"/>
+          <a:ext cx="0" cy="0"/>
+          <a:chOff x="0" y="0"/>
+          <a:chExt cx="0" cy="0"/>
+        </a:xfrm>
+      </p:grpSpPr>
+      <p:sp>
+        <p:nvSpPr>
+          <p:cNvPr id="7" name="Rectangle 7"/>
+          <p:cNvSpPr>
+            <a:spLocks noGrp="1" noChangeArrowheads="1"/>
+          </p:cNvSpPr>
+          <p:nvPr>
+            <p:ph type="sldNum" sz="quarter" idx="5"/>
+          </p:nvPr>
+        </p:nvSpPr>
+        <p:spPr/>
+        <p:txBody>
+          <a:bodyPr/>
+          <a:lstStyle/>
+          <a:p>
+            <a:pPr>
+              <a:defRPr/>
+            </a:pPr>
+            <a:fld id="{23CBB9B9-3177-46FC-BED4-BA10197AD449}" type="slidenum">
+              <a:rPr lang="en-US" altLang="zh-CN"/>
+              <a:pPr>
+                <a:defRPr/>
+              </a:pPr>
+              <a:t>7</a:t>
+            </a:fld>
+            <a:endParaRPr lang="en-US" altLang="zh-CN"/>
+          </a:p>
+        </p:txBody>
+      </p:sp>
+      <p:sp>
+        <p:nvSpPr>
+          <p:cNvPr id="30723" name="Rectangle 2"/>
+          <p:cNvSpPr>
+            <a:spLocks noGrp="1" noRot="1" noChangeAspect="1" noChangeArrowheads="1" noTextEdit="1"/>
+          </p:cNvSpPr>
+          <p:nvPr>
+            <p:ph type="sldImg"/>
+          </p:nvPr>
+        </p:nvSpPr>
+        <p:spPr>
+          <a:ln/>
+        </p:spPr>
+      </p:sp>
+      <p:sp>
+        <p:nvSpPr>
+          <p:cNvPr id="30724" name="Rectangle 3"/>
+          <p:cNvSpPr>
+            <a:spLocks noGrp="1" noChangeArrowheads="1"/>
+          </p:cNvSpPr>
+          <p:nvPr>
+            <p:ph type="body" idx="1"/>
+          </p:nvPr>
+        </p:nvSpPr>
+        <p:spPr>
+          <a:noFill/>
+          <a:ln/>
+        </p:spPr>
+        <p:txBody>
+          <a:bodyPr/>
+          <a:lstStyle/>
+          <a:p>
+            <a:pPr lvl="1" eaLnBrk="0" hangingPunct="0">
+              <a:lnSpc>
+                <a:spcPct val="150000"/>
+              </a:lnSpc>
+              <a:spcAft>
+                <a:spcPts val="0"/>
+              </a:spcAft>
+            </a:pPr>
+            <a:r>
+              <a:rPr lang="zh-CN" altLang="en-US" sz="2000" dirty="0" smtClean="0">
+                <a:solidFill>
+                  <a:schemeClr val="tx1"/>
+                </a:solidFill>
+              </a:rPr>
+              <a:t>按钮功能是否实现（关联）                  </a:t>
+            </a:r>
+            <a:r>
+              <a:rPr lang="en-US" altLang="zh-CN" sz="2000" dirty="0" smtClean="0">
+                <a:solidFill>
+                  <a:schemeClr val="tx1"/>
+                </a:solidFill>
+              </a:rPr>
+              <a:t>EX</a:t>
+            </a:r>
+            <a:r>
+              <a:rPr lang="zh-CN" altLang="en-US" sz="2000" dirty="0" smtClean="0">
+                <a:solidFill>
+                  <a:schemeClr val="tx1"/>
+                </a:solidFill>
+              </a:rPr>
+              <a:t>： 邮件发送，定时发送</a:t>
+            </a:r>
+          </a:p>
+          <a:p>
+            <a:pPr lvl="1" eaLnBrk="0" hangingPunct="0">
+              <a:lnSpc>
+                <a:spcPct val="150000"/>
+              </a:lnSpc>
+              <a:spcAft>
+                <a:spcPts val="0"/>
+              </a:spcAft>
+            </a:pPr>
+            <a:r>
+              <a:rPr lang="zh-CN" altLang="en-US" sz="2000" dirty="0" smtClean="0">
+                <a:solidFill>
+                  <a:schemeClr val="tx1"/>
+                </a:solidFill>
+              </a:rPr>
+              <a:t>提示信息是否正确（正确、友好、无法恢复时）</a:t>
+            </a:r>
+            <a:r>
+              <a:rPr lang="en-US" altLang="zh-CN" sz="2000" dirty="0" smtClean="0">
+                <a:solidFill>
+                  <a:schemeClr val="tx1"/>
+                </a:solidFill>
+              </a:rPr>
+              <a:t>EX</a:t>
+            </a:r>
+            <a:r>
+              <a:rPr lang="zh-CN" altLang="en-US" sz="2000" dirty="0" smtClean="0">
+                <a:solidFill>
+                  <a:schemeClr val="tx1"/>
+                </a:solidFill>
+              </a:rPr>
+              <a:t>： 删除</a:t>
+            </a:r>
+            <a:r>
+              <a:rPr lang="en-US" altLang="zh-CN" sz="2000" dirty="0" smtClean="0">
+                <a:solidFill>
+                  <a:schemeClr val="tx1"/>
+                </a:solidFill>
+              </a:rPr>
+              <a:t>QQ</a:t>
+            </a:r>
+            <a:r>
+              <a:rPr lang="zh-CN" altLang="en-US" sz="2000" dirty="0" smtClean="0">
+                <a:solidFill>
+                  <a:schemeClr val="tx1"/>
+                </a:solidFill>
+              </a:rPr>
+              <a:t>好友，删除后不在接收他的信息</a:t>
+            </a:r>
+          </a:p>
+          <a:p>
+            <a:pPr lvl="1" eaLnBrk="0" hangingPunct="0">
+              <a:lnSpc>
+                <a:spcPct val="150000"/>
+              </a:lnSpc>
+              <a:spcAft>
+                <a:spcPts val="0"/>
+              </a:spcAft>
+            </a:pPr>
+            <a:r>
+              <a:rPr lang="zh-CN" altLang="en-US" sz="2000" dirty="0" smtClean="0">
+                <a:solidFill>
+                  <a:schemeClr val="tx1"/>
+                </a:solidFill>
+              </a:rPr>
+              <a:t>对于</a:t>
+            </a:r>
+            <a:r>
+              <a:rPr lang="zh-CN" altLang="en-US" sz="2000" dirty="0" smtClean="0">
+                <a:solidFill>
+                  <a:srgbClr val="FF0000"/>
+                </a:solidFill>
+              </a:rPr>
+              <a:t>不符合业务</a:t>
+            </a:r>
+            <a:r>
+              <a:rPr lang="zh-CN" altLang="en-US" sz="2000" dirty="0" smtClean="0">
+                <a:solidFill>
+                  <a:schemeClr val="tx1"/>
+                </a:solidFill>
+              </a:rPr>
+              <a:t>背景的输入数据是否有相应    </a:t>
+            </a:r>
+            <a:r>
+              <a:rPr lang="en-US" altLang="zh-CN" sz="2000" dirty="0" smtClean="0">
+                <a:solidFill>
+                  <a:schemeClr val="tx1"/>
+                </a:solidFill>
+              </a:rPr>
+              <a:t>EX</a:t>
+            </a:r>
+            <a:r>
+              <a:rPr lang="zh-CN" altLang="en-US" sz="2000" dirty="0" smtClean="0">
+                <a:solidFill>
+                  <a:schemeClr val="tx1"/>
+                </a:solidFill>
+              </a:rPr>
+              <a:t>：错误的邮件收件人格式</a:t>
+            </a:r>
+            <a:endParaRPr lang="zh-CN" altLang="en-US" dirty="0" smtClean="0">
+              <a:latin typeface="Arial" pitchFamily="34" charset="0"/>
+            </a:endParaRPr>
+          </a:p>
+        </p:txBody>
+      </p:sp>
+    </p:spTree>
+  </p:cSld>
+  <p:clrMapOvr>
+    <a:masterClrMapping/>
+  </p:clrMapOvr>
+</p:notes>
+</file>
+
+<file path=ppt/notesSlides/notesSlide6.xml><?xml version="1.0" encoding="utf-8"?>
+<p:notes xmlns:a="http://schemas.openxmlformats.org/drawingml/2006/main" xmlns:r="http://schemas.openxmlformats.org/officeDocument/2006/relationships" xmlns:p="http://schemas.openxmlformats.org/presentationml/2006/main">
+  <p:cSld>
+    <p:spTree>
+      <p:nvGrpSpPr>
+        <p:cNvPr id="1" name=""/>
+        <p:cNvGrpSpPr/>
+        <p:nvPr/>
+      </p:nvGrpSpPr>
+      <p:grpSpPr>
+        <a:xfrm>
+          <a:off x="0" y="0"/>
+          <a:ext cx="0" cy="0"/>
+          <a:chOff x="0" y="0"/>
+          <a:chExt cx="0" cy="0"/>
+        </a:xfrm>
+      </p:grpSpPr>
+      <p:sp>
+        <p:nvSpPr>
+          <p:cNvPr id="7" name="Rectangle 7"/>
+          <p:cNvSpPr>
+            <a:spLocks noGrp="1" noChangeArrowheads="1"/>
+          </p:cNvSpPr>
+          <p:nvPr>
+            <p:ph type="sldNum" sz="quarter" idx="5"/>
+          </p:nvPr>
+        </p:nvSpPr>
+        <p:spPr/>
+        <p:txBody>
+          <a:bodyPr/>
+          <a:lstStyle/>
+          <a:p>
+            <a:pPr>
+              <a:defRPr/>
+            </a:pPr>
+            <a:fld id="{EA5FB3A0-4803-4FBF-86AA-15716D61BFE0}" type="slidenum">
+              <a:rPr lang="en-US" altLang="zh-CN"/>
+              <a:pPr>
+                <a:defRPr/>
+              </a:pPr>
+              <a:t>8</a:t>
+            </a:fld>
+            <a:endParaRPr lang="en-US" altLang="zh-CN"/>
+          </a:p>
+        </p:txBody>
+      </p:sp>
+      <p:sp>
+        <p:nvSpPr>
+          <p:cNvPr id="31747" name="Rectangle 2"/>
+          <p:cNvSpPr>
+            <a:spLocks noGrp="1" noRot="1" noChangeAspect="1" noChangeArrowheads="1" noTextEdit="1"/>
+          </p:cNvSpPr>
+          <p:nvPr>
+            <p:ph type="sldImg"/>
+          </p:nvPr>
+        </p:nvSpPr>
+        <p:spPr>
+          <a:ln/>
+        </p:spPr>
+      </p:sp>
+      <p:sp>
+        <p:nvSpPr>
+          <p:cNvPr id="31748" name="Rectangle 3"/>
+          <p:cNvSpPr>
+            <a:spLocks noGrp="1" noChangeArrowheads="1"/>
+          </p:cNvSpPr>
+          <p:nvPr>
+            <p:ph type="body" idx="1"/>
+          </p:nvPr>
+        </p:nvSpPr>
+        <p:spPr>
+          <a:noFill/>
+          <a:ln/>
+        </p:spPr>
+        <p:txBody>
+          <a:bodyPr/>
+          <a:lstStyle/>
+          <a:p>
+            <a:pPr algn="just">
+              <a:spcBef>
+                <a:spcPct val="20000"/>
+              </a:spcBef>
+              <a:buClr>
+                <a:schemeClr val="hlink"/>
+              </a:buClr>
+              <a:buSzPct val="60000"/>
+              <a:buFontTx/>
+              <a:buNone/>
+            </a:pPr>
+            <a:r>
+              <a:rPr lang="zh-CN" altLang="en-US" sz="2000" dirty="0" smtClean="0">
+                <a:latin typeface="Times New Roman" pitchFamily="18" charset="0"/>
+              </a:rPr>
+              <a:t>什么场合使用单选按钮呢？</a:t>
+            </a:r>
+            <a:endParaRPr lang="en-US" altLang="zh-CN" sz="2000" dirty="0" smtClean="0">
+              <a:latin typeface="Times New Roman" pitchFamily="18" charset="0"/>
+            </a:endParaRPr>
+          </a:p>
+          <a:p>
+            <a:pPr algn="just">
+              <a:spcBef>
+                <a:spcPct val="20000"/>
+              </a:spcBef>
+              <a:buClr>
+                <a:schemeClr val="hlink"/>
+              </a:buClr>
+              <a:buSzPct val="60000"/>
+              <a:buFontTx/>
+              <a:buNone/>
+            </a:pPr>
+            <a:r>
+              <a:rPr lang="zh-CN" altLang="en-US" sz="2000" dirty="0" smtClean="0">
+                <a:latin typeface="Times New Roman" pitchFamily="18" charset="0"/>
+              </a:rPr>
+              <a:t>最高学历，性别</a:t>
+            </a:r>
+            <a:endParaRPr lang="en-US" altLang="zh-CN" sz="2000" dirty="0" smtClean="0">
+              <a:latin typeface="Times New Roman" pitchFamily="18" charset="0"/>
+            </a:endParaRPr>
+          </a:p>
+        </p:txBody>
+      </p:sp>
+    </p:spTree>
+  </p:cSld>
+  <p:clrMapOvr>
+    <a:masterClrMapping/>
+  </p:clrMapOvr>
+</p:notes>
+</file>
+
+<file path=ppt/notesSlides/notesSlide7.xml><?xml version="1.0" encoding="utf-8"?>
+<p:notes xmlns:a="http://schemas.openxmlformats.org/drawingml/2006/main" xmlns:r="http://schemas.openxmlformats.org/officeDocument/2006/relationships" xmlns:p="http://schemas.openxmlformats.org/presentationml/2006/main">
+  <p:cSld>
+    <p:spTree>
+      <p:nvGrpSpPr>
+        <p:cNvPr id="1" name=""/>
+        <p:cNvGrpSpPr/>
+        <p:nvPr/>
+      </p:nvGrpSpPr>
+      <p:grpSpPr>
+        <a:xfrm>
+          <a:off x="0" y="0"/>
+          <a:ext cx="0" cy="0"/>
+          <a:chOff x="0" y="0"/>
+          <a:chExt cx="0" cy="0"/>
+        </a:xfrm>
+      </p:grpSpPr>
+      <p:sp>
+        <p:nvSpPr>
+          <p:cNvPr id="7" name="Rectangle 7"/>
+          <p:cNvSpPr>
+            <a:spLocks noGrp="1" noChangeArrowheads="1"/>
+          </p:cNvSpPr>
+          <p:nvPr>
+            <p:ph type="sldNum" sz="quarter" idx="5"/>
+          </p:nvPr>
+        </p:nvSpPr>
+        <p:spPr/>
+        <p:txBody>
+          <a:bodyPr/>
+          <a:lstStyle/>
+          <a:p>
+            <a:pPr>
+              <a:defRPr/>
+            </a:pPr>
+            <a:fld id="{AB0F79F5-386F-4E62-98EF-B15FC288EEBC}" type="slidenum">
+              <a:rPr lang="en-US" altLang="zh-CN"/>
+              <a:pPr>
+                <a:defRPr/>
+              </a:pPr>
+              <a:t>9</a:t>
+            </a:fld>
+            <a:endParaRPr lang="en-US" altLang="zh-CN"/>
+          </a:p>
+        </p:txBody>
+      </p:sp>
+      <p:sp>
+        <p:nvSpPr>
+          <p:cNvPr id="32771" name="Rectangle 2"/>
+          <p:cNvSpPr>
+            <a:spLocks noGrp="1" noRot="1" noChangeAspect="1" noChangeArrowheads="1" noTextEdit="1"/>
+          </p:cNvSpPr>
+          <p:nvPr>
+            <p:ph type="sldImg"/>
+          </p:nvPr>
+        </p:nvSpPr>
+        <p:spPr>
+          <a:ln/>
+        </p:spPr>
+      </p:sp>
+      <p:sp>
+        <p:nvSpPr>
+          <p:cNvPr id="32772" name="Rectangle 3"/>
+          <p:cNvSpPr>
+            <a:spLocks noGrp="1" noChangeArrowheads="1"/>
+          </p:cNvSpPr>
+          <p:nvPr>
+            <p:ph type="body" idx="1"/>
+          </p:nvPr>
+        </p:nvSpPr>
+        <p:spPr>
+          <a:noFill/>
+          <a:ln/>
+        </p:spPr>
+        <p:txBody>
+          <a:bodyPr/>
+          <a:lstStyle/>
+          <a:p>
+            <a:pPr algn="just"/>
+            <a:endParaRPr lang="zh-CN" altLang="en-US" dirty="0" smtClean="0">
+              <a:latin typeface="Arial" pitchFamily="34" charset="0"/>
+            </a:endParaRPr>
+          </a:p>
+        </p:txBody>
+      </p:sp>
+    </p:spTree>
+  </p:cSld>
+  <p:clrMapOvr>
+    <a:masterClrMapping/>
+  </p:clrMapOvr>
+</p:notes>
+</file>
+
+<file path=ppt/notesSlides/notesSlide8.xml><?xml version="1.0" encoding="utf-8"?>
+<p:notes xmlns:a="http://schemas.openxmlformats.org/drawingml/2006/main" xmlns:r="http://schemas.openxmlformats.org/officeDocument/2006/relationships" xmlns:p="http://schemas.openxmlformats.org/presentationml/2006/main">
+  <p:cSld>
+    <p:spTree>
+      <p:nvGrpSpPr>
+        <p:cNvPr id="1" name=""/>
+        <p:cNvGrpSpPr/>
+        <p:nvPr/>
+      </p:nvGrpSpPr>
+      <p:grpSpPr>
+        <a:xfrm>
+          <a:off x="0" y="0"/>
+          <a:ext cx="0" cy="0"/>
+          <a:chOff x="0" y="0"/>
+          <a:chExt cx="0" cy="0"/>
+        </a:xfrm>
+      </p:grpSpPr>
+      <p:sp>
+        <p:nvSpPr>
+          <p:cNvPr id="2" name="幻灯片图像占位符 1"/>
+          <p:cNvSpPr>
+            <a:spLocks noGrp="1" noRot="1" noChangeAspect="1"/>
+          </p:cNvSpPr>
+          <p:nvPr>
+            <p:ph type="sldImg"/>
+          </p:nvPr>
+        </p:nvSpPr>
+        <p:spPr/>
+      </p:sp>
+      <p:sp>
+        <p:nvSpPr>
+          <p:cNvPr id="3" name="备注占位符 2"/>
+          <p:cNvSpPr>
+            <a:spLocks noGrp="1"/>
+          </p:cNvSpPr>
+          <p:nvPr>
+            <p:ph type="body" idx="1"/>
+          </p:nvPr>
+        </p:nvSpPr>
+        <p:spPr/>
+        <p:txBody>
+          <a:bodyPr>
+            <a:normAutofit/>
+          </a:bodyPr>
+          <a:lstStyle/>
+          <a:p>
+            <a:r>
+              <a:rPr lang="zh-CN" altLang="en-US" dirty="0" smtClean="0"/>
+              <a:t>以 </a:t>
+            </a:r>
+            <a:r>
+              <a:rPr lang="en-US" altLang="zh-CN" dirty="0" smtClean="0"/>
+              <a:t>word</a:t>
+            </a:r>
+            <a:r>
+              <a:rPr lang="zh-CN" altLang="en-US" dirty="0" smtClean="0"/>
+              <a:t>中插入表格 </a:t>
+            </a:r>
+            <a:r>
+              <a:rPr lang="en-US" altLang="zh-CN" smtClean="0"/>
+              <a:t>1~63</a:t>
+            </a:r>
+            <a:endParaRPr lang="zh-CN" altLang="en-US"/>
+          </a:p>
+        </p:txBody>
+      </p:sp>
+      <p:sp>
+        <p:nvSpPr>
+          <p:cNvPr id="4" name="灯片编号占位符 3"/>
+          <p:cNvSpPr>
+            <a:spLocks noGrp="1"/>
+          </p:cNvSpPr>
+          <p:nvPr>
+            <p:ph type="sldNum" sz="quarter" idx="10"/>
+          </p:nvPr>
+        </p:nvSpPr>
+        <p:spPr/>
+        <p:txBody>
+          <a:bodyPr/>
+          <a:lstStyle/>
+          <a:p>
+            <a:fld id="{4140273F-E35B-4368-A4A4-5732FF70872E}" type="slidenum">
+              <a:rPr lang="zh-CN" altLang="en-US" smtClean="0"/>
+              <a:pPr/>
+              <a:t>10</a:t>
+            </a:fld>
+            <a:endParaRPr lang="zh-CN" altLang="en-US"/>
           </a:p>
         </p:txBody>
       </p:sp>
@@ -1229,7 +1973,7 @@
         </p:nvSpPr>
         <p:spPr bwMode="auto">
           <a:xfrm>
-            <a:off x="685800" y="2393950"/>
+            <a:off x="685800" y="1807294"/>
             <a:ext cx="7772400" cy="109538"/>
           </a:xfrm>
           <a:custGeom>
@@ -1337,7 +2081,7 @@
         </p:nvSpPr>
         <p:spPr>
           <a:xfrm>
-            <a:off x="685800" y="990600"/>
+            <a:off x="611560" y="-171400"/>
             <a:ext cx="7772400" cy="1371600"/>
           </a:xfrm>
         </p:spPr>
@@ -2206,7 +2950,12 @@
             <p:ph type="title"/>
           </p:nvPr>
         </p:nvSpPr>
-        <p:spPr/>
+        <p:spPr>
+          <a:xfrm>
+            <a:off x="574675" y="-99392"/>
+            <a:ext cx="8001000" cy="1216025"/>
+          </a:xfrm>
+        </p:spPr>
         <p:txBody>
           <a:bodyPr/>
           <a:lstStyle/>
@@ -4274,7 +5023,7 @@
         </p:nvSpPr>
         <p:spPr bwMode="auto">
           <a:xfrm>
-            <a:off x="574675" y="304800"/>
+            <a:off x="574675" y="-171400"/>
             <a:ext cx="8001000" cy="1216025"/>
           </a:xfrm>
           <a:prstGeom prst="rect">
@@ -4416,7 +5165,7 @@
         </p:nvSpPr>
         <p:spPr bwMode="auto">
           <a:xfrm>
-            <a:off x="609600" y="1566863"/>
+            <a:off x="609600" y="1052736"/>
             <a:ext cx="7958138" cy="109537"/>
           </a:xfrm>
           <a:custGeom>
@@ -5327,37 +6076,42 @@
             <p:ph type="ctrTitle"/>
           </p:nvPr>
         </p:nvSpPr>
-        <p:spPr/>
+        <p:spPr>
+          <a:xfrm>
+            <a:off x="611560" y="548680"/>
+            <a:ext cx="7772400" cy="1371600"/>
+          </a:xfrm>
+        </p:spPr>
         <p:txBody>
           <a:bodyPr/>
           <a:lstStyle/>
           <a:p>
             <a:pPr algn="ctr" eaLnBrk="1" hangingPunct="1"/>
             <a:r>
-              <a:rPr lang="zh-CN" altLang="en-US" sz="6000" b="1" smtClean="0">
+              <a:rPr lang="zh-CN" altLang="en-US" sz="6000" b="1" dirty="0" smtClean="0">
                 <a:ea typeface="华文隶书" pitchFamily="2" charset="-122"/>
               </a:rPr>
               <a:t>软件测试实用教程</a:t>
             </a:r>
             <a:r>
-              <a:rPr lang="en-US" altLang="zh-CN" sz="6000" b="1" smtClean="0">
+              <a:rPr lang="en-US" altLang="zh-CN" sz="6000" b="1" dirty="0" smtClean="0">
                 <a:ea typeface="华文隶书" pitchFamily="2" charset="-122"/>
               </a:rPr>
               <a:t/>
             </a:r>
             <a:br>
-              <a:rPr lang="en-US" altLang="zh-CN" sz="6000" b="1" smtClean="0">
+              <a:rPr lang="en-US" altLang="zh-CN" sz="6000" b="1" dirty="0" smtClean="0">
                 <a:ea typeface="华文隶书" pitchFamily="2" charset="-122"/>
               </a:rPr>
             </a:br>
             <a:r>
-              <a:rPr lang="en-US" altLang="zh-CN" sz="6000" b="1" smtClean="0">
+              <a:rPr lang="en-US" altLang="zh-CN" sz="6000" b="1" dirty="0" smtClean="0">
                 <a:ea typeface="华文隶书" pitchFamily="2" charset="-122"/>
               </a:rPr>
               <a:t>——</a:t>
             </a:r>
             <a:r>
-              <a:rPr lang="zh-CN" altLang="en-US" sz="6000" b="1" smtClean="0">
+              <a:rPr lang="zh-CN" altLang="en-US" sz="6000" b="1" dirty="0" smtClean="0">
                 <a:ea typeface="华文隶书" pitchFamily="2" charset="-122"/>
               </a:rPr>
               <a:t>方法与实践</a:t>
@@ -5411,6 +6165,1318 @@
       </p:par>
     </p:tnLst>
   </p:timing>
+</p:sld>
+</file>
+
+<file path=ppt/slides/slide10.xml><?xml version="1.0" encoding="utf-8"?>
+<p:sld xmlns:a="http://schemas.openxmlformats.org/drawingml/2006/main" xmlns:r="http://schemas.openxmlformats.org/officeDocument/2006/relationships" xmlns:p="http://schemas.openxmlformats.org/presentationml/2006/main">
+  <p:cSld>
+    <p:spTree>
+      <p:nvGrpSpPr>
+        <p:cNvPr id="1" name=""/>
+        <p:cNvGrpSpPr/>
+        <p:nvPr/>
+      </p:nvGrpSpPr>
+      <p:grpSpPr>
+        <a:xfrm>
+          <a:off x="0" y="0"/>
+          <a:ext cx="0" cy="0"/>
+          <a:chOff x="0" y="0"/>
+          <a:chExt cx="0" cy="0"/>
+        </a:xfrm>
+      </p:grpSpPr>
+      <p:sp>
+        <p:nvSpPr>
+          <p:cNvPr id="3" name="内容占位符 2"/>
+          <p:cNvSpPr>
+            <a:spLocks noGrp="1"/>
+          </p:cNvSpPr>
+          <p:nvPr>
+            <p:ph idx="1"/>
+          </p:nvPr>
+        </p:nvSpPr>
+        <p:spPr/>
+        <p:txBody>
+          <a:bodyPr/>
+          <a:lstStyle/>
+          <a:p>
+            <a:endParaRPr lang="zh-CN" altLang="en-US"/>
+          </a:p>
+        </p:txBody>
+      </p:sp>
+      <p:pic>
+        <p:nvPicPr>
+          <p:cNvPr id="4" name="Picture 5" descr="updown控件"/>
+          <p:cNvPicPr>
+            <a:picLocks noChangeAspect="1" noChangeArrowheads="1"/>
+          </p:cNvPicPr>
+          <p:nvPr/>
+        </p:nvPicPr>
+        <p:blipFill>
+          <a:blip r:embed="rId3"/>
+          <a:srcRect/>
+          <a:stretch>
+            <a:fillRect/>
+          </a:stretch>
+        </p:blipFill>
+        <p:spPr bwMode="auto">
+          <a:xfrm>
+            <a:off x="500034" y="928670"/>
+            <a:ext cx="5153025" cy="3095625"/>
+          </a:xfrm>
+          <a:prstGeom prst="rect">
+            <a:avLst/>
+          </a:prstGeom>
+          <a:noFill/>
+          <a:ln w="9525">
+            <a:noFill/>
+            <a:miter lim="800000"/>
+            <a:headEnd/>
+            <a:tailEnd/>
+          </a:ln>
+        </p:spPr>
+      </p:pic>
+      <p:sp>
+        <p:nvSpPr>
+          <p:cNvPr id="5" name="矩形 4"/>
+          <p:cNvSpPr/>
+          <p:nvPr/>
+        </p:nvSpPr>
+        <p:spPr>
+          <a:xfrm>
+            <a:off x="3214678" y="3500438"/>
+            <a:ext cx="2413546" cy="369332"/>
+          </a:xfrm>
+          <a:prstGeom prst="rect">
+            <a:avLst/>
+          </a:prstGeom>
+        </p:spPr>
+        <p:txBody>
+          <a:bodyPr wrap="none">
+            <a:spAutoFit/>
+          </a:bodyPr>
+          <a:lstStyle/>
+          <a:p>
+            <a:r>
+              <a:rPr lang="en-US" altLang="zh-CN" dirty="0" smtClean="0">
+                <a:solidFill>
+                  <a:srgbClr val="FF0000"/>
+                </a:solidFill>
+                <a:latin typeface="黑体" pitchFamily="2" charset="-122"/>
+                <a:ea typeface="黑体" pitchFamily="2" charset="-122"/>
+              </a:rPr>
+              <a:t>up-down</a:t>
+            </a:r>
+            <a:r>
+              <a:rPr lang="zh-CN" altLang="en-US" dirty="0" smtClean="0">
+                <a:solidFill>
+                  <a:srgbClr val="FF0000"/>
+                </a:solidFill>
+                <a:latin typeface="黑体" pitchFamily="2" charset="-122"/>
+                <a:ea typeface="黑体" pitchFamily="2" charset="-122"/>
+              </a:rPr>
+              <a:t>控件＋文本框</a:t>
+            </a:r>
+            <a:endParaRPr lang="zh-CN" altLang="en-US" dirty="0">
+              <a:solidFill>
+                <a:srgbClr val="FF0000"/>
+              </a:solidFill>
+              <a:latin typeface="黑体" pitchFamily="2" charset="-122"/>
+              <a:ea typeface="黑体" pitchFamily="2" charset="-122"/>
+            </a:endParaRPr>
+          </a:p>
+        </p:txBody>
+      </p:sp>
+      <p:pic>
+        <p:nvPicPr>
+          <p:cNvPr id="6" name="Picture 4" descr="组合列表框"/>
+          <p:cNvPicPr>
+            <a:picLocks noChangeAspect="1" noChangeArrowheads="1"/>
+          </p:cNvPicPr>
+          <p:nvPr/>
+        </p:nvPicPr>
+        <p:blipFill>
+          <a:blip r:embed="rId4"/>
+          <a:srcRect/>
+          <a:stretch>
+            <a:fillRect/>
+          </a:stretch>
+        </p:blipFill>
+        <p:spPr bwMode="auto">
+          <a:xfrm>
+            <a:off x="4500562" y="1142984"/>
+            <a:ext cx="4078690" cy="2953274"/>
+          </a:xfrm>
+          <a:prstGeom prst="rect">
+            <a:avLst/>
+          </a:prstGeom>
+          <a:noFill/>
+          <a:ln w="9525">
+            <a:noFill/>
+            <a:miter lim="800000"/>
+            <a:headEnd/>
+            <a:tailEnd/>
+          </a:ln>
+        </p:spPr>
+      </p:pic>
+      <p:sp>
+        <p:nvSpPr>
+          <p:cNvPr id="7" name="矩形 6"/>
+          <p:cNvSpPr/>
+          <p:nvPr/>
+        </p:nvSpPr>
+        <p:spPr>
+          <a:xfrm>
+            <a:off x="6929454" y="2643182"/>
+            <a:ext cx="1338828" cy="369332"/>
+          </a:xfrm>
+          <a:prstGeom prst="rect">
+            <a:avLst/>
+          </a:prstGeom>
+        </p:spPr>
+        <p:txBody>
+          <a:bodyPr wrap="none">
+            <a:spAutoFit/>
+          </a:bodyPr>
+          <a:lstStyle/>
+          <a:p>
+            <a:r>
+              <a:rPr lang="zh-CN" altLang="en-US" dirty="0" smtClean="0">
+                <a:solidFill>
+                  <a:srgbClr val="FF0000"/>
+                </a:solidFill>
+                <a:latin typeface="黑体" pitchFamily="2" charset="-122"/>
+                <a:ea typeface="黑体" pitchFamily="2" charset="-122"/>
+              </a:rPr>
+              <a:t>组合列表框</a:t>
+            </a:r>
+            <a:endParaRPr lang="zh-CN" altLang="en-US" dirty="0">
+              <a:solidFill>
+                <a:srgbClr val="FF0000"/>
+              </a:solidFill>
+              <a:latin typeface="黑体" pitchFamily="2" charset="-122"/>
+              <a:ea typeface="黑体" pitchFamily="2" charset="-122"/>
+            </a:endParaRPr>
+          </a:p>
+        </p:txBody>
+      </p:sp>
+      <p:pic>
+        <p:nvPicPr>
+          <p:cNvPr id="8" name="Picture 5" descr="列表框"/>
+          <p:cNvPicPr>
+            <a:picLocks noChangeAspect="1" noChangeArrowheads="1"/>
+          </p:cNvPicPr>
+          <p:nvPr/>
+        </p:nvPicPr>
+        <p:blipFill>
+          <a:blip r:embed="rId5"/>
+          <a:srcRect/>
+          <a:stretch>
+            <a:fillRect/>
+          </a:stretch>
+        </p:blipFill>
+        <p:spPr bwMode="auto">
+          <a:xfrm>
+            <a:off x="428596" y="2786058"/>
+            <a:ext cx="4572032" cy="3299667"/>
+          </a:xfrm>
+          <a:prstGeom prst="rect">
+            <a:avLst/>
+          </a:prstGeom>
+          <a:noFill/>
+          <a:ln w="9525">
+            <a:noFill/>
+            <a:miter lim="800000"/>
+            <a:headEnd/>
+            <a:tailEnd/>
+          </a:ln>
+        </p:spPr>
+      </p:pic>
+      <p:sp>
+        <p:nvSpPr>
+          <p:cNvPr id="9" name="矩形 8"/>
+          <p:cNvSpPr/>
+          <p:nvPr/>
+        </p:nvSpPr>
+        <p:spPr>
+          <a:xfrm>
+            <a:off x="2571736" y="4071942"/>
+            <a:ext cx="877163" cy="369332"/>
+          </a:xfrm>
+          <a:prstGeom prst="rect">
+            <a:avLst/>
+          </a:prstGeom>
+        </p:spPr>
+        <p:txBody>
+          <a:bodyPr wrap="none">
+            <a:spAutoFit/>
+          </a:bodyPr>
+          <a:lstStyle/>
+          <a:p>
+            <a:r>
+              <a:rPr lang="zh-CN" altLang="en-US" dirty="0" smtClean="0">
+                <a:solidFill>
+                  <a:srgbClr val="FF0000"/>
+                </a:solidFill>
+                <a:latin typeface="黑体" pitchFamily="2" charset="-122"/>
+                <a:ea typeface="黑体" pitchFamily="2" charset="-122"/>
+              </a:rPr>
+              <a:t>列表框</a:t>
+            </a:r>
+            <a:endParaRPr lang="zh-CN" altLang="en-US" dirty="0">
+              <a:solidFill>
+                <a:srgbClr val="FF0000"/>
+              </a:solidFill>
+              <a:latin typeface="黑体" pitchFamily="2" charset="-122"/>
+              <a:ea typeface="黑体" pitchFamily="2" charset="-122"/>
+            </a:endParaRPr>
+          </a:p>
+        </p:txBody>
+      </p:sp>
+      <p:pic>
+        <p:nvPicPr>
+          <p:cNvPr id="11" name="Picture 5" descr="字体效果"/>
+          <p:cNvPicPr>
+            <a:picLocks noChangeAspect="1" noChangeArrowheads="1"/>
+          </p:cNvPicPr>
+          <p:nvPr/>
+        </p:nvPicPr>
+        <p:blipFill>
+          <a:blip r:embed="rId6"/>
+          <a:srcRect/>
+          <a:stretch>
+            <a:fillRect/>
+          </a:stretch>
+        </p:blipFill>
+        <p:spPr bwMode="auto">
+          <a:xfrm>
+            <a:off x="5178430" y="2857496"/>
+            <a:ext cx="4073552" cy="3161768"/>
+          </a:xfrm>
+          <a:prstGeom prst="rect">
+            <a:avLst/>
+          </a:prstGeom>
+          <a:noFill/>
+          <a:ln w="9525">
+            <a:noFill/>
+            <a:miter lim="800000"/>
+            <a:headEnd/>
+            <a:tailEnd/>
+          </a:ln>
+        </p:spPr>
+      </p:pic>
+      <p:sp>
+        <p:nvSpPr>
+          <p:cNvPr id="12" name="矩形 11"/>
+          <p:cNvSpPr/>
+          <p:nvPr/>
+        </p:nvSpPr>
+        <p:spPr>
+          <a:xfrm>
+            <a:off x="5892896" y="4488428"/>
+            <a:ext cx="1107996" cy="369332"/>
+          </a:xfrm>
+          <a:prstGeom prst="rect">
+            <a:avLst/>
+          </a:prstGeom>
+        </p:spPr>
+        <p:txBody>
+          <a:bodyPr wrap="none">
+            <a:spAutoFit/>
+          </a:bodyPr>
+          <a:lstStyle/>
+          <a:p>
+            <a:r>
+              <a:rPr lang="zh-CN" altLang="en-US" dirty="0" smtClean="0">
+                <a:solidFill>
+                  <a:srgbClr val="FF0000"/>
+                </a:solidFill>
+                <a:latin typeface="黑体" pitchFamily="2" charset="-122"/>
+                <a:ea typeface="黑体" pitchFamily="2" charset="-122"/>
+              </a:rPr>
+              <a:t>控件组合</a:t>
+            </a:r>
+            <a:endParaRPr lang="zh-CN" altLang="en-US" dirty="0">
+              <a:solidFill>
+                <a:srgbClr val="FF0000"/>
+              </a:solidFill>
+              <a:latin typeface="黑体" pitchFamily="2" charset="-122"/>
+              <a:ea typeface="黑体" pitchFamily="2" charset="-122"/>
+            </a:endParaRPr>
+          </a:p>
+        </p:txBody>
+      </p:sp>
+      <p:sp>
+        <p:nvSpPr>
+          <p:cNvPr id="14" name="Text Box 1"/>
+          <p:cNvSpPr txBox="1">
+            <a:spLocks noChangeArrowheads="1"/>
+          </p:cNvSpPr>
+          <p:nvPr/>
+        </p:nvSpPr>
+        <p:spPr bwMode="auto">
+          <a:xfrm>
+            <a:off x="600075" y="228600"/>
+            <a:ext cx="903109" cy="525401"/>
+          </a:xfrm>
+          <a:prstGeom prst="rect">
+            <a:avLst/>
+          </a:prstGeom>
+          <a:noFill/>
+          <a:ln w="9525">
+            <a:noFill/>
+            <a:miter lim="800000"/>
+            <a:headEnd/>
+            <a:tailEnd/>
+          </a:ln>
+        </p:spPr>
+        <p:txBody>
+          <a:bodyPr wrap="none" lIns="90000" tIns="46800" rIns="90000" bIns="46800">
+            <a:spAutoFit/>
+          </a:bodyPr>
+          <a:lstStyle/>
+          <a:p>
+            <a:pPr marL="166688" indent="-163513">
+              <a:spcAft>
+                <a:spcPts val="600"/>
+              </a:spcAft>
+              <a:tabLst>
+                <a:tab pos="166688" algn="l"/>
+                <a:tab pos="614363" algn="l"/>
+                <a:tab pos="1063625" algn="l"/>
+                <a:tab pos="1512888" algn="l"/>
+                <a:tab pos="1962150" algn="l"/>
+                <a:tab pos="2411413" algn="l"/>
+                <a:tab pos="2860675" algn="l"/>
+                <a:tab pos="3309938" algn="l"/>
+                <a:tab pos="3759200" algn="l"/>
+                <a:tab pos="4208463" algn="l"/>
+                <a:tab pos="4657725" algn="l"/>
+                <a:tab pos="5106988" algn="l"/>
+                <a:tab pos="5556250" algn="l"/>
+                <a:tab pos="6005513" algn="l"/>
+                <a:tab pos="6454775" algn="l"/>
+                <a:tab pos="6904038" algn="l"/>
+                <a:tab pos="7353300" algn="l"/>
+                <a:tab pos="7802563" algn="l"/>
+                <a:tab pos="8251825" algn="l"/>
+                <a:tab pos="8701088" algn="l"/>
+                <a:tab pos="9150350" algn="l"/>
+              </a:tabLst>
+            </a:pPr>
+            <a:r>
+              <a:rPr lang="zh-CN" altLang="en-US" sz="2800" dirty="0" smtClean="0">
+                <a:solidFill>
+                  <a:schemeClr val="tx2">
+                    <a:lumMod val="75000"/>
+                  </a:schemeClr>
+                </a:solidFill>
+                <a:latin typeface="微软雅黑" pitchFamily="34" charset="-122"/>
+                <a:ea typeface="微软雅黑" pitchFamily="34" charset="-122"/>
+                <a:cs typeface="+mj-cs"/>
+              </a:rPr>
+              <a:t>拓展</a:t>
+            </a:r>
+            <a:endParaRPr lang="zh-CN" sz="2800" dirty="0">
+              <a:solidFill>
+                <a:schemeClr val="tx2">
+                  <a:lumMod val="75000"/>
+                </a:schemeClr>
+              </a:solidFill>
+              <a:latin typeface="微软雅黑" pitchFamily="34" charset="-122"/>
+              <a:ea typeface="微软雅黑" pitchFamily="34" charset="-122"/>
+              <a:cs typeface="+mj-cs"/>
+            </a:endParaRPr>
+          </a:p>
+        </p:txBody>
+      </p:sp>
+      <p:pic>
+        <p:nvPicPr>
+          <p:cNvPr id="10" name="Picture 5" descr="滚动条控件"/>
+          <p:cNvPicPr>
+            <a:picLocks noChangeAspect="1" noChangeArrowheads="1"/>
+          </p:cNvPicPr>
+          <p:nvPr/>
+        </p:nvPicPr>
+        <p:blipFill>
+          <a:blip r:embed="rId7"/>
+          <a:srcRect/>
+          <a:stretch>
+            <a:fillRect/>
+          </a:stretch>
+        </p:blipFill>
+        <p:spPr bwMode="auto">
+          <a:xfrm>
+            <a:off x="7215206" y="3357562"/>
+            <a:ext cx="942975" cy="2743200"/>
+          </a:xfrm>
+          <a:prstGeom prst="rect">
+            <a:avLst/>
+          </a:prstGeom>
+          <a:noFill/>
+          <a:ln w="9525">
+            <a:solidFill>
+              <a:schemeClr val="accent1"/>
+            </a:solidFill>
+            <a:miter lim="800000"/>
+            <a:headEnd/>
+            <a:tailEnd/>
+          </a:ln>
+        </p:spPr>
+      </p:pic>
+    </p:spTree>
+    <p:extLst>
+      <p:ext uri="{BB962C8B-B14F-4D97-AF65-F5344CB8AC3E}">
+        <p14:creationId xmlns:p14="http://schemas.microsoft.com/office/powerpoint/2010/main" val="4089542412"/>
+      </p:ext>
+    </p:extLst>
+  </p:cSld>
+  <p:clrMapOvr>
+    <a:masterClrMapping/>
+  </p:clrMapOvr>
+  <p:transition>
+    <p:blinds dir="vert"/>
+  </p:transition>
+  <p:timing>
+    <p:tnLst>
+      <p:par>
+        <p:cTn id="1" dur="indefinite" restart="never" nodeType="tmRoot">
+          <p:childTnLst>
+            <p:seq concurrent="1" nextAc="seek">
+              <p:cTn id="2" dur="indefinite" nodeType="mainSeq">
+                <p:childTnLst>
+                  <p:par>
+                    <p:cTn id="3" fill="hold">
+                      <p:stCondLst>
+                        <p:cond delay="indefinite"/>
+                      </p:stCondLst>
+                      <p:childTnLst>
+                        <p:par>
+                          <p:cTn id="4" fill="hold">
+                            <p:stCondLst>
+                              <p:cond delay="0"/>
+                            </p:stCondLst>
+                            <p:childTnLst>
+                              <p:par>
+                                <p:cTn id="5" presetID="2" presetClass="entr" presetSubtype="4" fill="hold" nodeType="clickEffect">
+                                  <p:stCondLst>
+                                    <p:cond delay="0"/>
+                                  </p:stCondLst>
+                                  <p:childTnLst>
+                                    <p:set>
+                                      <p:cBhvr>
+                                        <p:cTn id="6" dur="1" fill="hold">
+                                          <p:stCondLst>
+                                            <p:cond delay="0"/>
+                                          </p:stCondLst>
+                                        </p:cTn>
+                                        <p:tgtEl>
+                                          <p:spTgt spid="6"/>
+                                        </p:tgtEl>
+                                        <p:attrNameLst>
+                                          <p:attrName>style.visibility</p:attrName>
+                                        </p:attrNameLst>
+                                      </p:cBhvr>
+                                      <p:to>
+                                        <p:strVal val="visible"/>
+                                      </p:to>
+                                    </p:set>
+                                    <p:anim calcmode="lin" valueType="num">
+                                      <p:cBhvr additive="base">
+                                        <p:cTn id="7" dur="500" fill="hold"/>
+                                        <p:tgtEl>
+                                          <p:spTgt spid="6"/>
+                                        </p:tgtEl>
+                                        <p:attrNameLst>
+                                          <p:attrName>ppt_x</p:attrName>
+                                        </p:attrNameLst>
+                                      </p:cBhvr>
+                                      <p:tavLst>
+                                        <p:tav tm="0">
+                                          <p:val>
+                                            <p:strVal val="#ppt_x"/>
+                                          </p:val>
+                                        </p:tav>
+                                        <p:tav tm="100000">
+                                          <p:val>
+                                            <p:strVal val="#ppt_x"/>
+                                          </p:val>
+                                        </p:tav>
+                                      </p:tavLst>
+                                    </p:anim>
+                                    <p:anim calcmode="lin" valueType="num">
+                                      <p:cBhvr additive="base">
+                                        <p:cTn id="8" dur="500" fill="hold"/>
+                                        <p:tgtEl>
+                                          <p:spTgt spid="6"/>
+                                        </p:tgtEl>
+                                        <p:attrNameLst>
+                                          <p:attrName>ppt_y</p:attrName>
+                                        </p:attrNameLst>
+                                      </p:cBhvr>
+                                      <p:tavLst>
+                                        <p:tav tm="0">
+                                          <p:val>
+                                            <p:strVal val="1+#ppt_h/2"/>
+                                          </p:val>
+                                        </p:tav>
+                                        <p:tav tm="100000">
+                                          <p:val>
+                                            <p:strVal val="#ppt_y"/>
+                                          </p:val>
+                                        </p:tav>
+                                      </p:tavLst>
+                                    </p:anim>
+                                  </p:childTnLst>
+                                </p:cTn>
+                              </p:par>
+                              <p:par>
+                                <p:cTn id="9" presetID="2" presetClass="entr" presetSubtype="4" fill="hold" grpId="0" nodeType="withEffect">
+                                  <p:stCondLst>
+                                    <p:cond delay="0"/>
+                                  </p:stCondLst>
+                                  <p:childTnLst>
+                                    <p:set>
+                                      <p:cBhvr>
+                                        <p:cTn id="10" dur="1" fill="hold">
+                                          <p:stCondLst>
+                                            <p:cond delay="0"/>
+                                          </p:stCondLst>
+                                        </p:cTn>
+                                        <p:tgtEl>
+                                          <p:spTgt spid="7"/>
+                                        </p:tgtEl>
+                                        <p:attrNameLst>
+                                          <p:attrName>style.visibility</p:attrName>
+                                        </p:attrNameLst>
+                                      </p:cBhvr>
+                                      <p:to>
+                                        <p:strVal val="visible"/>
+                                      </p:to>
+                                    </p:set>
+                                    <p:anim calcmode="lin" valueType="num">
+                                      <p:cBhvr additive="base">
+                                        <p:cTn id="11" dur="500" fill="hold"/>
+                                        <p:tgtEl>
+                                          <p:spTgt spid="7"/>
+                                        </p:tgtEl>
+                                        <p:attrNameLst>
+                                          <p:attrName>ppt_x</p:attrName>
+                                        </p:attrNameLst>
+                                      </p:cBhvr>
+                                      <p:tavLst>
+                                        <p:tav tm="0">
+                                          <p:val>
+                                            <p:strVal val="#ppt_x"/>
+                                          </p:val>
+                                        </p:tav>
+                                        <p:tav tm="100000">
+                                          <p:val>
+                                            <p:strVal val="#ppt_x"/>
+                                          </p:val>
+                                        </p:tav>
+                                      </p:tavLst>
+                                    </p:anim>
+                                    <p:anim calcmode="lin" valueType="num">
+                                      <p:cBhvr additive="base">
+                                        <p:cTn id="12" dur="500" fill="hold"/>
+                                        <p:tgtEl>
+                                          <p:spTgt spid="7"/>
+                                        </p:tgtEl>
+                                        <p:attrNameLst>
+                                          <p:attrName>ppt_y</p:attrName>
+                                        </p:attrNameLst>
+                                      </p:cBhvr>
+                                      <p:tavLst>
+                                        <p:tav tm="0">
+                                          <p:val>
+                                            <p:strVal val="1+#ppt_h/2"/>
+                                          </p:val>
+                                        </p:tav>
+                                        <p:tav tm="100000">
+                                          <p:val>
+                                            <p:strVal val="#ppt_y"/>
+                                          </p:val>
+                                        </p:tav>
+                                      </p:tavLst>
+                                    </p:anim>
+                                  </p:childTnLst>
+                                </p:cTn>
+                              </p:par>
+                            </p:childTnLst>
+                          </p:cTn>
+                        </p:par>
+                      </p:childTnLst>
+                    </p:cTn>
+                  </p:par>
+                  <p:par>
+                    <p:cTn id="13" fill="hold">
+                      <p:stCondLst>
+                        <p:cond delay="indefinite"/>
+                      </p:stCondLst>
+                      <p:childTnLst>
+                        <p:par>
+                          <p:cTn id="14" fill="hold">
+                            <p:stCondLst>
+                              <p:cond delay="0"/>
+                            </p:stCondLst>
+                            <p:childTnLst>
+                              <p:par>
+                                <p:cTn id="15" presetID="2" presetClass="entr" presetSubtype="4" fill="hold" nodeType="clickEffect">
+                                  <p:stCondLst>
+                                    <p:cond delay="0"/>
+                                  </p:stCondLst>
+                                  <p:childTnLst>
+                                    <p:set>
+                                      <p:cBhvr>
+                                        <p:cTn id="16" dur="1" fill="hold">
+                                          <p:stCondLst>
+                                            <p:cond delay="0"/>
+                                          </p:stCondLst>
+                                        </p:cTn>
+                                        <p:tgtEl>
+                                          <p:spTgt spid="8"/>
+                                        </p:tgtEl>
+                                        <p:attrNameLst>
+                                          <p:attrName>style.visibility</p:attrName>
+                                        </p:attrNameLst>
+                                      </p:cBhvr>
+                                      <p:to>
+                                        <p:strVal val="visible"/>
+                                      </p:to>
+                                    </p:set>
+                                    <p:anim calcmode="lin" valueType="num">
+                                      <p:cBhvr additive="base">
+                                        <p:cTn id="17" dur="500" fill="hold"/>
+                                        <p:tgtEl>
+                                          <p:spTgt spid="8"/>
+                                        </p:tgtEl>
+                                        <p:attrNameLst>
+                                          <p:attrName>ppt_x</p:attrName>
+                                        </p:attrNameLst>
+                                      </p:cBhvr>
+                                      <p:tavLst>
+                                        <p:tav tm="0">
+                                          <p:val>
+                                            <p:strVal val="#ppt_x"/>
+                                          </p:val>
+                                        </p:tav>
+                                        <p:tav tm="100000">
+                                          <p:val>
+                                            <p:strVal val="#ppt_x"/>
+                                          </p:val>
+                                        </p:tav>
+                                      </p:tavLst>
+                                    </p:anim>
+                                    <p:anim calcmode="lin" valueType="num">
+                                      <p:cBhvr additive="base">
+                                        <p:cTn id="18" dur="500" fill="hold"/>
+                                        <p:tgtEl>
+                                          <p:spTgt spid="8"/>
+                                        </p:tgtEl>
+                                        <p:attrNameLst>
+                                          <p:attrName>ppt_y</p:attrName>
+                                        </p:attrNameLst>
+                                      </p:cBhvr>
+                                      <p:tavLst>
+                                        <p:tav tm="0">
+                                          <p:val>
+                                            <p:strVal val="1+#ppt_h/2"/>
+                                          </p:val>
+                                        </p:tav>
+                                        <p:tav tm="100000">
+                                          <p:val>
+                                            <p:strVal val="#ppt_y"/>
+                                          </p:val>
+                                        </p:tav>
+                                      </p:tavLst>
+                                    </p:anim>
+                                  </p:childTnLst>
+                                </p:cTn>
+                              </p:par>
+                              <p:par>
+                                <p:cTn id="19" presetID="2" presetClass="entr" presetSubtype="4" fill="hold" grpId="0" nodeType="withEffect">
+                                  <p:stCondLst>
+                                    <p:cond delay="0"/>
+                                  </p:stCondLst>
+                                  <p:childTnLst>
+                                    <p:set>
+                                      <p:cBhvr>
+                                        <p:cTn id="20" dur="1" fill="hold">
+                                          <p:stCondLst>
+                                            <p:cond delay="0"/>
+                                          </p:stCondLst>
+                                        </p:cTn>
+                                        <p:tgtEl>
+                                          <p:spTgt spid="9"/>
+                                        </p:tgtEl>
+                                        <p:attrNameLst>
+                                          <p:attrName>style.visibility</p:attrName>
+                                        </p:attrNameLst>
+                                      </p:cBhvr>
+                                      <p:to>
+                                        <p:strVal val="visible"/>
+                                      </p:to>
+                                    </p:set>
+                                    <p:anim calcmode="lin" valueType="num">
+                                      <p:cBhvr additive="base">
+                                        <p:cTn id="21" dur="500" fill="hold"/>
+                                        <p:tgtEl>
+                                          <p:spTgt spid="9"/>
+                                        </p:tgtEl>
+                                        <p:attrNameLst>
+                                          <p:attrName>ppt_x</p:attrName>
+                                        </p:attrNameLst>
+                                      </p:cBhvr>
+                                      <p:tavLst>
+                                        <p:tav tm="0">
+                                          <p:val>
+                                            <p:strVal val="#ppt_x"/>
+                                          </p:val>
+                                        </p:tav>
+                                        <p:tav tm="100000">
+                                          <p:val>
+                                            <p:strVal val="#ppt_x"/>
+                                          </p:val>
+                                        </p:tav>
+                                      </p:tavLst>
+                                    </p:anim>
+                                    <p:anim calcmode="lin" valueType="num">
+                                      <p:cBhvr additive="base">
+                                        <p:cTn id="22" dur="500" fill="hold"/>
+                                        <p:tgtEl>
+                                          <p:spTgt spid="9"/>
+                                        </p:tgtEl>
+                                        <p:attrNameLst>
+                                          <p:attrName>ppt_y</p:attrName>
+                                        </p:attrNameLst>
+                                      </p:cBhvr>
+                                      <p:tavLst>
+                                        <p:tav tm="0">
+                                          <p:val>
+                                            <p:strVal val="1+#ppt_h/2"/>
+                                          </p:val>
+                                        </p:tav>
+                                        <p:tav tm="100000">
+                                          <p:val>
+                                            <p:strVal val="#ppt_y"/>
+                                          </p:val>
+                                        </p:tav>
+                                      </p:tavLst>
+                                    </p:anim>
+                                  </p:childTnLst>
+                                </p:cTn>
+                              </p:par>
+                            </p:childTnLst>
+                          </p:cTn>
+                        </p:par>
+                      </p:childTnLst>
+                    </p:cTn>
+                  </p:par>
+                  <p:par>
+                    <p:cTn id="23" fill="hold">
+                      <p:stCondLst>
+                        <p:cond delay="indefinite"/>
+                      </p:stCondLst>
+                      <p:childTnLst>
+                        <p:par>
+                          <p:cTn id="24" fill="hold">
+                            <p:stCondLst>
+                              <p:cond delay="0"/>
+                            </p:stCondLst>
+                            <p:childTnLst>
+                              <p:par>
+                                <p:cTn id="25" presetID="2" presetClass="entr" presetSubtype="4" fill="hold" nodeType="clickEffect">
+                                  <p:stCondLst>
+                                    <p:cond delay="0"/>
+                                  </p:stCondLst>
+                                  <p:childTnLst>
+                                    <p:set>
+                                      <p:cBhvr>
+                                        <p:cTn id="26" dur="1" fill="hold">
+                                          <p:stCondLst>
+                                            <p:cond delay="0"/>
+                                          </p:stCondLst>
+                                        </p:cTn>
+                                        <p:tgtEl>
+                                          <p:spTgt spid="11"/>
+                                        </p:tgtEl>
+                                        <p:attrNameLst>
+                                          <p:attrName>style.visibility</p:attrName>
+                                        </p:attrNameLst>
+                                      </p:cBhvr>
+                                      <p:to>
+                                        <p:strVal val="visible"/>
+                                      </p:to>
+                                    </p:set>
+                                    <p:anim calcmode="lin" valueType="num">
+                                      <p:cBhvr additive="base">
+                                        <p:cTn id="27" dur="500" fill="hold"/>
+                                        <p:tgtEl>
+                                          <p:spTgt spid="11"/>
+                                        </p:tgtEl>
+                                        <p:attrNameLst>
+                                          <p:attrName>ppt_x</p:attrName>
+                                        </p:attrNameLst>
+                                      </p:cBhvr>
+                                      <p:tavLst>
+                                        <p:tav tm="0">
+                                          <p:val>
+                                            <p:strVal val="#ppt_x"/>
+                                          </p:val>
+                                        </p:tav>
+                                        <p:tav tm="100000">
+                                          <p:val>
+                                            <p:strVal val="#ppt_x"/>
+                                          </p:val>
+                                        </p:tav>
+                                      </p:tavLst>
+                                    </p:anim>
+                                    <p:anim calcmode="lin" valueType="num">
+                                      <p:cBhvr additive="base">
+                                        <p:cTn id="28" dur="500" fill="hold"/>
+                                        <p:tgtEl>
+                                          <p:spTgt spid="11"/>
+                                        </p:tgtEl>
+                                        <p:attrNameLst>
+                                          <p:attrName>ppt_y</p:attrName>
+                                        </p:attrNameLst>
+                                      </p:cBhvr>
+                                      <p:tavLst>
+                                        <p:tav tm="0">
+                                          <p:val>
+                                            <p:strVal val="1+#ppt_h/2"/>
+                                          </p:val>
+                                        </p:tav>
+                                        <p:tav tm="100000">
+                                          <p:val>
+                                            <p:strVal val="#ppt_y"/>
+                                          </p:val>
+                                        </p:tav>
+                                      </p:tavLst>
+                                    </p:anim>
+                                  </p:childTnLst>
+                                </p:cTn>
+                              </p:par>
+                              <p:par>
+                                <p:cTn id="29" presetID="2" presetClass="entr" presetSubtype="4" fill="hold" grpId="0" nodeType="withEffect">
+                                  <p:stCondLst>
+                                    <p:cond delay="0"/>
+                                  </p:stCondLst>
+                                  <p:childTnLst>
+                                    <p:set>
+                                      <p:cBhvr>
+                                        <p:cTn id="30" dur="1" fill="hold">
+                                          <p:stCondLst>
+                                            <p:cond delay="0"/>
+                                          </p:stCondLst>
+                                        </p:cTn>
+                                        <p:tgtEl>
+                                          <p:spTgt spid="12"/>
+                                        </p:tgtEl>
+                                        <p:attrNameLst>
+                                          <p:attrName>style.visibility</p:attrName>
+                                        </p:attrNameLst>
+                                      </p:cBhvr>
+                                      <p:to>
+                                        <p:strVal val="visible"/>
+                                      </p:to>
+                                    </p:set>
+                                    <p:anim calcmode="lin" valueType="num">
+                                      <p:cBhvr additive="base">
+                                        <p:cTn id="31" dur="500" fill="hold"/>
+                                        <p:tgtEl>
+                                          <p:spTgt spid="12"/>
+                                        </p:tgtEl>
+                                        <p:attrNameLst>
+                                          <p:attrName>ppt_x</p:attrName>
+                                        </p:attrNameLst>
+                                      </p:cBhvr>
+                                      <p:tavLst>
+                                        <p:tav tm="0">
+                                          <p:val>
+                                            <p:strVal val="#ppt_x"/>
+                                          </p:val>
+                                        </p:tav>
+                                        <p:tav tm="100000">
+                                          <p:val>
+                                            <p:strVal val="#ppt_x"/>
+                                          </p:val>
+                                        </p:tav>
+                                      </p:tavLst>
+                                    </p:anim>
+                                    <p:anim calcmode="lin" valueType="num">
+                                      <p:cBhvr additive="base">
+                                        <p:cTn id="32" dur="500" fill="hold"/>
+                                        <p:tgtEl>
+                                          <p:spTgt spid="12"/>
+                                        </p:tgtEl>
+                                        <p:attrNameLst>
+                                          <p:attrName>ppt_y</p:attrName>
+                                        </p:attrNameLst>
+                                      </p:cBhvr>
+                                      <p:tavLst>
+                                        <p:tav tm="0">
+                                          <p:val>
+                                            <p:strVal val="1+#ppt_h/2"/>
+                                          </p:val>
+                                        </p:tav>
+                                        <p:tav tm="100000">
+                                          <p:val>
+                                            <p:strVal val="#ppt_y"/>
+                                          </p:val>
+                                        </p:tav>
+                                      </p:tavLst>
+                                    </p:anim>
+                                  </p:childTnLst>
+                                </p:cTn>
+                              </p:par>
+                            </p:childTnLst>
+                          </p:cTn>
+                        </p:par>
+                      </p:childTnLst>
+                    </p:cTn>
+                  </p:par>
+                  <p:par>
+                    <p:cTn id="33" fill="hold">
+                      <p:stCondLst>
+                        <p:cond delay="indefinite"/>
+                      </p:stCondLst>
+                      <p:childTnLst>
+                        <p:par>
+                          <p:cTn id="34" fill="hold">
+                            <p:stCondLst>
+                              <p:cond delay="0"/>
+                            </p:stCondLst>
+                            <p:childTnLst>
+                              <p:par>
+                                <p:cTn id="35" presetID="2" presetClass="entr" presetSubtype="4" fill="hold" nodeType="clickEffect">
+                                  <p:stCondLst>
+                                    <p:cond delay="0"/>
+                                  </p:stCondLst>
+                                  <p:childTnLst>
+                                    <p:set>
+                                      <p:cBhvr>
+                                        <p:cTn id="36" dur="1" fill="hold">
+                                          <p:stCondLst>
+                                            <p:cond delay="0"/>
+                                          </p:stCondLst>
+                                        </p:cTn>
+                                        <p:tgtEl>
+                                          <p:spTgt spid="10"/>
+                                        </p:tgtEl>
+                                        <p:attrNameLst>
+                                          <p:attrName>style.visibility</p:attrName>
+                                        </p:attrNameLst>
+                                      </p:cBhvr>
+                                      <p:to>
+                                        <p:strVal val="visible"/>
+                                      </p:to>
+                                    </p:set>
+                                    <p:anim calcmode="lin" valueType="num">
+                                      <p:cBhvr additive="base">
+                                        <p:cTn id="37" dur="500" fill="hold"/>
+                                        <p:tgtEl>
+                                          <p:spTgt spid="10"/>
+                                        </p:tgtEl>
+                                        <p:attrNameLst>
+                                          <p:attrName>ppt_x</p:attrName>
+                                        </p:attrNameLst>
+                                      </p:cBhvr>
+                                      <p:tavLst>
+                                        <p:tav tm="0">
+                                          <p:val>
+                                            <p:strVal val="#ppt_x"/>
+                                          </p:val>
+                                        </p:tav>
+                                        <p:tav tm="100000">
+                                          <p:val>
+                                            <p:strVal val="#ppt_x"/>
+                                          </p:val>
+                                        </p:tav>
+                                      </p:tavLst>
+                                    </p:anim>
+                                    <p:anim calcmode="lin" valueType="num">
+                                      <p:cBhvr additive="base">
+                                        <p:cTn id="38" dur="500" fill="hold"/>
+                                        <p:tgtEl>
+                                          <p:spTgt spid="10"/>
+                                        </p:tgtEl>
+                                        <p:attrNameLst>
+                                          <p:attrName>ppt_y</p:attrName>
+                                        </p:attrNameLst>
+                                      </p:cBhvr>
+                                      <p:tavLst>
+                                        <p:tav tm="0">
+                                          <p:val>
+                                            <p:strVal val="1+#ppt_h/2"/>
+                                          </p:val>
+                                        </p:tav>
+                                        <p:tav tm="100000">
+                                          <p:val>
+                                            <p:strVal val="#ppt_y"/>
+                                          </p:val>
+                                        </p:tav>
+                                      </p:tavLst>
+                                    </p:anim>
+                                  </p:childTnLst>
+                                </p:cTn>
+                              </p:par>
+                            </p:childTnLst>
+                          </p:cTn>
+                        </p:par>
+                      </p:childTnLst>
+                    </p:cTn>
+                  </p:par>
+                </p:childTnLst>
+              </p:cTn>
+              <p:prevCondLst>
+                <p:cond evt="onPrev" delay="0">
+                  <p:tgtEl>
+                    <p:sldTgt/>
+                  </p:tgtEl>
+                </p:cond>
+              </p:prevCondLst>
+              <p:nextCondLst>
+                <p:cond evt="onNext" delay="0">
+                  <p:tgtEl>
+                    <p:sldTgt/>
+                  </p:tgtEl>
+                </p:cond>
+              </p:nextCondLst>
+            </p:seq>
+          </p:childTnLst>
+        </p:cTn>
+      </p:par>
+    </p:tnLst>
+    <p:bldLst>
+      <p:bldP spid="7" grpId="0"/>
+      <p:bldP spid="9" grpId="0"/>
+      <p:bldP spid="12" grpId="0"/>
+    </p:bldLst>
+  </p:timing>
+</p:sld>
+</file>
+
+<file path=ppt/slides/slide11.xml><?xml version="1.0" encoding="utf-8"?>
+<p:sld xmlns:a="http://schemas.openxmlformats.org/drawingml/2006/main" xmlns:r="http://schemas.openxmlformats.org/officeDocument/2006/relationships" xmlns:p="http://schemas.openxmlformats.org/presentationml/2006/main">
+  <p:cSld>
+    <p:spTree>
+      <p:nvGrpSpPr>
+        <p:cNvPr id="1" name=""/>
+        <p:cNvGrpSpPr/>
+        <p:nvPr/>
+      </p:nvGrpSpPr>
+      <p:grpSpPr>
+        <a:xfrm>
+          <a:off x="0" y="0"/>
+          <a:ext cx="0" cy="0"/>
+          <a:chOff x="0" y="0"/>
+          <a:chExt cx="0" cy="0"/>
+        </a:xfrm>
+      </p:grpSpPr>
+      <p:sp>
+        <p:nvSpPr>
+          <p:cNvPr id="66562" name="标题 1"/>
+          <p:cNvSpPr>
+            <a:spLocks noGrp="1"/>
+          </p:cNvSpPr>
+          <p:nvPr>
+            <p:ph type="title" idx="4294967295"/>
+          </p:nvPr>
+        </p:nvSpPr>
+        <p:spPr>
+          <a:xfrm>
+            <a:off x="1259632" y="2204864"/>
+            <a:ext cx="8001000" cy="1216025"/>
+          </a:xfrm>
+        </p:spPr>
+        <p:txBody>
+          <a:bodyPr/>
+          <a:lstStyle/>
+          <a:p>
+            <a:pPr algn="ctr"/>
+            <a:r>
+              <a:rPr lang="zh-CN" b="1" dirty="0" smtClean="0">
+                <a:latin typeface="黑体" pitchFamily="49" charset="-122"/>
+                <a:ea typeface="黑体" pitchFamily="49" charset="-122"/>
+              </a:rPr>
+              <a:t>谢 谢</a:t>
+            </a:r>
+          </a:p>
+        </p:txBody>
+      </p:sp>
+      <p:sp>
+        <p:nvSpPr>
+          <p:cNvPr id="66564" name="灯片编号占位符 3"/>
+          <p:cNvSpPr txBox="1">
+            <a:spLocks noGrp="1" noChangeArrowheads="1"/>
+          </p:cNvSpPr>
+          <p:nvPr/>
+        </p:nvSpPr>
+        <p:spPr bwMode="auto">
+          <a:xfrm>
+            <a:off x="6553200" y="6245225"/>
+            <a:ext cx="1981200" cy="476250"/>
+          </a:xfrm>
+          <a:prstGeom prst="rect">
+            <a:avLst/>
+          </a:prstGeom>
+          <a:noFill/>
+          <a:ln>
+            <a:noFill/>
+          </a:ln>
+          <a:extLst>
+            <a:ext uri="{909E8E84-426E-40DD-AFC4-6F175D3DCCD1}">
+              <a14:hiddenFill xmlns:a14="http://schemas.microsoft.com/office/drawing/2010/main">
+                <a:solidFill>
+                  <a:srgbClr val="FFFFFF"/>
+                </a:solidFill>
+              </a14:hiddenFill>
+            </a:ext>
+            <a:ext uri="{91240B29-F687-4F45-9708-019B960494DF}">
+              <a14:hiddenLine xmlns:a14="http://schemas.microsoft.com/office/drawing/2010/main" w="9525">
+                <a:solidFill>
+                  <a:srgbClr val="000000"/>
+                </a:solidFill>
+                <a:miter lim="800000"/>
+                <a:headEnd/>
+                <a:tailEnd/>
+              </a14:hiddenLine>
+            </a:ext>
+          </a:extLst>
+        </p:spPr>
+        <p:txBody>
+          <a:bodyPr/>
+          <a:lstStyle>
+            <a:lvl1pPr eaLnBrk="0" hangingPunct="0">
+              <a:defRPr>
+                <a:solidFill>
+                  <a:schemeClr val="tx1"/>
+                </a:solidFill>
+                <a:latin typeface="Verdana" pitchFamily="34" charset="0"/>
+                <a:ea typeface="宋体" charset="-122"/>
+              </a:defRPr>
+            </a:lvl1pPr>
+            <a:lvl2pPr marL="742950" indent="-285750" eaLnBrk="0" hangingPunct="0">
+              <a:defRPr>
+                <a:solidFill>
+                  <a:schemeClr val="tx1"/>
+                </a:solidFill>
+                <a:latin typeface="Verdana" pitchFamily="34" charset="0"/>
+                <a:ea typeface="宋体" charset="-122"/>
+              </a:defRPr>
+            </a:lvl2pPr>
+            <a:lvl3pPr marL="1143000" indent="-228600" eaLnBrk="0" hangingPunct="0">
+              <a:defRPr>
+                <a:solidFill>
+                  <a:schemeClr val="tx1"/>
+                </a:solidFill>
+                <a:latin typeface="Verdana" pitchFamily="34" charset="0"/>
+                <a:ea typeface="宋体" charset="-122"/>
+              </a:defRPr>
+            </a:lvl3pPr>
+            <a:lvl4pPr marL="1600200" indent="-228600" eaLnBrk="0" hangingPunct="0">
+              <a:defRPr>
+                <a:solidFill>
+                  <a:schemeClr val="tx1"/>
+                </a:solidFill>
+                <a:latin typeface="Verdana" pitchFamily="34" charset="0"/>
+                <a:ea typeface="宋体" charset="-122"/>
+              </a:defRPr>
+            </a:lvl4pPr>
+            <a:lvl5pPr marL="2057400" indent="-228600" eaLnBrk="0" hangingPunct="0">
+              <a:defRPr>
+                <a:solidFill>
+                  <a:schemeClr val="tx1"/>
+                </a:solidFill>
+                <a:latin typeface="Verdana" pitchFamily="34" charset="0"/>
+                <a:ea typeface="宋体" charset="-122"/>
+              </a:defRPr>
+            </a:lvl5pPr>
+            <a:lvl6pPr marL="2514600" indent="-228600" eaLnBrk="0" fontAlgn="base" hangingPunct="0">
+              <a:spcBef>
+                <a:spcPct val="0"/>
+              </a:spcBef>
+              <a:spcAft>
+                <a:spcPct val="0"/>
+              </a:spcAft>
+              <a:defRPr>
+                <a:solidFill>
+                  <a:schemeClr val="tx1"/>
+                </a:solidFill>
+                <a:latin typeface="Verdana" pitchFamily="34" charset="0"/>
+                <a:ea typeface="宋体" charset="-122"/>
+              </a:defRPr>
+            </a:lvl6pPr>
+            <a:lvl7pPr marL="2971800" indent="-228600" eaLnBrk="0" fontAlgn="base" hangingPunct="0">
+              <a:spcBef>
+                <a:spcPct val="0"/>
+              </a:spcBef>
+              <a:spcAft>
+                <a:spcPct val="0"/>
+              </a:spcAft>
+              <a:defRPr>
+                <a:solidFill>
+                  <a:schemeClr val="tx1"/>
+                </a:solidFill>
+                <a:latin typeface="Verdana" pitchFamily="34" charset="0"/>
+                <a:ea typeface="宋体" charset="-122"/>
+              </a:defRPr>
+            </a:lvl7pPr>
+            <a:lvl8pPr marL="3429000" indent="-228600" eaLnBrk="0" fontAlgn="base" hangingPunct="0">
+              <a:spcBef>
+                <a:spcPct val="0"/>
+              </a:spcBef>
+              <a:spcAft>
+                <a:spcPct val="0"/>
+              </a:spcAft>
+              <a:defRPr>
+                <a:solidFill>
+                  <a:schemeClr val="tx1"/>
+                </a:solidFill>
+                <a:latin typeface="Verdana" pitchFamily="34" charset="0"/>
+                <a:ea typeface="宋体" charset="-122"/>
+              </a:defRPr>
+            </a:lvl8pPr>
+            <a:lvl9pPr marL="3886200" indent="-228600" eaLnBrk="0" fontAlgn="base" hangingPunct="0">
+              <a:spcBef>
+                <a:spcPct val="0"/>
+              </a:spcBef>
+              <a:spcAft>
+                <a:spcPct val="0"/>
+              </a:spcAft>
+              <a:defRPr>
+                <a:solidFill>
+                  <a:schemeClr val="tx1"/>
+                </a:solidFill>
+                <a:latin typeface="Verdana" pitchFamily="34" charset="0"/>
+                <a:ea typeface="宋体" charset="-122"/>
+              </a:defRPr>
+            </a:lvl9pPr>
+          </a:lstStyle>
+          <a:p>
+            <a:pPr algn="r" eaLnBrk="1" hangingPunct="1"/>
+            <a:fld id="{2C94674F-49E1-416F-9C4D-1B58472BEB2A}" type="slidenum">
+              <a:rPr lang="en-US" altLang="zh-CN" sz="1200"/>
+              <a:pPr algn="r" eaLnBrk="1" hangingPunct="1"/>
+              <a:t>11</a:t>
+            </a:fld>
+            <a:endParaRPr lang="en-US" altLang="zh-CN" sz="1200"/>
+          </a:p>
+        </p:txBody>
+      </p:sp>
+    </p:spTree>
+    <p:extLst>
+      <p:ext uri="{BB962C8B-B14F-4D97-AF65-F5344CB8AC3E}">
+        <p14:creationId xmlns:p14="http://schemas.microsoft.com/office/powerpoint/2010/main" val="3860237757"/>
+      </p:ext>
+    </p:extLst>
+  </p:cSld>
+  <p:clrMapOvr>
+    <a:masterClrMapping/>
+  </p:clrMapOvr>
+  <p:transition/>
 </p:sld>
 </file>
 
@@ -5605,8 +7671,12 @@
                 <a:latin typeface="黑体" pitchFamily="49" charset="-122"/>
                 <a:ea typeface="黑体" pitchFamily="49" charset="-122"/>
               </a:rPr>
-              <a:t>测试计划</a:t>
-            </a:r>
+              <a:t>常用控件的测试</a:t>
+            </a:r>
+            <a:endParaRPr lang="zh-CN" altLang="en-US" b="1" dirty="0" smtClean="0">
+              <a:latin typeface="黑体" pitchFamily="49" charset="-122"/>
+              <a:ea typeface="黑体" pitchFamily="49" charset="-122"/>
+            </a:endParaRPr>
           </a:p>
         </p:txBody>
       </p:sp>
@@ -5620,7 +7690,12 @@
             <p:ph type="body" idx="1"/>
           </p:nvPr>
         </p:nvSpPr>
-        <p:spPr/>
+        <p:spPr>
+          <a:xfrm>
+            <a:off x="566738" y="1340768"/>
+            <a:ext cx="8001000" cy="4267200"/>
+          </a:xfrm>
+        </p:spPr>
         <p:txBody>
           <a:bodyPr/>
           <a:lstStyle/>
@@ -5628,11 +7703,7 @@
             <a:pPr eaLnBrk="1" hangingPunct="1"/>
             <a:r>
               <a:rPr lang="zh-CN" altLang="en-US" sz="3400" b="1" dirty="0" smtClean="0"/>
-              <a:t>本章</a:t>
-            </a:r>
-            <a:r>
-              <a:rPr lang="zh-CN" altLang="en-US" sz="3400" b="1" dirty="0" smtClean="0"/>
-              <a:t>重点</a:t>
+              <a:t>本章重点</a:t>
             </a:r>
           </a:p>
           <a:p>
@@ -5644,33 +7715,7 @@
             </a:pPr>
             <a:r>
               <a:rPr lang="zh-CN" altLang="en-US" sz="3200" b="1" dirty="0" smtClean="0"/>
-              <a:t>测试总结报告定义</a:t>
-            </a:r>
-            <a:endParaRPr lang="en-US" altLang="zh-CN" sz="3200" b="1" dirty="0" smtClean="0"/>
-          </a:p>
-          <a:p>
-            <a:pPr lvl="1" eaLnBrk="1" hangingPunct="1">
-              <a:lnSpc>
-                <a:spcPct val="150000"/>
-              </a:lnSpc>
-              <a:defRPr/>
-            </a:pPr>
-            <a:r>
-              <a:rPr lang="zh-CN" altLang="en-US" sz="3200" b="1" dirty="0" smtClean="0"/>
-              <a:t>测试总结报告内容</a:t>
-            </a:r>
-            <a:endParaRPr lang="en-US" altLang="zh-CN" sz="3200" b="1" dirty="0" smtClean="0"/>
-          </a:p>
-          <a:p>
-            <a:pPr lvl="1" eaLnBrk="1" hangingPunct="1">
-              <a:lnSpc>
-                <a:spcPct val="150000"/>
-              </a:lnSpc>
-              <a:defRPr/>
-            </a:pPr>
-            <a:r>
-              <a:rPr lang="zh-CN" altLang="en-US" sz="3200" b="1" dirty="0" smtClean="0"/>
-              <a:t>测试总结报告实例</a:t>
+              <a:t>常用控件的测试</a:t>
             </a:r>
             <a:endParaRPr lang="en-US" altLang="zh-CN" sz="3200" b="1" dirty="0"/>
           </a:p>
@@ -5709,150 +7754,468 @@
           <a:chExt cx="0" cy="0"/>
         </a:xfrm>
       </p:grpSpPr>
-      <p:sp>
-        <p:nvSpPr>
-          <p:cNvPr id="30724" name="标题 11"/>
-          <p:cNvSpPr>
-            <a:spLocks noGrp="1"/>
-          </p:cNvSpPr>
-          <p:nvPr>
-            <p:ph type="title"/>
-          </p:nvPr>
-        </p:nvSpPr>
-        <p:spPr/>
+      <p:pic>
+        <p:nvPicPr>
+          <p:cNvPr id="4" name="Picture 3"/>
+          <p:cNvPicPr>
+            <a:picLocks noChangeAspect="1" noChangeArrowheads="1"/>
+          </p:cNvPicPr>
+          <p:nvPr/>
+        </p:nvPicPr>
+        <p:blipFill>
+          <a:blip r:embed="rId3"/>
+          <a:srcRect/>
+          <a:stretch>
+            <a:fillRect/>
+          </a:stretch>
+        </p:blipFill>
+        <p:spPr bwMode="auto">
+          <a:xfrm>
+            <a:off x="4111639" y="1547826"/>
+            <a:ext cx="1886747" cy="3810000"/>
+          </a:xfrm>
+          <a:prstGeom prst="rect">
+            <a:avLst/>
+          </a:prstGeom>
+          <a:noFill/>
+          <a:ln w="9525">
+            <a:noFill/>
+            <a:miter lim="800000"/>
+            <a:headEnd/>
+            <a:tailEnd/>
+          </a:ln>
+        </p:spPr>
+      </p:pic>
+      <p:sp>
+        <p:nvSpPr>
+          <p:cNvPr id="5" name="AutoShape 4"/>
+          <p:cNvSpPr>
+            <a:spLocks/>
+          </p:cNvSpPr>
+          <p:nvPr/>
+        </p:nvSpPr>
+        <p:spPr bwMode="auto">
+          <a:xfrm>
+            <a:off x="6314929" y="2268551"/>
+            <a:ext cx="1802518" cy="334962"/>
+          </a:xfrm>
+          <a:prstGeom prst="borderCallout2">
+            <a:avLst>
+              <a:gd name="adj1" fmla="val 34125"/>
+              <a:gd name="adj2" fmla="val -8972"/>
+              <a:gd name="adj3" fmla="val 34125"/>
+              <a:gd name="adj4" fmla="val -35329"/>
+              <a:gd name="adj5" fmla="val 71088"/>
+              <a:gd name="adj6" fmla="val -62241"/>
+            </a:avLst>
+          </a:prstGeom>
+          <a:noFill/>
+          <a:ln w="9525">
+            <a:solidFill>
+              <a:srgbClr val="000000"/>
+            </a:solidFill>
+            <a:miter lim="800000"/>
+            <a:headEnd/>
+            <a:tailEnd/>
+          </a:ln>
+        </p:spPr>
         <p:txBody>
           <a:bodyPr/>
           <a:lstStyle/>
           <a:p>
-            <a:pPr eaLnBrk="1" hangingPunct="1"/>
-            <a:r>
-              <a:rPr lang="zh-CN" altLang="en-US" b="1" dirty="0">
+            <a:pPr algn="ctr"/>
+            <a:r>
+              <a:rPr lang="zh-CN" altLang="en-US">
+                <a:solidFill>
+                  <a:srgbClr val="000000"/>
+                </a:solidFill>
+                <a:latin typeface="黑体" pitchFamily="2" charset="-122"/>
+                <a:ea typeface="黑体" pitchFamily="2" charset="-122"/>
+              </a:rPr>
+              <a:t>文本框</a:t>
+            </a:r>
+          </a:p>
+        </p:txBody>
+      </p:sp>
+      <p:sp>
+        <p:nvSpPr>
+          <p:cNvPr id="6" name="AutoShape 5"/>
+          <p:cNvSpPr>
+            <a:spLocks/>
+          </p:cNvSpPr>
+          <p:nvPr/>
+        </p:nvSpPr>
+        <p:spPr bwMode="auto">
+          <a:xfrm>
+            <a:off x="6305404" y="2736863"/>
+            <a:ext cx="1802518" cy="334963"/>
+          </a:xfrm>
+          <a:prstGeom prst="borderCallout2">
+            <a:avLst>
+              <a:gd name="adj1" fmla="val 34125"/>
+              <a:gd name="adj2" fmla="val -8972"/>
+              <a:gd name="adj3" fmla="val 34125"/>
+              <a:gd name="adj4" fmla="val -36824"/>
+              <a:gd name="adj5" fmla="val 34125"/>
+              <a:gd name="adj6" fmla="val -65606"/>
+            </a:avLst>
+          </a:prstGeom>
+          <a:noFill/>
+          <a:ln w="9525">
+            <a:solidFill>
+              <a:srgbClr val="000000"/>
+            </a:solidFill>
+            <a:miter lim="800000"/>
+            <a:headEnd/>
+            <a:tailEnd/>
+          </a:ln>
+        </p:spPr>
+        <p:txBody>
+          <a:bodyPr/>
+          <a:lstStyle/>
+          <a:p>
+            <a:pPr algn="ctr"/>
+            <a:r>
+              <a:rPr lang="zh-CN" altLang="en-US">
+                <a:solidFill>
+                  <a:srgbClr val="000000"/>
+                </a:solidFill>
+                <a:latin typeface="黑体" pitchFamily="2" charset="-122"/>
+                <a:ea typeface="黑体" pitchFamily="2" charset="-122"/>
+              </a:rPr>
+              <a:t>按钮</a:t>
+            </a:r>
+          </a:p>
+        </p:txBody>
+      </p:sp>
+      <p:sp>
+        <p:nvSpPr>
+          <p:cNvPr id="7" name="AutoShape 6"/>
+          <p:cNvSpPr>
+            <a:spLocks/>
+          </p:cNvSpPr>
+          <p:nvPr/>
+        </p:nvSpPr>
+        <p:spPr bwMode="auto">
+          <a:xfrm>
+            <a:off x="6305404" y="3224226"/>
+            <a:ext cx="2227036" cy="334962"/>
+          </a:xfrm>
+          <a:prstGeom prst="borderCallout2">
+            <a:avLst>
+              <a:gd name="adj1" fmla="val 34125"/>
+              <a:gd name="adj2" fmla="val -7264"/>
+              <a:gd name="adj3" fmla="val 34125"/>
+              <a:gd name="adj4" fmla="val -29347"/>
+              <a:gd name="adj5" fmla="val -2843"/>
+              <a:gd name="adj6" fmla="val -51889"/>
+            </a:avLst>
+          </a:prstGeom>
+          <a:noFill/>
+          <a:ln w="9525">
+            <a:solidFill>
+              <a:srgbClr val="000000"/>
+            </a:solidFill>
+            <a:miter lim="800000"/>
+            <a:headEnd/>
+            <a:tailEnd/>
+          </a:ln>
+        </p:spPr>
+        <p:txBody>
+          <a:bodyPr/>
+          <a:lstStyle/>
+          <a:p>
+            <a:pPr algn="ctr"/>
+            <a:r>
+              <a:rPr lang="zh-CN" altLang="en-US">
+                <a:solidFill>
+                  <a:srgbClr val="000000"/>
+                </a:solidFill>
+                <a:latin typeface="黑体" pitchFamily="2" charset="-122"/>
+                <a:ea typeface="黑体" pitchFamily="2" charset="-122"/>
+              </a:rPr>
+              <a:t>单选按钮</a:t>
+            </a:r>
+          </a:p>
+        </p:txBody>
+      </p:sp>
+      <p:sp>
+        <p:nvSpPr>
+          <p:cNvPr id="8" name="AutoShape 7"/>
+          <p:cNvSpPr>
+            <a:spLocks/>
+          </p:cNvSpPr>
+          <p:nvPr/>
+        </p:nvSpPr>
+        <p:spPr bwMode="auto">
+          <a:xfrm>
+            <a:off x="6630842" y="3765563"/>
+            <a:ext cx="1802516" cy="334963"/>
+          </a:xfrm>
+          <a:prstGeom prst="borderCallout2">
+            <a:avLst>
+              <a:gd name="adj1" fmla="val 34125"/>
+              <a:gd name="adj2" fmla="val -8972"/>
+              <a:gd name="adj3" fmla="val 34125"/>
+              <a:gd name="adj4" fmla="val -55329"/>
+              <a:gd name="adj5" fmla="val -62560"/>
+              <a:gd name="adj6" fmla="val -101681"/>
+            </a:avLst>
+          </a:prstGeom>
+          <a:noFill/>
+          <a:ln w="9525">
+            <a:solidFill>
+              <a:srgbClr val="000000"/>
+            </a:solidFill>
+            <a:miter lim="800000"/>
+            <a:headEnd/>
+            <a:tailEnd/>
+          </a:ln>
+        </p:spPr>
+        <p:txBody>
+          <a:bodyPr/>
+          <a:lstStyle/>
+          <a:p>
+            <a:pPr algn="ctr"/>
+            <a:r>
+              <a:rPr lang="zh-CN" altLang="en-US">
+                <a:solidFill>
+                  <a:srgbClr val="000000"/>
+                </a:solidFill>
+                <a:latin typeface="黑体" pitchFamily="2" charset="-122"/>
+                <a:ea typeface="黑体" pitchFamily="2" charset="-122"/>
+              </a:rPr>
+              <a:t>列表框</a:t>
+            </a:r>
+          </a:p>
+        </p:txBody>
+      </p:sp>
+      <p:sp>
+        <p:nvSpPr>
+          <p:cNvPr id="9" name="AutoShape 8"/>
+          <p:cNvSpPr>
+            <a:spLocks/>
+          </p:cNvSpPr>
+          <p:nvPr/>
+        </p:nvSpPr>
+        <p:spPr bwMode="auto">
+          <a:xfrm>
+            <a:off x="6629254" y="4291026"/>
+            <a:ext cx="1802518" cy="334962"/>
+          </a:xfrm>
+          <a:prstGeom prst="borderCallout2">
+            <a:avLst>
+              <a:gd name="adj1" fmla="val 36366"/>
+              <a:gd name="adj2" fmla="val -8694"/>
+              <a:gd name="adj3" fmla="val 36366"/>
+              <a:gd name="adj4" fmla="val -55435"/>
+              <a:gd name="adj5" fmla="val -142426"/>
+              <a:gd name="adj6" fmla="val -102176"/>
+            </a:avLst>
+          </a:prstGeom>
+          <a:noFill/>
+          <a:ln w="9525">
+            <a:solidFill>
+              <a:srgbClr val="000000"/>
+            </a:solidFill>
+            <a:miter lim="800000"/>
+            <a:headEnd/>
+            <a:tailEnd/>
+          </a:ln>
+        </p:spPr>
+        <p:txBody>
+          <a:bodyPr/>
+          <a:lstStyle/>
+          <a:p>
+            <a:pPr algn="ctr"/>
+            <a:r>
+              <a:rPr lang="zh-CN" altLang="en-US">
+                <a:solidFill>
+                  <a:srgbClr val="000000"/>
+                </a:solidFill>
+                <a:latin typeface="黑体" pitchFamily="2" charset="-122"/>
+                <a:ea typeface="黑体" pitchFamily="2" charset="-122"/>
+              </a:rPr>
+              <a:t>滚动条</a:t>
+            </a:r>
+          </a:p>
+        </p:txBody>
+      </p:sp>
+      <p:sp>
+        <p:nvSpPr>
+          <p:cNvPr id="10" name="AutoShape 9"/>
+          <p:cNvSpPr>
+            <a:spLocks/>
+          </p:cNvSpPr>
+          <p:nvPr/>
+        </p:nvSpPr>
+        <p:spPr bwMode="auto">
+          <a:xfrm>
+            <a:off x="1115616" y="3529026"/>
+            <a:ext cx="2446032" cy="333375"/>
+          </a:xfrm>
+          <a:prstGeom prst="borderCallout2">
+            <a:avLst>
+              <a:gd name="adj1" fmla="val 34287"/>
+              <a:gd name="adj2" fmla="val 106611"/>
+              <a:gd name="adj3" fmla="val 34287"/>
+              <a:gd name="adj4" fmla="val 130991"/>
+              <a:gd name="adj5" fmla="val 0"/>
+              <a:gd name="adj6" fmla="val 156199"/>
+            </a:avLst>
+          </a:prstGeom>
+          <a:noFill/>
+          <a:ln w="9525">
+            <a:solidFill>
+              <a:srgbClr val="000000"/>
+            </a:solidFill>
+            <a:miter lim="800000"/>
+            <a:headEnd/>
+            <a:tailEnd/>
+          </a:ln>
+        </p:spPr>
+        <p:txBody>
+          <a:bodyPr/>
+          <a:lstStyle/>
+          <a:p>
+            <a:pPr algn="ctr"/>
+            <a:r>
+              <a:rPr lang="zh-CN" altLang="en-US">
+                <a:solidFill>
+                  <a:srgbClr val="000000"/>
+                </a:solidFill>
+                <a:latin typeface="黑体" pitchFamily="2" charset="-122"/>
+                <a:ea typeface="黑体" pitchFamily="2" charset="-122"/>
+              </a:rPr>
+              <a:t>组合列表框</a:t>
+            </a:r>
+          </a:p>
+        </p:txBody>
+      </p:sp>
+      <p:sp>
+        <p:nvSpPr>
+          <p:cNvPr id="11" name="AutoShape 10"/>
+          <p:cNvSpPr>
+            <a:spLocks/>
+          </p:cNvSpPr>
+          <p:nvPr/>
+        </p:nvSpPr>
+        <p:spPr bwMode="auto">
+          <a:xfrm>
+            <a:off x="1420416" y="2843226"/>
+            <a:ext cx="1799148" cy="333375"/>
+          </a:xfrm>
+          <a:prstGeom prst="borderCallout2">
+            <a:avLst>
+              <a:gd name="adj1" fmla="val 34287"/>
+              <a:gd name="adj2" fmla="val 108991"/>
+              <a:gd name="adj3" fmla="val 34287"/>
+              <a:gd name="adj4" fmla="val 141574"/>
+              <a:gd name="adj5" fmla="val 100000"/>
+              <a:gd name="adj6" fmla="val 175282"/>
+            </a:avLst>
+          </a:prstGeom>
+          <a:noFill/>
+          <a:ln w="9525">
+            <a:solidFill>
+              <a:srgbClr val="000000"/>
+            </a:solidFill>
+            <a:miter lim="800000"/>
+            <a:headEnd/>
+            <a:tailEnd/>
+          </a:ln>
+        </p:spPr>
+        <p:txBody>
+          <a:bodyPr/>
+          <a:lstStyle/>
+          <a:p>
+            <a:pPr algn="ctr"/>
+            <a:r>
+              <a:rPr lang="zh-CN" altLang="en-US" dirty="0">
+                <a:solidFill>
+                  <a:srgbClr val="000000"/>
+                </a:solidFill>
+                <a:latin typeface="黑体" pitchFamily="2" charset="-122"/>
+                <a:ea typeface="黑体" pitchFamily="2" charset="-122"/>
+              </a:rPr>
+              <a:t>复选框</a:t>
+            </a:r>
+          </a:p>
+        </p:txBody>
+      </p:sp>
+      <p:sp>
+        <p:nvSpPr>
+          <p:cNvPr id="14" name="Text Box 1"/>
+          <p:cNvSpPr txBox="1">
+            <a:spLocks noChangeArrowheads="1"/>
+          </p:cNvSpPr>
+          <p:nvPr/>
+        </p:nvSpPr>
+        <p:spPr bwMode="auto">
+          <a:xfrm>
+            <a:off x="600075" y="311311"/>
+            <a:ext cx="3118459" cy="679290"/>
+          </a:xfrm>
+          <a:prstGeom prst="rect">
+            <a:avLst/>
+          </a:prstGeom>
+          <a:noFill/>
+          <a:ln w="9525">
+            <a:noFill/>
+            <a:miter lim="800000"/>
+            <a:headEnd/>
+            <a:tailEnd/>
+          </a:ln>
+        </p:spPr>
+        <p:txBody>
+          <a:bodyPr wrap="none" lIns="90000" tIns="46800" rIns="90000" bIns="46800">
+            <a:spAutoFit/>
+          </a:bodyPr>
+          <a:lstStyle/>
+          <a:p>
+            <a:pPr marL="166688" indent="-163513">
+              <a:tabLst>
+                <a:tab pos="166688" algn="l"/>
+                <a:tab pos="614363" algn="l"/>
+                <a:tab pos="1063625" algn="l"/>
+                <a:tab pos="1512888" algn="l"/>
+                <a:tab pos="1962150" algn="l"/>
+                <a:tab pos="2411413" algn="l"/>
+                <a:tab pos="2860675" algn="l"/>
+                <a:tab pos="3309938" algn="l"/>
+                <a:tab pos="3759200" algn="l"/>
+                <a:tab pos="4208463" algn="l"/>
+                <a:tab pos="4657725" algn="l"/>
+                <a:tab pos="5106988" algn="l"/>
+                <a:tab pos="5556250" algn="l"/>
+                <a:tab pos="6005513" algn="l"/>
+                <a:tab pos="6454775" algn="l"/>
+                <a:tab pos="6904038" algn="l"/>
+                <a:tab pos="7353300" algn="l"/>
+                <a:tab pos="7802563" algn="l"/>
+                <a:tab pos="8251825" algn="l"/>
+                <a:tab pos="8701088" algn="l"/>
+                <a:tab pos="9150350" algn="l"/>
+              </a:tabLst>
+            </a:pPr>
+            <a:r>
+              <a:rPr lang="zh-CN" altLang="en-US" sz="3800" b="1" dirty="0">
+                <a:solidFill>
+                  <a:schemeClr val="tx2"/>
+                </a:solidFill>
                 <a:latin typeface="黑体" pitchFamily="49" charset="-122"/>
                 <a:ea typeface="黑体" pitchFamily="49" charset="-122"/>
+                <a:cs typeface="+mj-cs"/>
               </a:rPr>
-              <a:t>测试总结报告定义</a:t>
-            </a:r>
-          </a:p>
-        </p:txBody>
-      </p:sp>
-      <p:sp>
-        <p:nvSpPr>
-          <p:cNvPr id="30723" name="内容占位符 2"/>
-          <p:cNvSpPr>
-            <a:spLocks noGrp="1"/>
-          </p:cNvSpPr>
-          <p:nvPr>
-            <p:ph idx="1"/>
-          </p:nvPr>
-        </p:nvSpPr>
-        <p:spPr/>
-        <p:txBody>
-          <a:bodyPr/>
-          <a:lstStyle/>
-          <a:p>
-            <a:pPr algn="just" eaLnBrk="1" hangingPunct="1"/>
-            <a:r>
-              <a:rPr lang="zh-CN" altLang="en-US" sz="3400" b="1" dirty="0"/>
-              <a:t>测试报告文档是测试阶段最后的文档产出物，把</a:t>
-            </a:r>
-            <a:r>
-              <a:rPr lang="zh-CN" altLang="en-US" sz="3400" b="1" dirty="0">
-                <a:solidFill>
-                  <a:srgbClr val="FF0000"/>
-                </a:solidFill>
-              </a:rPr>
-              <a:t>测试的过程和结果</a:t>
-            </a:r>
-            <a:r>
-              <a:rPr lang="zh-CN" altLang="en-US" sz="3400" b="1" dirty="0"/>
-              <a:t>写成文档，并对发现的问题和缺陷进行</a:t>
-            </a:r>
-            <a:r>
-              <a:rPr lang="zh-CN" altLang="en-US" sz="3400" b="1" dirty="0">
-                <a:solidFill>
-                  <a:srgbClr val="FF0000"/>
-                </a:solidFill>
-              </a:rPr>
-              <a:t>分析</a:t>
-            </a:r>
-            <a:r>
-              <a:rPr lang="zh-CN" altLang="en-US" sz="3400" b="1" dirty="0"/>
-              <a:t>，为纠正软件的存在的质量问题提供依据，同时为软件验收和交付打下基础。 </a:t>
-            </a:r>
-          </a:p>
-          <a:p>
-            <a:pPr eaLnBrk="1" hangingPunct="1"/>
-            <a:endParaRPr lang="en-US" altLang="zh-CN" dirty="0" smtClean="0">
-              <a:ea typeface="宋体" pitchFamily="2" charset="-122"/>
-            </a:endParaRPr>
-          </a:p>
-          <a:p>
-            <a:pPr eaLnBrk="1" hangingPunct="1">
-              <a:buFont typeface="Wingdings" pitchFamily="2" charset="2"/>
-              <a:buNone/>
-            </a:pPr>
-            <a:r>
-              <a:rPr lang="zh-CN" altLang="en-US" dirty="0" smtClean="0">
-                <a:ea typeface="宋体" pitchFamily="2" charset="-122"/>
-              </a:rPr>
-              <a:t>          </a:t>
-            </a:r>
-            <a:endParaRPr lang="en-US" altLang="zh-CN" dirty="0" smtClean="0">
-              <a:ea typeface="宋体" pitchFamily="2" charset="-122"/>
-            </a:endParaRPr>
-          </a:p>
-          <a:p>
-            <a:pPr eaLnBrk="1" hangingPunct="1">
-              <a:buFont typeface="Wingdings" pitchFamily="2" charset="2"/>
-              <a:buNone/>
-            </a:pPr>
-            <a:r>
-              <a:rPr lang="zh-CN" altLang="en-US" dirty="0" smtClean="0">
-                <a:ea typeface="宋体" pitchFamily="2" charset="-122"/>
-              </a:rPr>
-              <a:t>      </a:t>
-            </a:r>
-            <a:endParaRPr lang="en-US" altLang="zh-CN" dirty="0" smtClean="0">
-              <a:ea typeface="宋体" pitchFamily="2" charset="-122"/>
-            </a:endParaRPr>
-          </a:p>
-          <a:p>
-            <a:pPr eaLnBrk="1" hangingPunct="1">
-              <a:buFont typeface="Wingdings" pitchFamily="2" charset="2"/>
-              <a:buNone/>
-            </a:pPr>
-            <a:endParaRPr lang="en-US" altLang="zh-CN" dirty="0" smtClean="0">
-              <a:ea typeface="宋体" pitchFamily="2" charset="-122"/>
-            </a:endParaRPr>
-          </a:p>
-          <a:p>
-            <a:pPr eaLnBrk="1" hangingPunct="1">
-              <a:buFont typeface="Wingdings" pitchFamily="2" charset="2"/>
-              <a:buNone/>
-            </a:pPr>
-            <a:endParaRPr lang="en-US" altLang="zh-CN" dirty="0" smtClean="0">
-              <a:ea typeface="宋体" pitchFamily="2" charset="-122"/>
-            </a:endParaRPr>
-          </a:p>
-          <a:p>
-            <a:pPr eaLnBrk="1" hangingPunct="1">
-              <a:buFont typeface="Wingdings" pitchFamily="2" charset="2"/>
-              <a:buNone/>
-            </a:pPr>
-            <a:r>
-              <a:rPr lang="en-US" altLang="zh-CN" dirty="0" smtClean="0">
-                <a:ea typeface="宋体" pitchFamily="2" charset="-122"/>
-              </a:rPr>
-              <a:t>    </a:t>
-            </a:r>
-            <a:r>
-              <a:rPr lang="zh-CN" altLang="en-US" dirty="0" smtClean="0">
-                <a:ea typeface="宋体" pitchFamily="2" charset="-122"/>
-              </a:rPr>
-              <a:t>测试阶段最后即测试即将完成时进行分析和编写。  </a:t>
-            </a:r>
-            <a:endParaRPr lang="en-US" altLang="zh-CN" dirty="0" smtClean="0">
-              <a:ea typeface="宋体" pitchFamily="2" charset="-122"/>
+              <a:t>常用控件介绍</a:t>
+            </a:r>
+            <a:endParaRPr lang="zh-CN" sz="3800" b="1" dirty="0">
+              <a:solidFill>
+                <a:schemeClr val="tx2"/>
+              </a:solidFill>
+              <a:latin typeface="黑体" pitchFamily="49" charset="-122"/>
+              <a:ea typeface="黑体" pitchFamily="49" charset="-122"/>
+              <a:cs typeface="+mj-cs"/>
             </a:endParaRPr>
           </a:p>
         </p:txBody>
@@ -5860,7 +8223,7 @@
     </p:spTree>
     <p:extLst>
       <p:ext uri="{BB962C8B-B14F-4D97-AF65-F5344CB8AC3E}">
-        <p14:creationId xmlns:p14="http://schemas.microsoft.com/office/powerpoint/2010/main" val="180621234"/>
+        <p14:creationId xmlns:p14="http://schemas.microsoft.com/office/powerpoint/2010/main" val="2586020277"/>
       </p:ext>
     </p:extLst>
   </p:cSld>
@@ -5868,7 +8231,7 @@
     <a:masterClrMapping/>
   </p:clrMapOvr>
   <p:transition>
-    <p:randomBar dir="vert"/>
+    <p:blinds dir="vert"/>
   </p:transition>
   <p:timing>
     <p:tnLst>
@@ -5899,35 +8262,9 @@
       </p:grpSpPr>
       <p:sp>
         <p:nvSpPr>
-          <p:cNvPr id="31746" name="标题 16"/>
-          <p:cNvSpPr>
-            <a:spLocks noGrp="1"/>
-          </p:cNvSpPr>
-          <p:nvPr>
-            <p:ph type="title"/>
-          </p:nvPr>
-        </p:nvSpPr>
-        <p:spPr/>
-        <p:txBody>
-          <a:bodyPr/>
-          <a:lstStyle/>
-          <a:p>
-            <a:pPr eaLnBrk="1" hangingPunct="1"/>
-            <a:r>
-              <a:rPr lang="zh-CN" altLang="en-US" b="1" dirty="0">
-                <a:latin typeface="黑体" pitchFamily="49" charset="-122"/>
-                <a:ea typeface="黑体" pitchFamily="49" charset="-122"/>
-              </a:rPr>
-              <a:t>测试总结报告内容</a:t>
-            </a:r>
-          </a:p>
-        </p:txBody>
-      </p:sp>
-      <p:sp>
-        <p:nvSpPr>
-          <p:cNvPr id="31747" name="内容占位符 2"/>
-          <p:cNvSpPr>
-            <a:spLocks noGrp="1"/>
+          <p:cNvPr id="561155" name="Rectangle 3"/>
+          <p:cNvSpPr>
+            <a:spLocks noGrp="1" noChangeArrowheads="1"/>
           </p:cNvSpPr>
           <p:nvPr>
             <p:ph idx="1"/>
@@ -5935,79 +8272,256 @@
         </p:nvSpPr>
         <p:spPr>
           <a:xfrm>
-            <a:off x="683568" y="1916832"/>
-            <a:ext cx="7666037" cy="4641850"/>
+            <a:off x="683568" y="1124744"/>
+            <a:ext cx="8568952" cy="4641850"/>
           </a:xfrm>
         </p:spPr>
         <p:txBody>
           <a:bodyPr/>
           <a:lstStyle/>
           <a:p>
-            <a:pPr marL="469900" lvl="1" indent="-469900" algn="just" eaLnBrk="1" hangingPunct="1">
-              <a:buFont typeface="Wingdings" pitchFamily="2" charset="2"/>
-              <a:buChar char="o"/>
+            <a:pPr eaLnBrk="0" hangingPunct="0">
+              <a:lnSpc>
+                <a:spcPct val="150000"/>
+              </a:lnSpc>
             </a:pPr>
             <a:r>
-              <a:rPr lang="zh-CN" altLang="en-US" sz="2800" b="1" dirty="0">
-                <a:cs typeface="+mn-cs"/>
+              <a:rPr lang="zh-CN" altLang="en-US" sz="2800" b="1" dirty="0"/>
+              <a:t>文本框测试</a:t>
+            </a:r>
+          </a:p>
+          <a:p>
+            <a:pPr lvl="1"/>
+            <a:r>
+              <a:rPr lang="zh-CN" altLang="en-US" sz="2400" b="1" dirty="0" smtClean="0">
+                <a:solidFill>
+                  <a:schemeClr val="tx1"/>
+                </a:solidFill>
               </a:rPr>
-              <a:t>文件名称、编号、版本等基本信息</a:t>
-            </a:r>
-          </a:p>
-          <a:p>
-            <a:pPr marL="469900" lvl="1" indent="-469900" algn="just" eaLnBrk="1" hangingPunct="1">
-              <a:buFont typeface="Wingdings" pitchFamily="2" charset="2"/>
-              <a:buChar char="o"/>
+              <a:t>数据的内容、长度、类型（注：大小写）、格式（行、日期）、唯一性、空、空格、复制</a:t>
+            </a:r>
+            <a:r>
+              <a:rPr lang="en-US" altLang="zh-CN" sz="2400" b="1" dirty="0" smtClean="0">
+                <a:solidFill>
+                  <a:schemeClr val="tx1"/>
+                </a:solidFill>
+              </a:rPr>
+              <a:t>/</a:t>
+            </a:r>
+            <a:r>
+              <a:rPr lang="zh-CN" altLang="en-US" sz="2400" b="1" dirty="0" smtClean="0">
+                <a:solidFill>
+                  <a:schemeClr val="tx1"/>
+                </a:solidFill>
+              </a:rPr>
+              <a:t>粘贴</a:t>
+            </a:r>
+            <a:r>
+              <a:rPr lang="en-US" altLang="zh-CN" sz="2400" b="1" dirty="0" smtClean="0">
+                <a:solidFill>
+                  <a:schemeClr val="tx1"/>
+                </a:solidFill>
+              </a:rPr>
+              <a:t>+</a:t>
+            </a:r>
+            <a:r>
+              <a:rPr lang="zh-CN" altLang="en-US" sz="2400" b="1" dirty="0" smtClean="0">
+                <a:solidFill>
+                  <a:schemeClr val="tx1"/>
+                </a:solidFill>
+              </a:rPr>
+              <a:t>手动、特殊字符、功能键等</a:t>
+            </a:r>
+            <a:r>
+              <a:rPr lang="zh-CN" altLang="en-US" sz="2400" b="1" dirty="0">
+                <a:solidFill>
+                  <a:schemeClr val="tx1"/>
+                </a:solidFill>
+              </a:rPr>
+              <a:t>。</a:t>
+            </a:r>
+            <a:endParaRPr lang="en-US" altLang="zh-CN" sz="2400" b="1" dirty="0" smtClean="0">
+              <a:solidFill>
+                <a:schemeClr val="tx1"/>
+              </a:solidFill>
+            </a:endParaRPr>
+          </a:p>
+        </p:txBody>
+      </p:sp>
+      <p:grpSp>
+        <p:nvGrpSpPr>
+          <p:cNvPr id="2" name="Group 7"/>
+          <p:cNvGrpSpPr>
+            <a:grpSpLocks/>
+          </p:cNvGrpSpPr>
+          <p:nvPr/>
+        </p:nvGrpSpPr>
+        <p:grpSpPr bwMode="auto">
+          <a:xfrm>
+            <a:off x="1828451" y="3212976"/>
+            <a:ext cx="4953000" cy="2986088"/>
+            <a:chOff x="1121" y="1434"/>
+            <a:chExt cx="3120" cy="1881"/>
+          </a:xfrm>
+        </p:grpSpPr>
+        <p:pic>
+          <p:nvPicPr>
+            <p:cNvPr id="18438" name="Picture 4" descr="窗口控件1"/>
+            <p:cNvPicPr>
+              <a:picLocks noChangeAspect="1" noChangeArrowheads="1"/>
+            </p:cNvPicPr>
+            <p:nvPr/>
+          </p:nvPicPr>
+          <p:blipFill>
+            <a:blip r:embed="rId3"/>
+            <a:srcRect/>
+            <a:stretch>
+              <a:fillRect/>
+            </a:stretch>
+          </p:blipFill>
+          <p:spPr bwMode="auto">
+            <a:xfrm>
+              <a:off x="1121" y="1434"/>
+              <a:ext cx="3120" cy="1881"/>
+            </a:xfrm>
+            <a:prstGeom prst="rect">
+              <a:avLst/>
+            </a:prstGeom>
+            <a:noFill/>
+            <a:ln w="9525">
+              <a:noFill/>
+              <a:miter lim="800000"/>
+              <a:headEnd/>
+              <a:tailEnd/>
+            </a:ln>
+          </p:spPr>
+        </p:pic>
+        <p:sp>
+          <p:nvSpPr>
+            <p:cNvPr id="18439" name="AutoShape 5"/>
+            <p:cNvSpPr>
+              <a:spLocks noChangeArrowheads="1"/>
+            </p:cNvSpPr>
+            <p:nvPr/>
+          </p:nvSpPr>
+          <p:spPr bwMode="auto">
+            <a:xfrm>
+              <a:off x="1791" y="2251"/>
+              <a:ext cx="1769" cy="227"/>
+            </a:xfrm>
+            <a:prstGeom prst="roundRect">
+              <a:avLst>
+                <a:gd name="adj" fmla="val 16667"/>
+              </a:avLst>
+            </a:prstGeom>
+            <a:noFill/>
+            <a:ln w="19050" algn="ctr">
+              <a:solidFill>
+                <a:srgbClr val="FF0000"/>
+              </a:solidFill>
+              <a:round/>
+              <a:headEnd/>
+              <a:tailEnd/>
+            </a:ln>
+          </p:spPr>
+          <p:txBody>
+            <a:bodyPr wrap="none" anchor="ctr"/>
+            <a:lstStyle/>
+            <a:p>
+              <a:pPr algn="ctr"/>
+              <a:endParaRPr lang="zh-CN" altLang="zh-CN">
+                <a:solidFill>
+                  <a:srgbClr val="FF0000"/>
+                </a:solidFill>
+              </a:endParaRPr>
+            </a:p>
+          </p:txBody>
+        </p:sp>
+      </p:grpSp>
+      <p:sp>
+        <p:nvSpPr>
+          <p:cNvPr id="10" name="Text Box 1"/>
+          <p:cNvSpPr txBox="1">
+            <a:spLocks noChangeArrowheads="1"/>
+          </p:cNvSpPr>
+          <p:nvPr/>
+        </p:nvSpPr>
+        <p:spPr bwMode="auto">
+          <a:xfrm>
+            <a:off x="600075" y="311311"/>
+            <a:ext cx="2629544" cy="679290"/>
+          </a:xfrm>
+          <a:prstGeom prst="rect">
+            <a:avLst/>
+          </a:prstGeom>
+          <a:noFill/>
+          <a:ln w="9525">
+            <a:noFill/>
+            <a:miter lim="800000"/>
+            <a:headEnd/>
+            <a:tailEnd/>
+          </a:ln>
+        </p:spPr>
+        <p:txBody>
+          <a:bodyPr wrap="none" lIns="90000" tIns="46800" rIns="90000" bIns="46800">
+            <a:spAutoFit/>
+          </a:bodyPr>
+          <a:lstStyle/>
+          <a:p>
+            <a:pPr marL="166688" indent="-163513">
+              <a:tabLst>
+                <a:tab pos="166688" algn="l"/>
+                <a:tab pos="614363" algn="l"/>
+                <a:tab pos="1063625" algn="l"/>
+                <a:tab pos="1512888" algn="l"/>
+                <a:tab pos="1962150" algn="l"/>
+                <a:tab pos="2411413" algn="l"/>
+                <a:tab pos="2860675" algn="l"/>
+                <a:tab pos="3309938" algn="l"/>
+                <a:tab pos="3759200" algn="l"/>
+                <a:tab pos="4208463" algn="l"/>
+                <a:tab pos="4657725" algn="l"/>
+                <a:tab pos="5106988" algn="l"/>
+                <a:tab pos="5556250" algn="l"/>
+                <a:tab pos="6005513" algn="l"/>
+                <a:tab pos="6454775" algn="l"/>
+                <a:tab pos="6904038" algn="l"/>
+                <a:tab pos="7353300" algn="l"/>
+                <a:tab pos="7802563" algn="l"/>
+                <a:tab pos="8251825" algn="l"/>
+                <a:tab pos="8701088" algn="l"/>
+                <a:tab pos="9150350" algn="l"/>
+              </a:tabLst>
             </a:pPr>
             <a:r>
-              <a:rPr lang="zh-CN" altLang="en-US" sz="2800" b="1" dirty="0">
-                <a:cs typeface="+mn-cs"/>
+              <a:rPr lang="zh-CN" altLang="en-US" sz="3800" b="1" dirty="0">
+                <a:solidFill>
+                  <a:schemeClr val="tx2"/>
+                </a:solidFill>
+                <a:latin typeface="黑体" pitchFamily="49" charset="-122"/>
+                <a:ea typeface="黑体" pitchFamily="49" charset="-122"/>
+                <a:cs typeface="+mj-cs"/>
               </a:rPr>
-              <a:t>引言（编写目的、项目介绍、常用术语、参考文档）</a:t>
-            </a:r>
-          </a:p>
-          <a:p>
-            <a:pPr marL="469900" lvl="1" indent="-469900" algn="just" eaLnBrk="1" hangingPunct="1">
-              <a:buFont typeface="Wingdings" pitchFamily="2" charset="2"/>
-              <a:buChar char="o"/>
-            </a:pPr>
-            <a:r>
-              <a:rPr lang="zh-CN" altLang="en-US" sz="2800" b="1" dirty="0">
-                <a:cs typeface="+mn-cs"/>
+              <a:t>文本框</a:t>
+            </a:r>
+            <a:r>
+              <a:rPr lang="zh-CN" altLang="en-US" sz="3800" b="1" dirty="0">
+                <a:solidFill>
+                  <a:schemeClr val="tx2"/>
+                </a:solidFill>
+                <a:latin typeface="黑体" pitchFamily="49" charset="-122"/>
+                <a:ea typeface="黑体" pitchFamily="49" charset="-122"/>
+                <a:cs typeface="+mj-cs"/>
               </a:rPr>
-              <a:t>测试概要（测试用例设计、测试环境与配置、工具）</a:t>
-            </a:r>
-          </a:p>
-          <a:p>
-            <a:pPr marL="469900" lvl="1" indent="-469900" algn="just" eaLnBrk="1" hangingPunct="1">
-              <a:buFont typeface="Wingdings" pitchFamily="2" charset="2"/>
-              <a:buChar char="o"/>
-            </a:pPr>
-            <a:r>
-              <a:rPr lang="zh-CN" altLang="en-US" sz="2800" b="1" dirty="0">
-                <a:cs typeface="+mn-cs"/>
-              </a:rPr>
-              <a:t>测试结果与缺陷分析（测试执行情况与记录；覆盖结果分析；缺陷统计与分析 ）</a:t>
-            </a:r>
-          </a:p>
-          <a:p>
-            <a:pPr marL="469900" lvl="1" indent="-469900" algn="just" eaLnBrk="1" hangingPunct="1">
-              <a:buFont typeface="Wingdings" pitchFamily="2" charset="2"/>
-              <a:buChar char="o"/>
-            </a:pPr>
-            <a:r>
-              <a:rPr lang="zh-CN" altLang="en-US" sz="2800" b="1" dirty="0">
-                <a:cs typeface="+mn-cs"/>
-              </a:rPr>
-              <a:t>测试结论与建议（测试结论、测试建议）</a:t>
-            </a:r>
-          </a:p>
-          <a:p>
-            <a:pPr marL="0" indent="0" eaLnBrk="1" hangingPunct="1">
-              <a:buNone/>
-            </a:pPr>
-            <a:endParaRPr lang="zh-CN" altLang="en-US" dirty="0" smtClean="0">
-              <a:ea typeface="宋体" pitchFamily="2" charset="-122"/>
+              <a:t>测试</a:t>
+            </a:r>
+            <a:endParaRPr lang="zh-CN" sz="3800" b="1" dirty="0">
+              <a:solidFill>
+                <a:schemeClr val="tx2"/>
+              </a:solidFill>
+              <a:latin typeface="黑体" pitchFamily="49" charset="-122"/>
+              <a:ea typeface="黑体" pitchFamily="49" charset="-122"/>
+              <a:cs typeface="+mj-cs"/>
             </a:endParaRPr>
           </a:p>
         </p:txBody>
@@ -6015,7 +8529,7 @@
     </p:spTree>
     <p:extLst>
       <p:ext uri="{BB962C8B-B14F-4D97-AF65-F5344CB8AC3E}">
-        <p14:creationId xmlns:p14="http://schemas.microsoft.com/office/powerpoint/2010/main" val="4125586527"/>
+        <p14:creationId xmlns:p14="http://schemas.microsoft.com/office/powerpoint/2010/main" val="214381222"/>
       </p:ext>
     </p:extLst>
   </p:cSld>
@@ -6023,12 +8537,191 @@
     <a:masterClrMapping/>
   </p:clrMapOvr>
   <p:transition>
-    <p:randomBar dir="vert"/>
+    <p:blinds dir="vert"/>
   </p:transition>
   <p:timing>
     <p:tnLst>
       <p:par>
-        <p:cTn id="1" dur="indefinite" restart="never" nodeType="tmRoot"/>
+        <p:cTn id="1" dur="indefinite" restart="never" nodeType="tmRoot">
+          <p:childTnLst>
+            <p:seq concurrent="1" nextAc="seek">
+              <p:cTn id="2" dur="indefinite" nodeType="mainSeq">
+                <p:childTnLst>
+                  <p:par>
+                    <p:cTn id="3" fill="hold">
+                      <p:stCondLst>
+                        <p:cond delay="indefinite"/>
+                      </p:stCondLst>
+                      <p:childTnLst>
+                        <p:par>
+                          <p:cTn id="4" fill="hold">
+                            <p:stCondLst>
+                              <p:cond delay="0"/>
+                            </p:stCondLst>
+                            <p:childTnLst>
+                              <p:par>
+                                <p:cTn id="5" presetID="16" presetClass="exit" presetSubtype="21" fill="hold" nodeType="clickEffect">
+                                  <p:stCondLst>
+                                    <p:cond delay="0"/>
+                                  </p:stCondLst>
+                                  <p:childTnLst>
+                                    <p:animEffect transition="out" filter="barn(inVertical)">
+                                      <p:cBhvr>
+                                        <p:cTn id="6" dur="500"/>
+                                        <p:tgtEl>
+                                          <p:spTgt spid="2"/>
+                                        </p:tgtEl>
+                                      </p:cBhvr>
+                                    </p:animEffect>
+                                    <p:set>
+                                      <p:cBhvr>
+                                        <p:cTn id="7" dur="1" fill="hold">
+                                          <p:stCondLst>
+                                            <p:cond delay="499"/>
+                                          </p:stCondLst>
+                                        </p:cTn>
+                                        <p:tgtEl>
+                                          <p:spTgt spid="2"/>
+                                        </p:tgtEl>
+                                        <p:attrNameLst>
+                                          <p:attrName>style.visibility</p:attrName>
+                                        </p:attrNameLst>
+                                      </p:cBhvr>
+                                      <p:to>
+                                        <p:strVal val="hidden"/>
+                                      </p:to>
+                                    </p:set>
+                                  </p:childTnLst>
+                                </p:cTn>
+                              </p:par>
+                            </p:childTnLst>
+                          </p:cTn>
+                        </p:par>
+                      </p:childTnLst>
+                    </p:cTn>
+                  </p:par>
+                  <p:par>
+                    <p:cTn id="8" fill="hold">
+                      <p:stCondLst>
+                        <p:cond delay="indefinite"/>
+                      </p:stCondLst>
+                      <p:childTnLst>
+                        <p:par>
+                          <p:cTn id="9" fill="hold">
+                            <p:stCondLst>
+                              <p:cond delay="0"/>
+                            </p:stCondLst>
+                            <p:childTnLst>
+                              <p:par>
+                                <p:cTn id="10" presetID="2" presetClass="entr" presetSubtype="2" fill="hold" nodeType="clickEffect">
+                                  <p:stCondLst>
+                                    <p:cond delay="0"/>
+                                  </p:stCondLst>
+                                  <p:childTnLst>
+                                    <p:set>
+                                      <p:cBhvr>
+                                        <p:cTn id="11" dur="1" fill="hold">
+                                          <p:stCondLst>
+                                            <p:cond delay="0"/>
+                                          </p:stCondLst>
+                                        </p:cTn>
+                                        <p:tgtEl>
+                                          <p:spTgt spid="561155">
+                                            <p:txEl>
+                                              <p:pRg st="1" end="1"/>
+                                            </p:txEl>
+                                          </p:spTgt>
+                                        </p:tgtEl>
+                                        <p:attrNameLst>
+                                          <p:attrName>style.visibility</p:attrName>
+                                        </p:attrNameLst>
+                                      </p:cBhvr>
+                                      <p:to>
+                                        <p:strVal val="visible"/>
+                                      </p:to>
+                                    </p:set>
+                                    <p:anim calcmode="lin" valueType="num">
+                                      <p:cBhvr additive="base">
+                                        <p:cTn id="12" dur="500" fill="hold"/>
+                                        <p:tgtEl>
+                                          <p:spTgt spid="561155">
+                                            <p:txEl>
+                                              <p:pRg st="1" end="1"/>
+                                            </p:txEl>
+                                          </p:spTgt>
+                                        </p:tgtEl>
+                                        <p:attrNameLst>
+                                          <p:attrName>ppt_x</p:attrName>
+                                        </p:attrNameLst>
+                                      </p:cBhvr>
+                                      <p:tavLst>
+                                        <p:tav tm="0">
+                                          <p:val>
+                                            <p:strVal val="1+#ppt_w/2"/>
+                                          </p:val>
+                                        </p:tav>
+                                        <p:tav tm="100000">
+                                          <p:val>
+                                            <p:strVal val="#ppt_x"/>
+                                          </p:val>
+                                        </p:tav>
+                                      </p:tavLst>
+                                    </p:anim>
+                                    <p:anim calcmode="lin" valueType="num">
+                                      <p:cBhvr additive="base">
+                                        <p:cTn id="13" dur="500" fill="hold"/>
+                                        <p:tgtEl>
+                                          <p:spTgt spid="561155">
+                                            <p:txEl>
+                                              <p:pRg st="1" end="1"/>
+                                            </p:txEl>
+                                          </p:spTgt>
+                                        </p:tgtEl>
+                                        <p:attrNameLst>
+                                          <p:attrName>ppt_y</p:attrName>
+                                        </p:attrNameLst>
+                                      </p:cBhvr>
+                                      <p:tavLst>
+                                        <p:tav tm="0">
+                                          <p:val>
+                                            <p:strVal val="#ppt_y"/>
+                                          </p:val>
+                                        </p:tav>
+                                        <p:tav tm="100000">
+                                          <p:val>
+                                            <p:strVal val="#ppt_y"/>
+                                          </p:val>
+                                        </p:tav>
+                                      </p:tavLst>
+                                    </p:anim>
+                                  </p:childTnLst>
+                                </p:cTn>
+                              </p:par>
+                            </p:childTnLst>
+                          </p:cTn>
+                        </p:par>
+                      </p:childTnLst>
+                    </p:cTn>
+                  </p:par>
+                </p:childTnLst>
+              </p:cTn>
+              <p:prevCondLst>
+                <p:cond evt="onPrev" delay="0">
+                  <p:tgtEl>
+                    <p:sldTgt/>
+                  </p:tgtEl>
+                </p:cond>
+              </p:prevCondLst>
+              <p:nextCondLst>
+                <p:cond evt="onNext" delay="0">
+                  <p:tgtEl>
+                    <p:sldTgt/>
+                  </p:tgtEl>
+                </p:cond>
+              </p:nextCondLst>
+            </p:seq>
+          </p:childTnLst>
+        </p:cTn>
       </p:par>
     </p:tnLst>
   </p:timing>
@@ -6054,73 +8747,16 @@
       </p:grpSpPr>
       <p:sp>
         <p:nvSpPr>
-          <p:cNvPr id="31746" name="标题 16"/>
-          <p:cNvSpPr>
-            <a:spLocks noGrp="1"/>
-          </p:cNvSpPr>
-          <p:nvPr>
-            <p:ph type="title"/>
-          </p:nvPr>
-        </p:nvSpPr>
-        <p:spPr/>
-        <p:txBody>
-          <a:bodyPr/>
-          <a:lstStyle/>
-          <a:p>
-            <a:pPr eaLnBrk="1" hangingPunct="1"/>
-            <a:r>
-              <a:rPr lang="zh-CN" altLang="en-US" b="1" dirty="0">
-                <a:latin typeface="黑体" pitchFamily="49" charset="-122"/>
-                <a:ea typeface="黑体" pitchFamily="49" charset="-122"/>
-              </a:rPr>
-              <a:t>测试总结报告实例</a:t>
-            </a:r>
-          </a:p>
-        </p:txBody>
-      </p:sp>
-      <p:sp>
-        <p:nvSpPr>
-          <p:cNvPr id="31747" name="内容占位符 2"/>
-          <p:cNvSpPr>
-            <a:spLocks noGrp="1"/>
-          </p:cNvSpPr>
-          <p:nvPr>
-            <p:ph idx="1"/>
-          </p:nvPr>
-        </p:nvSpPr>
-        <p:spPr/>
-        <p:txBody>
-          <a:bodyPr/>
-          <a:lstStyle/>
-          <a:p>
-            <a:pPr lvl="1"/>
-            <a:endParaRPr lang="en-US" altLang="zh-CN" dirty="0" smtClean="0"/>
-          </a:p>
-          <a:p>
-            <a:pPr lvl="1"/>
-            <a:endParaRPr lang="en-US" altLang="zh-CN" dirty="0" smtClean="0"/>
-          </a:p>
-        </p:txBody>
-      </p:sp>
-      <p:pic>
-        <p:nvPicPr>
-          <p:cNvPr id="1026" name="Picture 2"/>
-          <p:cNvPicPr>
-            <a:picLocks noChangeAspect="1" noChangeArrowheads="1"/>
-          </p:cNvPicPr>
+          <p:cNvPr id="10" name="Text Box 1"/>
+          <p:cNvSpPr txBox="1">
+            <a:spLocks noChangeArrowheads="1"/>
+          </p:cNvSpPr>
           <p:nvPr/>
-        </p:nvPicPr>
-        <p:blipFill>
-          <a:blip r:embed="rId3"/>
-          <a:srcRect/>
-          <a:stretch>
-            <a:fillRect/>
-          </a:stretch>
-        </p:blipFill>
+        </p:nvSpPr>
         <p:spPr bwMode="auto">
           <a:xfrm>
-            <a:off x="635903" y="1484784"/>
-            <a:ext cx="1457325" cy="3657600"/>
+            <a:off x="600075" y="311311"/>
+            <a:ext cx="2629544" cy="679290"/>
           </a:xfrm>
           <a:prstGeom prst="rect">
             <a:avLst/>
@@ -6132,112 +8768,514 @@
             <a:headEnd/>
             <a:tailEnd/>
           </a:ln>
-          <a:effectLst/>
-        </p:spPr>
-      </p:pic>
-      <p:pic>
-        <p:nvPicPr>
-          <p:cNvPr id="1027" name="Picture 3"/>
-          <p:cNvPicPr>
-            <a:picLocks noChangeAspect="1" noChangeArrowheads="1"/>
-          </p:cNvPicPr>
+        </p:spPr>
+        <p:txBody>
+          <a:bodyPr wrap="none" lIns="90000" tIns="46800" rIns="90000" bIns="46800">
+            <a:spAutoFit/>
+          </a:bodyPr>
+          <a:lstStyle/>
+          <a:p>
+            <a:pPr marL="166688" indent="-163513">
+              <a:tabLst>
+                <a:tab pos="166688" algn="l"/>
+                <a:tab pos="614363" algn="l"/>
+                <a:tab pos="1063625" algn="l"/>
+                <a:tab pos="1512888" algn="l"/>
+                <a:tab pos="1962150" algn="l"/>
+                <a:tab pos="2411413" algn="l"/>
+                <a:tab pos="2860675" algn="l"/>
+                <a:tab pos="3309938" algn="l"/>
+                <a:tab pos="3759200" algn="l"/>
+                <a:tab pos="4208463" algn="l"/>
+                <a:tab pos="4657725" algn="l"/>
+                <a:tab pos="5106988" algn="l"/>
+                <a:tab pos="5556250" algn="l"/>
+                <a:tab pos="6005513" algn="l"/>
+                <a:tab pos="6454775" algn="l"/>
+                <a:tab pos="6904038" algn="l"/>
+                <a:tab pos="7353300" algn="l"/>
+                <a:tab pos="7802563" algn="l"/>
+                <a:tab pos="8251825" algn="l"/>
+                <a:tab pos="8701088" algn="l"/>
+                <a:tab pos="9150350" algn="l"/>
+              </a:tabLst>
+            </a:pPr>
+            <a:r>
+              <a:rPr lang="zh-CN" altLang="en-US" sz="3800" b="1" dirty="0">
+                <a:solidFill>
+                  <a:schemeClr val="tx2"/>
+                </a:solidFill>
+                <a:latin typeface="黑体" pitchFamily="49" charset="-122"/>
+                <a:ea typeface="黑体" pitchFamily="49" charset="-122"/>
+                <a:cs typeface="+mj-cs"/>
+              </a:rPr>
+              <a:t>文本框</a:t>
+            </a:r>
+            <a:r>
+              <a:rPr lang="zh-CN" altLang="en-US" sz="3800" b="1" dirty="0">
+                <a:solidFill>
+                  <a:schemeClr val="tx2"/>
+                </a:solidFill>
+                <a:latin typeface="黑体" pitchFamily="49" charset="-122"/>
+                <a:ea typeface="黑体" pitchFamily="49" charset="-122"/>
+                <a:cs typeface="+mj-cs"/>
+              </a:rPr>
+              <a:t>测试</a:t>
+            </a:r>
+            <a:endParaRPr lang="zh-CN" sz="3800" b="1" dirty="0">
+              <a:solidFill>
+                <a:schemeClr val="tx2"/>
+              </a:solidFill>
+              <a:latin typeface="黑体" pitchFamily="49" charset="-122"/>
+              <a:ea typeface="黑体" pitchFamily="49" charset="-122"/>
+              <a:cs typeface="+mj-cs"/>
+            </a:endParaRPr>
+          </a:p>
+        </p:txBody>
+      </p:sp>
+      <p:sp>
+        <p:nvSpPr>
+          <p:cNvPr id="4" name="TextBox 3"/>
+          <p:cNvSpPr txBox="1"/>
           <p:nvPr/>
-        </p:nvPicPr>
-        <p:blipFill>
-          <a:blip r:embed="rId4"/>
-          <a:srcRect t="7473"/>
-          <a:stretch>
-            <a:fillRect/>
-          </a:stretch>
-        </p:blipFill>
-        <p:spPr bwMode="auto">
+        </p:nvSpPr>
+        <p:spPr>
           <a:xfrm>
-            <a:off x="2483768" y="4005064"/>
-            <a:ext cx="3082787" cy="2627219"/>
+            <a:off x="579858" y="1364377"/>
+            <a:ext cx="8240613" cy="4093428"/>
           </a:xfrm>
           <a:prstGeom prst="rect">
             <a:avLst/>
           </a:prstGeom>
           <a:noFill/>
-          <a:ln w="9525">
-            <a:noFill/>
-            <a:miter lim="800000"/>
-            <a:headEnd/>
-            <a:tailEnd/>
-          </a:ln>
-          <a:effectLst/>
-        </p:spPr>
-      </p:pic>
-      <p:pic>
-        <p:nvPicPr>
-          <p:cNvPr id="1028" name="Picture 4"/>
-          <p:cNvPicPr>
-            <a:picLocks noChangeAspect="1" noChangeArrowheads="1"/>
-          </p:cNvPicPr>
-          <p:nvPr/>
-        </p:nvPicPr>
-        <p:blipFill>
-          <a:blip r:embed="rId5"/>
-          <a:srcRect l="9115" t="15447"/>
-          <a:stretch>
-            <a:fillRect/>
-          </a:stretch>
-        </p:blipFill>
-        <p:spPr bwMode="auto">
-          <a:xfrm>
-            <a:off x="5626635" y="1788027"/>
-            <a:ext cx="2900145" cy="1934952"/>
-          </a:xfrm>
-          <a:prstGeom prst="rect">
-            <a:avLst/>
-          </a:prstGeom>
-          <a:noFill/>
-          <a:ln w="9525">
-            <a:noFill/>
-            <a:miter lim="800000"/>
-            <a:headEnd/>
-            <a:tailEnd/>
-          </a:ln>
-          <a:effectLst/>
-        </p:spPr>
-      </p:pic>
-      <p:pic>
-        <p:nvPicPr>
-          <p:cNvPr id="1029" name="Picture 5"/>
-          <p:cNvPicPr>
-            <a:picLocks noChangeAspect="1" noChangeArrowheads="1"/>
-          </p:cNvPicPr>
-          <p:nvPr/>
-        </p:nvPicPr>
-        <p:blipFill>
-          <a:blip r:embed="rId6"/>
-          <a:srcRect/>
-          <a:stretch>
-            <a:fillRect/>
-          </a:stretch>
-        </p:blipFill>
-        <p:spPr bwMode="auto">
-          <a:xfrm>
-            <a:off x="2483768" y="1604643"/>
-            <a:ext cx="2700998" cy="2301720"/>
-          </a:xfrm>
-          <a:prstGeom prst="rect">
-            <a:avLst/>
-          </a:prstGeom>
-          <a:noFill/>
-          <a:ln w="9525">
-            <a:noFill/>
-            <a:miter lim="800000"/>
-            <a:headEnd/>
-            <a:tailEnd/>
-          </a:ln>
-          <a:effectLst/>
-        </p:spPr>
-      </p:pic>
+        </p:spPr>
+        <p:txBody>
+          <a:bodyPr wrap="square" rtlCol="0">
+            <a:spAutoFit/>
+          </a:bodyPr>
+          <a:lstStyle/>
+          <a:p>
+            <a:r>
+              <a:rPr lang="en-US" altLang="zh-CN" dirty="0" smtClean="0">
+                <a:latin typeface="+mn-ea"/>
+                <a:ea typeface="+mn-ea"/>
+              </a:rPr>
+              <a:t>1</a:t>
+            </a:r>
+            <a:r>
+              <a:rPr lang="zh-CN" altLang="en-US" sz="2000" b="1" dirty="0">
+                <a:solidFill>
+                  <a:schemeClr val="tx2"/>
+                </a:solidFill>
+                <a:latin typeface="+mn-ea"/>
+                <a:ea typeface="+mn-ea"/>
+                <a:cs typeface="+mj-cs"/>
+              </a:rPr>
+              <a:t>、输入正常字母或数字。例如输入“工作表</a:t>
+            </a:r>
+            <a:r>
+              <a:rPr lang="en-US" altLang="zh-CN" sz="2000" b="1" dirty="0">
+                <a:solidFill>
+                  <a:schemeClr val="tx2"/>
+                </a:solidFill>
+                <a:latin typeface="+mn-ea"/>
+                <a:ea typeface="+mn-ea"/>
+                <a:cs typeface="+mj-cs"/>
+              </a:rPr>
+              <a:t>4</a:t>
+            </a:r>
+            <a:r>
+              <a:rPr lang="zh-CN" altLang="en-US" sz="2000" b="1" dirty="0">
+                <a:solidFill>
+                  <a:schemeClr val="tx2"/>
+                </a:solidFill>
+                <a:latin typeface="+mn-ea"/>
+                <a:ea typeface="+mn-ea"/>
+                <a:cs typeface="+mj-cs"/>
+              </a:rPr>
+              <a:t>”，按确定，成功创建一个名称为“工作表</a:t>
+            </a:r>
+            <a:r>
+              <a:rPr lang="en-US" altLang="zh-CN" sz="2000" b="1" dirty="0">
+                <a:solidFill>
+                  <a:schemeClr val="tx2"/>
+                </a:solidFill>
+                <a:latin typeface="+mn-ea"/>
+                <a:ea typeface="+mn-ea"/>
+                <a:cs typeface="+mj-cs"/>
+              </a:rPr>
+              <a:t>4</a:t>
+            </a:r>
+            <a:r>
+              <a:rPr lang="zh-CN" altLang="en-US" sz="2000" b="1" dirty="0">
+                <a:solidFill>
+                  <a:schemeClr val="tx2"/>
+                </a:solidFill>
+                <a:latin typeface="+mn-ea"/>
+                <a:ea typeface="+mn-ea"/>
+                <a:cs typeface="+mj-cs"/>
+              </a:rPr>
+              <a:t>”的工作表</a:t>
+            </a:r>
+            <a:endParaRPr lang="en-US" altLang="zh-CN" sz="2000" b="1" dirty="0">
+              <a:solidFill>
+                <a:schemeClr val="tx2"/>
+              </a:solidFill>
+              <a:latin typeface="+mn-ea"/>
+              <a:ea typeface="+mn-ea"/>
+              <a:cs typeface="+mj-cs"/>
+            </a:endParaRPr>
+          </a:p>
+          <a:p>
+            <a:r>
+              <a:rPr lang="en-US" altLang="zh-CN" sz="2000" b="1" dirty="0">
+                <a:solidFill>
+                  <a:schemeClr val="tx2"/>
+                </a:solidFill>
+                <a:latin typeface="+mn-ea"/>
+                <a:ea typeface="+mn-ea"/>
+                <a:cs typeface="+mj-cs"/>
+              </a:rPr>
+              <a:t>2</a:t>
+            </a:r>
+            <a:r>
+              <a:rPr lang="zh-CN" altLang="en-US" sz="2000" b="1" dirty="0">
+                <a:solidFill>
+                  <a:schemeClr val="tx2"/>
+                </a:solidFill>
+                <a:latin typeface="+mn-ea"/>
+                <a:ea typeface="+mn-ea"/>
+                <a:cs typeface="+mj-cs"/>
+              </a:rPr>
+              <a:t>、输入已存在的工作表名称，给出正确的提示“所要命名的工作表与已有的工作表重名”</a:t>
+            </a:r>
+            <a:endParaRPr lang="en-US" altLang="zh-CN" sz="2000" b="1" dirty="0">
+              <a:solidFill>
+                <a:schemeClr val="tx2"/>
+              </a:solidFill>
+              <a:latin typeface="+mn-ea"/>
+              <a:ea typeface="+mn-ea"/>
+              <a:cs typeface="+mj-cs"/>
+            </a:endParaRPr>
+          </a:p>
+          <a:p>
+            <a:r>
+              <a:rPr lang="en-US" altLang="zh-CN" sz="2000" b="1" dirty="0">
+                <a:solidFill>
+                  <a:schemeClr val="tx2"/>
+                </a:solidFill>
+                <a:latin typeface="+mn-ea"/>
+                <a:ea typeface="+mn-ea"/>
+                <a:cs typeface="+mj-cs"/>
+              </a:rPr>
+              <a:t>3</a:t>
+            </a:r>
+            <a:r>
+              <a:rPr lang="zh-CN" altLang="en-US" sz="2000" b="1" dirty="0">
+                <a:solidFill>
+                  <a:schemeClr val="tx2"/>
+                </a:solidFill>
+                <a:latin typeface="+mn-ea"/>
+                <a:ea typeface="+mn-ea"/>
+                <a:cs typeface="+mj-cs"/>
+              </a:rPr>
+              <a:t>、输入超长字符，例如，名称允许输入</a:t>
+            </a:r>
+            <a:r>
+              <a:rPr lang="en-US" altLang="zh-CN" sz="2000" b="1" dirty="0">
+                <a:solidFill>
+                  <a:schemeClr val="tx2"/>
+                </a:solidFill>
+                <a:latin typeface="+mn-ea"/>
+                <a:ea typeface="+mn-ea"/>
+                <a:cs typeface="+mj-cs"/>
+              </a:rPr>
+              <a:t>16</a:t>
+            </a:r>
+            <a:r>
+              <a:rPr lang="zh-CN" altLang="en-US" sz="2000" b="1" dirty="0">
+                <a:solidFill>
+                  <a:schemeClr val="tx2"/>
+                </a:solidFill>
+                <a:latin typeface="+mn-ea"/>
+                <a:ea typeface="+mn-ea"/>
+                <a:cs typeface="+mj-cs"/>
+              </a:rPr>
+              <a:t>个字符，尝试输入</a:t>
+            </a:r>
+            <a:r>
+              <a:rPr lang="en-US" altLang="zh-CN" sz="2000" b="1" dirty="0">
+                <a:solidFill>
+                  <a:schemeClr val="tx2"/>
+                </a:solidFill>
+                <a:latin typeface="+mn-ea"/>
+                <a:ea typeface="+mn-ea"/>
+                <a:cs typeface="+mj-cs"/>
+              </a:rPr>
+              <a:t>17</a:t>
+            </a:r>
+            <a:r>
+              <a:rPr lang="zh-CN" altLang="en-US" sz="2000" b="1" dirty="0">
+                <a:solidFill>
+                  <a:schemeClr val="tx2"/>
+                </a:solidFill>
+                <a:latin typeface="+mn-ea"/>
+                <a:ea typeface="+mn-ea"/>
+                <a:cs typeface="+mj-cs"/>
+              </a:rPr>
+              <a:t>个字符，坚持诚信能否正确处理</a:t>
+            </a:r>
+            <a:endParaRPr lang="en-US" altLang="zh-CN" sz="2000" b="1" dirty="0">
+              <a:solidFill>
+                <a:schemeClr val="tx2"/>
+              </a:solidFill>
+              <a:latin typeface="+mn-ea"/>
+              <a:ea typeface="+mn-ea"/>
+              <a:cs typeface="+mj-cs"/>
+            </a:endParaRPr>
+          </a:p>
+          <a:p>
+            <a:r>
+              <a:rPr lang="en-US" altLang="zh-CN" sz="2000" b="1" dirty="0">
+                <a:solidFill>
+                  <a:schemeClr val="tx2"/>
+                </a:solidFill>
+                <a:latin typeface="+mn-ea"/>
+                <a:ea typeface="+mn-ea"/>
+                <a:cs typeface="+mj-cs"/>
+              </a:rPr>
+              <a:t>4</a:t>
+            </a:r>
+            <a:r>
+              <a:rPr lang="zh-CN" altLang="en-US" sz="2000" b="1" dirty="0">
+                <a:solidFill>
+                  <a:schemeClr val="tx2"/>
+                </a:solidFill>
+                <a:latin typeface="+mn-ea"/>
+                <a:ea typeface="+mn-ea"/>
+                <a:cs typeface="+mj-cs"/>
+              </a:rPr>
+              <a:t>、输入默认值，空白，空格</a:t>
+            </a:r>
+            <a:endParaRPr lang="en-US" altLang="zh-CN" sz="2000" b="1" dirty="0">
+              <a:solidFill>
+                <a:schemeClr val="tx2"/>
+              </a:solidFill>
+              <a:latin typeface="+mn-ea"/>
+              <a:ea typeface="+mn-ea"/>
+              <a:cs typeface="+mj-cs"/>
+            </a:endParaRPr>
+          </a:p>
+          <a:p>
+            <a:r>
+              <a:rPr lang="en-US" altLang="zh-CN" sz="2000" b="1" dirty="0">
+                <a:solidFill>
+                  <a:schemeClr val="tx2"/>
+                </a:solidFill>
+                <a:latin typeface="+mn-ea"/>
+                <a:ea typeface="+mn-ea"/>
+                <a:cs typeface="+mj-cs"/>
+              </a:rPr>
+              <a:t>5</a:t>
+            </a:r>
+            <a:r>
+              <a:rPr lang="zh-CN" altLang="en-US" sz="2000" b="1" dirty="0">
+                <a:solidFill>
+                  <a:schemeClr val="tx2"/>
+                </a:solidFill>
+                <a:latin typeface="+mn-ea"/>
+                <a:ea typeface="+mn-ea"/>
+                <a:cs typeface="+mj-cs"/>
+              </a:rPr>
+              <a:t>、若只允许输入字母，尝试输入数字</a:t>
+            </a:r>
+            <a:endParaRPr lang="en-US" altLang="zh-CN" sz="2000" b="1" dirty="0">
+              <a:solidFill>
+                <a:schemeClr val="tx2"/>
+              </a:solidFill>
+              <a:latin typeface="+mn-ea"/>
+              <a:ea typeface="+mn-ea"/>
+              <a:cs typeface="+mj-cs"/>
+            </a:endParaRPr>
+          </a:p>
+          <a:p>
+            <a:r>
+              <a:rPr lang="en-US" altLang="zh-CN" sz="2000" b="1" dirty="0">
+                <a:solidFill>
+                  <a:schemeClr val="tx2"/>
+                </a:solidFill>
+                <a:latin typeface="+mn-ea"/>
+                <a:ea typeface="+mn-ea"/>
+                <a:cs typeface="+mj-cs"/>
+              </a:rPr>
+              <a:t>6</a:t>
+            </a:r>
+            <a:r>
+              <a:rPr lang="zh-CN" altLang="en-US" sz="2000" b="1" dirty="0">
+                <a:solidFill>
+                  <a:schemeClr val="tx2"/>
+                </a:solidFill>
+                <a:latin typeface="+mn-ea"/>
+                <a:ea typeface="+mn-ea"/>
+                <a:cs typeface="+mj-cs"/>
+              </a:rPr>
+              <a:t>、采用复制粘贴等操作强制输入程序不允许输入的数据</a:t>
+            </a:r>
+            <a:endParaRPr lang="en-US" altLang="zh-CN" sz="2000" b="1" dirty="0">
+              <a:solidFill>
+                <a:schemeClr val="tx2"/>
+              </a:solidFill>
+              <a:latin typeface="+mn-ea"/>
+              <a:ea typeface="+mn-ea"/>
+              <a:cs typeface="+mj-cs"/>
+            </a:endParaRPr>
+          </a:p>
+          <a:p>
+            <a:r>
+              <a:rPr lang="en-US" altLang="zh-CN" sz="2000" b="1" dirty="0">
+                <a:solidFill>
+                  <a:schemeClr val="tx2"/>
+                </a:solidFill>
+                <a:latin typeface="+mn-ea"/>
+                <a:ea typeface="+mn-ea"/>
+                <a:cs typeface="+mj-cs"/>
+              </a:rPr>
+              <a:t>7</a:t>
+            </a:r>
+            <a:r>
+              <a:rPr lang="zh-CN" altLang="en-US" sz="2000" b="1" dirty="0">
+                <a:solidFill>
+                  <a:schemeClr val="tx2"/>
+                </a:solidFill>
+                <a:latin typeface="+mn-ea"/>
+                <a:ea typeface="+mn-ea"/>
+                <a:cs typeface="+mj-cs"/>
+              </a:rPr>
+              <a:t>、输入特殊字符集。例如</a:t>
+            </a:r>
+            <a:r>
+              <a:rPr lang="en-US" altLang="zh-CN" sz="2000" b="1" dirty="0">
+                <a:solidFill>
+                  <a:schemeClr val="tx2"/>
+                </a:solidFill>
+                <a:latin typeface="+mn-ea"/>
+                <a:ea typeface="+mn-ea"/>
+                <a:cs typeface="+mj-cs"/>
+              </a:rPr>
+              <a:t>,</a:t>
+            </a:r>
+            <a:r>
+              <a:rPr lang="en-US" altLang="zh-CN" sz="2000" b="1" dirty="0" err="1">
+                <a:solidFill>
+                  <a:schemeClr val="tx2"/>
+                </a:solidFill>
+                <a:latin typeface="+mn-ea"/>
+                <a:ea typeface="+mn-ea"/>
+                <a:cs typeface="+mj-cs"/>
+              </a:rPr>
+              <a:t>NuLL</a:t>
+            </a:r>
+            <a:r>
+              <a:rPr lang="en-US" altLang="zh-CN" sz="2000" b="1" dirty="0">
+                <a:solidFill>
+                  <a:schemeClr val="tx2"/>
+                </a:solidFill>
+                <a:latin typeface="+mn-ea"/>
+                <a:ea typeface="+mn-ea"/>
+                <a:cs typeface="+mj-cs"/>
+              </a:rPr>
+              <a:t>,\n</a:t>
+            </a:r>
+            <a:r>
+              <a:rPr lang="zh-CN" altLang="en-US" sz="2000" b="1" dirty="0">
+                <a:solidFill>
+                  <a:schemeClr val="tx2"/>
+                </a:solidFill>
+                <a:latin typeface="+mn-ea"/>
+                <a:ea typeface="+mn-ea"/>
+                <a:cs typeface="+mj-cs"/>
+              </a:rPr>
+              <a:t>等编程语言中的保留字符</a:t>
+            </a:r>
+            <a:endParaRPr lang="en-US" altLang="zh-CN" sz="2000" b="1" dirty="0">
+              <a:solidFill>
+                <a:schemeClr val="tx2"/>
+              </a:solidFill>
+              <a:latin typeface="+mn-ea"/>
+              <a:ea typeface="+mn-ea"/>
+              <a:cs typeface="+mj-cs"/>
+            </a:endParaRPr>
+          </a:p>
+          <a:p>
+            <a:r>
+              <a:rPr lang="en-US" altLang="zh-CN" sz="2000" b="1" dirty="0">
+                <a:solidFill>
+                  <a:schemeClr val="tx2"/>
+                </a:solidFill>
+                <a:latin typeface="+mn-ea"/>
+                <a:ea typeface="+mn-ea"/>
+                <a:cs typeface="+mj-cs"/>
+              </a:rPr>
+              <a:t>8</a:t>
+            </a:r>
+            <a:r>
+              <a:rPr lang="zh-CN" altLang="en-US" sz="2000" b="1" dirty="0">
+                <a:solidFill>
+                  <a:schemeClr val="tx2"/>
+                </a:solidFill>
+                <a:latin typeface="+mn-ea"/>
+                <a:ea typeface="+mn-ea"/>
+                <a:cs typeface="+mj-cs"/>
+              </a:rPr>
+              <a:t>、输入超过文本框长度的字符或输入多行文本，检查输入内容是否可以正常显示</a:t>
+            </a:r>
+            <a:endParaRPr lang="en-US" altLang="zh-CN" sz="2000" b="1" dirty="0">
+              <a:solidFill>
+                <a:schemeClr val="tx2"/>
+              </a:solidFill>
+              <a:latin typeface="+mn-ea"/>
+              <a:ea typeface="+mn-ea"/>
+              <a:cs typeface="+mj-cs"/>
+            </a:endParaRPr>
+          </a:p>
+          <a:p>
+            <a:r>
+              <a:rPr lang="en-US" altLang="zh-CN" sz="2000" b="1" dirty="0">
+                <a:solidFill>
+                  <a:schemeClr val="tx2"/>
+                </a:solidFill>
+                <a:latin typeface="+mn-ea"/>
+                <a:ea typeface="+mn-ea"/>
+                <a:cs typeface="+mj-cs"/>
+              </a:rPr>
+              <a:t>9</a:t>
+            </a:r>
+            <a:r>
+              <a:rPr lang="zh-CN" altLang="en-US" sz="2000" b="1" dirty="0">
+                <a:solidFill>
+                  <a:schemeClr val="tx2"/>
+                </a:solidFill>
+                <a:latin typeface="+mn-ea"/>
+                <a:ea typeface="+mn-ea"/>
+                <a:cs typeface="+mj-cs"/>
+              </a:rPr>
+              <a:t>、输入不符合格式的数据，检查程序是否正确效验</a:t>
+            </a:r>
+            <a:endParaRPr lang="zh-CN" altLang="en-US" sz="2000" b="1" dirty="0">
+              <a:solidFill>
+                <a:schemeClr val="tx2"/>
+              </a:solidFill>
+              <a:latin typeface="+mn-ea"/>
+              <a:ea typeface="+mn-ea"/>
+              <a:cs typeface="+mj-cs"/>
+            </a:endParaRPr>
+          </a:p>
+        </p:txBody>
+      </p:sp>
     </p:spTree>
     <p:extLst>
       <p:ext uri="{BB962C8B-B14F-4D97-AF65-F5344CB8AC3E}">
-        <p14:creationId xmlns:p14="http://schemas.microsoft.com/office/powerpoint/2010/main" val="3192376651"/>
+        <p14:creationId xmlns:p14="http://schemas.microsoft.com/office/powerpoint/2010/main" val="2669382488"/>
       </p:ext>
     </p:extLst>
   </p:cSld>
@@ -6245,7 +9283,7 @@
     <a:masterClrMapping/>
   </p:clrMapOvr>
   <p:transition>
-    <p:randomBar dir="vert"/>
+    <p:blinds dir="vert"/>
   </p:transition>
   <p:timing>
     <p:tnLst>
@@ -6258,6 +9296,1400 @@
 </file>
 
 <file path=ppt/slides/slide6.xml><?xml version="1.0" encoding="utf-8"?>
+<p:sld xmlns:a="http://schemas.openxmlformats.org/drawingml/2006/main" xmlns:r="http://schemas.openxmlformats.org/officeDocument/2006/relationships" xmlns:p="http://schemas.openxmlformats.org/presentationml/2006/main" showMasterPhAnim="0">
+  <p:cSld>
+    <p:spTree>
+      <p:nvGrpSpPr>
+        <p:cNvPr id="1" name=""/>
+        <p:cNvGrpSpPr/>
+        <p:nvPr/>
+      </p:nvGrpSpPr>
+      <p:grpSpPr>
+        <a:xfrm>
+          <a:off x="0" y="0"/>
+          <a:ext cx="0" cy="0"/>
+          <a:chOff x="0" y="0"/>
+          <a:chExt cx="0" cy="0"/>
+        </a:xfrm>
+      </p:grpSpPr>
+      <p:sp>
+        <p:nvSpPr>
+          <p:cNvPr id="563203" name="Rectangle 3"/>
+          <p:cNvSpPr>
+            <a:spLocks noGrp="1" noChangeArrowheads="1"/>
+          </p:cNvSpPr>
+          <p:nvPr>
+            <p:ph idx="1"/>
+          </p:nvPr>
+        </p:nvSpPr>
+        <p:spPr>
+          <a:xfrm>
+            <a:off x="738188" y="1196752"/>
+            <a:ext cx="7666037" cy="4641850"/>
+          </a:xfrm>
+        </p:spPr>
+        <p:txBody>
+          <a:bodyPr/>
+          <a:lstStyle/>
+          <a:p>
+            <a:pPr eaLnBrk="0" hangingPunct="0">
+              <a:lnSpc>
+                <a:spcPct val="150000"/>
+              </a:lnSpc>
+            </a:pPr>
+            <a:r>
+              <a:rPr lang="zh-CN" altLang="en-US" sz="2400" b="1" dirty="0"/>
+              <a:t>按钮测试</a:t>
+            </a:r>
+          </a:p>
+          <a:p>
+            <a:pPr lvl="1" eaLnBrk="0" hangingPunct="0">
+              <a:lnSpc>
+                <a:spcPct val="150000"/>
+              </a:lnSpc>
+              <a:spcAft>
+                <a:spcPts val="0"/>
+              </a:spcAft>
+            </a:pPr>
+            <a:r>
+              <a:rPr lang="zh-CN" altLang="en-US" sz="2000" b="1" dirty="0">
+                <a:solidFill>
+                  <a:schemeClr val="tx1"/>
+                </a:solidFill>
+              </a:rPr>
+              <a:t>按钮功能是否实现（关联）</a:t>
+            </a:r>
+          </a:p>
+          <a:p>
+            <a:pPr lvl="1" eaLnBrk="0" hangingPunct="0">
+              <a:lnSpc>
+                <a:spcPct val="150000"/>
+              </a:lnSpc>
+              <a:spcAft>
+                <a:spcPts val="0"/>
+              </a:spcAft>
+            </a:pPr>
+            <a:r>
+              <a:rPr lang="zh-CN" altLang="en-US" sz="2000" b="1" dirty="0">
+                <a:solidFill>
+                  <a:schemeClr val="tx1"/>
+                </a:solidFill>
+              </a:rPr>
+              <a:t>提示信息是否正确（正确、友好、无法恢复时）</a:t>
+            </a:r>
+          </a:p>
+          <a:p>
+            <a:pPr lvl="1" eaLnBrk="0" hangingPunct="0">
+              <a:lnSpc>
+                <a:spcPct val="150000"/>
+              </a:lnSpc>
+              <a:spcAft>
+                <a:spcPts val="0"/>
+              </a:spcAft>
+            </a:pPr>
+            <a:r>
+              <a:rPr lang="zh-CN" altLang="en-US" sz="2000" b="1" dirty="0">
+                <a:solidFill>
+                  <a:schemeClr val="tx1"/>
+                </a:solidFill>
+              </a:rPr>
+              <a:t>对于</a:t>
+            </a:r>
+            <a:r>
+              <a:rPr lang="zh-CN" altLang="en-US" sz="2000" b="1" dirty="0">
+                <a:solidFill>
+                  <a:srgbClr val="FF0000"/>
+                </a:solidFill>
+              </a:rPr>
+              <a:t>不符合业务</a:t>
+            </a:r>
+            <a:r>
+              <a:rPr lang="zh-CN" altLang="en-US" sz="2000" b="1" dirty="0">
+                <a:solidFill>
+                  <a:schemeClr val="tx1"/>
+                </a:solidFill>
+              </a:rPr>
+              <a:t>背景的输入数据是否有相应的处理</a:t>
+            </a:r>
+          </a:p>
+        </p:txBody>
+      </p:sp>
+      <p:sp>
+        <p:nvSpPr>
+          <p:cNvPr id="8" name="Text Box 1"/>
+          <p:cNvSpPr txBox="1">
+            <a:spLocks noChangeArrowheads="1"/>
+          </p:cNvSpPr>
+          <p:nvPr/>
+        </p:nvSpPr>
+        <p:spPr bwMode="auto">
+          <a:xfrm>
+            <a:off x="600075" y="311311"/>
+            <a:ext cx="2140627" cy="679290"/>
+          </a:xfrm>
+          <a:prstGeom prst="rect">
+            <a:avLst/>
+          </a:prstGeom>
+          <a:noFill/>
+          <a:ln w="9525">
+            <a:noFill/>
+            <a:miter lim="800000"/>
+            <a:headEnd/>
+            <a:tailEnd/>
+          </a:ln>
+        </p:spPr>
+        <p:txBody>
+          <a:bodyPr wrap="none" lIns="90000" tIns="46800" rIns="90000" bIns="46800">
+            <a:spAutoFit/>
+          </a:bodyPr>
+          <a:lstStyle/>
+          <a:p>
+            <a:pPr marL="166688" indent="-163513">
+              <a:spcAft>
+                <a:spcPts val="600"/>
+              </a:spcAft>
+              <a:tabLst>
+                <a:tab pos="166688" algn="l"/>
+                <a:tab pos="614363" algn="l"/>
+                <a:tab pos="1063625" algn="l"/>
+                <a:tab pos="1512888" algn="l"/>
+                <a:tab pos="1962150" algn="l"/>
+                <a:tab pos="2411413" algn="l"/>
+                <a:tab pos="2860675" algn="l"/>
+                <a:tab pos="3309938" algn="l"/>
+                <a:tab pos="3759200" algn="l"/>
+                <a:tab pos="4208463" algn="l"/>
+                <a:tab pos="4657725" algn="l"/>
+                <a:tab pos="5106988" algn="l"/>
+                <a:tab pos="5556250" algn="l"/>
+                <a:tab pos="6005513" algn="l"/>
+                <a:tab pos="6454775" algn="l"/>
+                <a:tab pos="6904038" algn="l"/>
+                <a:tab pos="7353300" algn="l"/>
+                <a:tab pos="7802563" algn="l"/>
+                <a:tab pos="8251825" algn="l"/>
+                <a:tab pos="8701088" algn="l"/>
+                <a:tab pos="9150350" algn="l"/>
+              </a:tabLst>
+            </a:pPr>
+            <a:r>
+              <a:rPr lang="zh-CN" altLang="en-US" sz="3800" b="1" dirty="0">
+                <a:solidFill>
+                  <a:schemeClr val="tx2"/>
+                </a:solidFill>
+                <a:latin typeface="黑体" pitchFamily="49" charset="-122"/>
+                <a:ea typeface="黑体" pitchFamily="49" charset="-122"/>
+                <a:cs typeface="+mj-cs"/>
+              </a:rPr>
+              <a:t>按钮</a:t>
+            </a:r>
+            <a:r>
+              <a:rPr lang="zh-CN" altLang="en-US" sz="3800" b="1" dirty="0">
+                <a:solidFill>
+                  <a:schemeClr val="tx2"/>
+                </a:solidFill>
+                <a:latin typeface="黑体" pitchFamily="49" charset="-122"/>
+                <a:ea typeface="黑体" pitchFamily="49" charset="-122"/>
+                <a:cs typeface="+mj-cs"/>
+              </a:rPr>
+              <a:t>测试</a:t>
+            </a:r>
+            <a:endParaRPr lang="zh-CN" sz="3800" b="1" dirty="0">
+              <a:solidFill>
+                <a:schemeClr val="tx2"/>
+              </a:solidFill>
+              <a:latin typeface="黑体" pitchFamily="49" charset="-122"/>
+              <a:ea typeface="黑体" pitchFamily="49" charset="-122"/>
+              <a:cs typeface="+mj-cs"/>
+            </a:endParaRPr>
+          </a:p>
+        </p:txBody>
+      </p:sp>
+    </p:spTree>
+    <p:extLst>
+      <p:ext uri="{BB962C8B-B14F-4D97-AF65-F5344CB8AC3E}">
+        <p14:creationId xmlns:p14="http://schemas.microsoft.com/office/powerpoint/2010/main" val="922281481"/>
+      </p:ext>
+    </p:extLst>
+  </p:cSld>
+  <p:clrMapOvr>
+    <a:masterClrMapping/>
+  </p:clrMapOvr>
+  <p:transition>
+    <p:blinds dir="vert"/>
+  </p:transition>
+  <p:timing>
+    <p:tnLst>
+      <p:par>
+        <p:cTn id="1" dur="indefinite" restart="never" nodeType="tmRoot">
+          <p:childTnLst>
+            <p:seq concurrent="1" nextAc="seek">
+              <p:cTn id="2" dur="indefinite" nodeType="mainSeq">
+                <p:childTnLst>
+                  <p:par>
+                    <p:cTn id="3" fill="hold">
+                      <p:stCondLst>
+                        <p:cond delay="indefinite"/>
+                        <p:cond evt="onBegin" delay="0">
+                          <p:tn val="2"/>
+                        </p:cond>
+                      </p:stCondLst>
+                      <p:childTnLst>
+                        <p:par>
+                          <p:cTn id="4" fill="hold">
+                            <p:stCondLst>
+                              <p:cond delay="0"/>
+                            </p:stCondLst>
+                            <p:childTnLst>
+                              <p:par>
+                                <p:cTn id="5" presetID="22" presetClass="entr" presetSubtype="1" fill="hold" grpId="0" nodeType="afterEffect">
+                                  <p:stCondLst>
+                                    <p:cond delay="0"/>
+                                  </p:stCondLst>
+                                  <p:childTnLst>
+                                    <p:set>
+                                      <p:cBhvr>
+                                        <p:cTn id="6" dur="1" fill="hold">
+                                          <p:stCondLst>
+                                            <p:cond delay="0"/>
+                                          </p:stCondLst>
+                                        </p:cTn>
+                                        <p:tgtEl>
+                                          <p:spTgt spid="563203">
+                                            <p:txEl>
+                                              <p:pRg st="0" end="0"/>
+                                            </p:txEl>
+                                          </p:spTgt>
+                                        </p:tgtEl>
+                                        <p:attrNameLst>
+                                          <p:attrName>style.visibility</p:attrName>
+                                        </p:attrNameLst>
+                                      </p:cBhvr>
+                                      <p:to>
+                                        <p:strVal val="visible"/>
+                                      </p:to>
+                                    </p:set>
+                                    <p:animEffect transition="in" filter="wipe(up)">
+                                      <p:cBhvr>
+                                        <p:cTn id="7" dur="500"/>
+                                        <p:tgtEl>
+                                          <p:spTgt spid="563203">
+                                            <p:txEl>
+                                              <p:pRg st="0" end="0"/>
+                                            </p:txEl>
+                                          </p:spTgt>
+                                        </p:tgtEl>
+                                      </p:cBhvr>
+                                    </p:animEffect>
+                                  </p:childTnLst>
+                                </p:cTn>
+                              </p:par>
+                              <p:par>
+                                <p:cTn id="8" presetID="22" presetClass="entr" presetSubtype="1" fill="hold" grpId="0" nodeType="withEffect">
+                                  <p:stCondLst>
+                                    <p:cond delay="0"/>
+                                  </p:stCondLst>
+                                  <p:childTnLst>
+                                    <p:set>
+                                      <p:cBhvr>
+                                        <p:cTn id="9" dur="1" fill="hold">
+                                          <p:stCondLst>
+                                            <p:cond delay="0"/>
+                                          </p:stCondLst>
+                                        </p:cTn>
+                                        <p:tgtEl>
+                                          <p:spTgt spid="563203">
+                                            <p:txEl>
+                                              <p:pRg st="1" end="1"/>
+                                            </p:txEl>
+                                          </p:spTgt>
+                                        </p:tgtEl>
+                                        <p:attrNameLst>
+                                          <p:attrName>style.visibility</p:attrName>
+                                        </p:attrNameLst>
+                                      </p:cBhvr>
+                                      <p:to>
+                                        <p:strVal val="visible"/>
+                                      </p:to>
+                                    </p:set>
+                                    <p:animEffect transition="in" filter="wipe(up)">
+                                      <p:cBhvr>
+                                        <p:cTn id="10" dur="500"/>
+                                        <p:tgtEl>
+                                          <p:spTgt spid="563203">
+                                            <p:txEl>
+                                              <p:pRg st="1" end="1"/>
+                                            </p:txEl>
+                                          </p:spTgt>
+                                        </p:tgtEl>
+                                      </p:cBhvr>
+                                    </p:animEffect>
+                                  </p:childTnLst>
+                                </p:cTn>
+                              </p:par>
+                              <p:par>
+                                <p:cTn id="11" presetID="22" presetClass="entr" presetSubtype="1" fill="hold" grpId="0" nodeType="withEffect">
+                                  <p:stCondLst>
+                                    <p:cond delay="0"/>
+                                  </p:stCondLst>
+                                  <p:childTnLst>
+                                    <p:set>
+                                      <p:cBhvr>
+                                        <p:cTn id="12" dur="1" fill="hold">
+                                          <p:stCondLst>
+                                            <p:cond delay="0"/>
+                                          </p:stCondLst>
+                                        </p:cTn>
+                                        <p:tgtEl>
+                                          <p:spTgt spid="563203">
+                                            <p:txEl>
+                                              <p:pRg st="2" end="2"/>
+                                            </p:txEl>
+                                          </p:spTgt>
+                                        </p:tgtEl>
+                                        <p:attrNameLst>
+                                          <p:attrName>style.visibility</p:attrName>
+                                        </p:attrNameLst>
+                                      </p:cBhvr>
+                                      <p:to>
+                                        <p:strVal val="visible"/>
+                                      </p:to>
+                                    </p:set>
+                                    <p:animEffect transition="in" filter="wipe(up)">
+                                      <p:cBhvr>
+                                        <p:cTn id="13" dur="500"/>
+                                        <p:tgtEl>
+                                          <p:spTgt spid="563203">
+                                            <p:txEl>
+                                              <p:pRg st="2" end="2"/>
+                                            </p:txEl>
+                                          </p:spTgt>
+                                        </p:tgtEl>
+                                      </p:cBhvr>
+                                    </p:animEffect>
+                                  </p:childTnLst>
+                                </p:cTn>
+                              </p:par>
+                              <p:par>
+                                <p:cTn id="14" presetID="22" presetClass="entr" presetSubtype="1" fill="hold" grpId="0" nodeType="withEffect">
+                                  <p:stCondLst>
+                                    <p:cond delay="0"/>
+                                  </p:stCondLst>
+                                  <p:childTnLst>
+                                    <p:set>
+                                      <p:cBhvr>
+                                        <p:cTn id="15" dur="1" fill="hold">
+                                          <p:stCondLst>
+                                            <p:cond delay="0"/>
+                                          </p:stCondLst>
+                                        </p:cTn>
+                                        <p:tgtEl>
+                                          <p:spTgt spid="563203">
+                                            <p:txEl>
+                                              <p:pRg st="3" end="3"/>
+                                            </p:txEl>
+                                          </p:spTgt>
+                                        </p:tgtEl>
+                                        <p:attrNameLst>
+                                          <p:attrName>style.visibility</p:attrName>
+                                        </p:attrNameLst>
+                                      </p:cBhvr>
+                                      <p:to>
+                                        <p:strVal val="visible"/>
+                                      </p:to>
+                                    </p:set>
+                                    <p:animEffect transition="in" filter="wipe(up)">
+                                      <p:cBhvr>
+                                        <p:cTn id="16" dur="500"/>
+                                        <p:tgtEl>
+                                          <p:spTgt spid="563203">
+                                            <p:txEl>
+                                              <p:pRg st="3" end="3"/>
+                                            </p:txEl>
+                                          </p:spTgt>
+                                        </p:tgtEl>
+                                      </p:cBhvr>
+                                    </p:animEffect>
+                                  </p:childTnLst>
+                                </p:cTn>
+                              </p:par>
+                            </p:childTnLst>
+                          </p:cTn>
+                        </p:par>
+                      </p:childTnLst>
+                    </p:cTn>
+                  </p:par>
+                </p:childTnLst>
+              </p:cTn>
+              <p:prevCondLst>
+                <p:cond evt="onPrev" delay="0">
+                  <p:tgtEl>
+                    <p:sldTgt/>
+                  </p:tgtEl>
+                </p:cond>
+              </p:prevCondLst>
+              <p:nextCondLst>
+                <p:cond evt="onNext" delay="0">
+                  <p:tgtEl>
+                    <p:sldTgt/>
+                  </p:tgtEl>
+                </p:cond>
+              </p:nextCondLst>
+            </p:seq>
+          </p:childTnLst>
+        </p:cTn>
+      </p:par>
+    </p:tnLst>
+    <p:bldLst>
+      <p:bldP spid="563203" grpId="0" build="p" autoUpdateAnimBg="0"/>
+    </p:bldLst>
+  </p:timing>
+</p:sld>
+</file>
+
+<file path=ppt/slides/slide7.xml><?xml version="1.0" encoding="utf-8"?>
+<p:sld xmlns:a="http://schemas.openxmlformats.org/drawingml/2006/main" xmlns:r="http://schemas.openxmlformats.org/officeDocument/2006/relationships" xmlns:p="http://schemas.openxmlformats.org/presentationml/2006/main" showMasterPhAnim="0">
+  <p:cSld>
+    <p:spTree>
+      <p:nvGrpSpPr>
+        <p:cNvPr id="1" name=""/>
+        <p:cNvGrpSpPr/>
+        <p:nvPr/>
+      </p:nvGrpSpPr>
+      <p:grpSpPr>
+        <a:xfrm>
+          <a:off x="0" y="0"/>
+          <a:ext cx="0" cy="0"/>
+          <a:chOff x="0" y="0"/>
+          <a:chExt cx="0" cy="0"/>
+        </a:xfrm>
+      </p:grpSpPr>
+      <p:sp>
+        <p:nvSpPr>
+          <p:cNvPr id="563203" name="Rectangle 3"/>
+          <p:cNvSpPr>
+            <a:spLocks noGrp="1" noChangeArrowheads="1"/>
+          </p:cNvSpPr>
+          <p:nvPr>
+            <p:ph idx="1"/>
+          </p:nvPr>
+        </p:nvSpPr>
+        <p:spPr>
+          <a:xfrm>
+            <a:off x="738188" y="1196752"/>
+            <a:ext cx="8405812" cy="4641850"/>
+          </a:xfrm>
+        </p:spPr>
+        <p:txBody>
+          <a:bodyPr/>
+          <a:lstStyle/>
+          <a:p>
+            <a:pPr marL="0" indent="0" eaLnBrk="0" hangingPunct="0">
+              <a:lnSpc>
+                <a:spcPct val="150000"/>
+              </a:lnSpc>
+              <a:buNone/>
+            </a:pPr>
+            <a:r>
+              <a:rPr lang="en-US" altLang="zh-CN" sz="2000" b="1" dirty="0" smtClean="0"/>
+              <a:t>1</a:t>
+            </a:r>
+            <a:r>
+              <a:rPr lang="zh-CN" altLang="en-US" sz="2000" b="1" dirty="0" smtClean="0"/>
+              <a:t>、点击按钮正确响应操作。如：点击提交按钮，正确执行报案的添加</a:t>
+            </a:r>
+            <a:r>
+              <a:rPr lang="zh-CN" altLang="en-US" sz="2000" b="1" dirty="0" smtClean="0"/>
+              <a:t>；点击重置按钮，恢复到初始状态</a:t>
+            </a:r>
+            <a:endParaRPr lang="en-US" altLang="zh-CN" sz="2000" b="1" dirty="0" smtClean="0"/>
+          </a:p>
+          <a:p>
+            <a:pPr marL="0" indent="0" eaLnBrk="0" hangingPunct="0">
+              <a:lnSpc>
+                <a:spcPct val="150000"/>
+              </a:lnSpc>
+              <a:buNone/>
+            </a:pPr>
+            <a:r>
+              <a:rPr lang="en-US" altLang="zh-CN" sz="2000" b="1" dirty="0" smtClean="0"/>
+              <a:t>2</a:t>
+            </a:r>
+            <a:r>
+              <a:rPr lang="zh-CN" altLang="en-US" sz="2000" b="1" dirty="0" smtClean="0"/>
+              <a:t>、对于非法的输入或操作给出足够的提示说明。例如手机号不正确，系统应提示“手机号码不正确”</a:t>
+            </a:r>
+            <a:endParaRPr lang="en-US" altLang="zh-CN" sz="2000" b="1" dirty="0" smtClean="0"/>
+          </a:p>
+          <a:p>
+            <a:pPr marL="0" indent="0" eaLnBrk="0" hangingPunct="0">
+              <a:lnSpc>
+                <a:spcPct val="150000"/>
+              </a:lnSpc>
+              <a:buNone/>
+            </a:pPr>
+            <a:r>
+              <a:rPr lang="en-US" altLang="zh-CN" sz="2000" b="1" dirty="0" smtClean="0"/>
+              <a:t>3</a:t>
+            </a:r>
+            <a:r>
+              <a:rPr lang="zh-CN" altLang="en-US" sz="2000" b="1" dirty="0" smtClean="0"/>
+              <a:t>、错误说明应该清楚、明了、恰当，让用户明白错误出处</a:t>
+            </a:r>
+            <a:endParaRPr lang="en-US" altLang="zh-CN" sz="2000" b="1" dirty="0" smtClean="0"/>
+          </a:p>
+          <a:p>
+            <a:pPr marL="0" indent="0" eaLnBrk="0" hangingPunct="0">
+              <a:lnSpc>
+                <a:spcPct val="150000"/>
+              </a:lnSpc>
+              <a:buNone/>
+            </a:pPr>
+            <a:r>
+              <a:rPr lang="en-US" altLang="zh-CN" sz="2000" b="1" dirty="0" smtClean="0"/>
+              <a:t>4</a:t>
+            </a:r>
+            <a:r>
+              <a:rPr lang="zh-CN" altLang="en-US" sz="2000" b="1" dirty="0" smtClean="0"/>
+              <a:t>、对可能造成数据无法恢复的操作必须提供确认信息，给用户放弃的机会。如“删除”，关闭时，文件未保存，需要提示用户“文件未保存，是否保存该文件”</a:t>
+            </a:r>
+            <a:endParaRPr lang="en-US" altLang="zh-CN" sz="2000" b="1" dirty="0" smtClean="0"/>
+          </a:p>
+          <a:p>
+            <a:pPr marL="0" indent="0" eaLnBrk="0" hangingPunct="0">
+              <a:lnSpc>
+                <a:spcPct val="150000"/>
+              </a:lnSpc>
+              <a:buNone/>
+            </a:pPr>
+            <a:endParaRPr lang="en-US" altLang="zh-CN" sz="2400" b="1" dirty="0" smtClean="0"/>
+          </a:p>
+        </p:txBody>
+      </p:sp>
+      <p:sp>
+        <p:nvSpPr>
+          <p:cNvPr id="8" name="Text Box 1"/>
+          <p:cNvSpPr txBox="1">
+            <a:spLocks noChangeArrowheads="1"/>
+          </p:cNvSpPr>
+          <p:nvPr/>
+        </p:nvSpPr>
+        <p:spPr bwMode="auto">
+          <a:xfrm>
+            <a:off x="600075" y="311311"/>
+            <a:ext cx="2140627" cy="679290"/>
+          </a:xfrm>
+          <a:prstGeom prst="rect">
+            <a:avLst/>
+          </a:prstGeom>
+          <a:noFill/>
+          <a:ln w="9525">
+            <a:noFill/>
+            <a:miter lim="800000"/>
+            <a:headEnd/>
+            <a:tailEnd/>
+          </a:ln>
+        </p:spPr>
+        <p:txBody>
+          <a:bodyPr wrap="none" lIns="90000" tIns="46800" rIns="90000" bIns="46800">
+            <a:spAutoFit/>
+          </a:bodyPr>
+          <a:lstStyle/>
+          <a:p>
+            <a:pPr marL="166688" indent="-163513">
+              <a:spcAft>
+                <a:spcPts val="600"/>
+              </a:spcAft>
+              <a:tabLst>
+                <a:tab pos="166688" algn="l"/>
+                <a:tab pos="614363" algn="l"/>
+                <a:tab pos="1063625" algn="l"/>
+                <a:tab pos="1512888" algn="l"/>
+                <a:tab pos="1962150" algn="l"/>
+                <a:tab pos="2411413" algn="l"/>
+                <a:tab pos="2860675" algn="l"/>
+                <a:tab pos="3309938" algn="l"/>
+                <a:tab pos="3759200" algn="l"/>
+                <a:tab pos="4208463" algn="l"/>
+                <a:tab pos="4657725" algn="l"/>
+                <a:tab pos="5106988" algn="l"/>
+                <a:tab pos="5556250" algn="l"/>
+                <a:tab pos="6005513" algn="l"/>
+                <a:tab pos="6454775" algn="l"/>
+                <a:tab pos="6904038" algn="l"/>
+                <a:tab pos="7353300" algn="l"/>
+                <a:tab pos="7802563" algn="l"/>
+                <a:tab pos="8251825" algn="l"/>
+                <a:tab pos="8701088" algn="l"/>
+                <a:tab pos="9150350" algn="l"/>
+              </a:tabLst>
+            </a:pPr>
+            <a:r>
+              <a:rPr lang="zh-CN" altLang="en-US" sz="3800" b="1" dirty="0">
+                <a:solidFill>
+                  <a:schemeClr val="tx2"/>
+                </a:solidFill>
+                <a:latin typeface="黑体" pitchFamily="49" charset="-122"/>
+                <a:ea typeface="黑体" pitchFamily="49" charset="-122"/>
+                <a:cs typeface="+mj-cs"/>
+              </a:rPr>
+              <a:t>按钮</a:t>
+            </a:r>
+            <a:r>
+              <a:rPr lang="zh-CN" altLang="en-US" sz="3800" b="1" dirty="0">
+                <a:solidFill>
+                  <a:schemeClr val="tx2"/>
+                </a:solidFill>
+                <a:latin typeface="黑体" pitchFamily="49" charset="-122"/>
+                <a:ea typeface="黑体" pitchFamily="49" charset="-122"/>
+                <a:cs typeface="+mj-cs"/>
+              </a:rPr>
+              <a:t>测试</a:t>
+            </a:r>
+            <a:endParaRPr lang="zh-CN" sz="3800" b="1" dirty="0">
+              <a:solidFill>
+                <a:schemeClr val="tx2"/>
+              </a:solidFill>
+              <a:latin typeface="黑体" pitchFamily="49" charset="-122"/>
+              <a:ea typeface="黑体" pitchFamily="49" charset="-122"/>
+              <a:cs typeface="+mj-cs"/>
+            </a:endParaRPr>
+          </a:p>
+        </p:txBody>
+      </p:sp>
+    </p:spTree>
+    <p:extLst>
+      <p:ext uri="{BB962C8B-B14F-4D97-AF65-F5344CB8AC3E}">
+        <p14:creationId xmlns:p14="http://schemas.microsoft.com/office/powerpoint/2010/main" val="2355655136"/>
+      </p:ext>
+    </p:extLst>
+  </p:cSld>
+  <p:clrMapOvr>
+    <a:masterClrMapping/>
+  </p:clrMapOvr>
+  <p:transition>
+    <p:blinds dir="vert"/>
+  </p:transition>
+  <p:timing>
+    <p:tnLst>
+      <p:par>
+        <p:cTn id="1" dur="indefinite" restart="never" nodeType="tmRoot">
+          <p:childTnLst>
+            <p:seq concurrent="1" nextAc="seek">
+              <p:cTn id="2" dur="indefinite" nodeType="mainSeq">
+                <p:childTnLst>
+                  <p:par>
+                    <p:cTn id="3" fill="hold">
+                      <p:stCondLst>
+                        <p:cond delay="indefinite"/>
+                        <p:cond evt="onBegin" delay="0">
+                          <p:tn val="2"/>
+                        </p:cond>
+                      </p:stCondLst>
+                      <p:childTnLst>
+                        <p:par>
+                          <p:cTn id="4" fill="hold">
+                            <p:stCondLst>
+                              <p:cond delay="0"/>
+                            </p:stCondLst>
+                            <p:childTnLst>
+                              <p:par>
+                                <p:cTn id="5" presetID="22" presetClass="entr" presetSubtype="1" fill="hold" grpId="0" nodeType="afterEffect">
+                                  <p:stCondLst>
+                                    <p:cond delay="0"/>
+                                  </p:stCondLst>
+                                  <p:childTnLst>
+                                    <p:set>
+                                      <p:cBhvr>
+                                        <p:cTn id="6" dur="1" fill="hold">
+                                          <p:stCondLst>
+                                            <p:cond delay="0"/>
+                                          </p:stCondLst>
+                                        </p:cTn>
+                                        <p:tgtEl>
+                                          <p:spTgt spid="563203">
+                                            <p:txEl>
+                                              <p:pRg st="0" end="0"/>
+                                            </p:txEl>
+                                          </p:spTgt>
+                                        </p:tgtEl>
+                                        <p:attrNameLst>
+                                          <p:attrName>style.visibility</p:attrName>
+                                        </p:attrNameLst>
+                                      </p:cBhvr>
+                                      <p:to>
+                                        <p:strVal val="visible"/>
+                                      </p:to>
+                                    </p:set>
+                                    <p:animEffect transition="in" filter="wipe(up)">
+                                      <p:cBhvr>
+                                        <p:cTn id="7" dur="500"/>
+                                        <p:tgtEl>
+                                          <p:spTgt spid="563203">
+                                            <p:txEl>
+                                              <p:pRg st="0" end="0"/>
+                                            </p:txEl>
+                                          </p:spTgt>
+                                        </p:tgtEl>
+                                      </p:cBhvr>
+                                    </p:animEffect>
+                                  </p:childTnLst>
+                                </p:cTn>
+                              </p:par>
+                            </p:childTnLst>
+                          </p:cTn>
+                        </p:par>
+                      </p:childTnLst>
+                    </p:cTn>
+                  </p:par>
+                  <p:par>
+                    <p:cTn id="8" fill="hold">
+                      <p:stCondLst>
+                        <p:cond delay="indefinite"/>
+                      </p:stCondLst>
+                      <p:childTnLst>
+                        <p:par>
+                          <p:cTn id="9" fill="hold">
+                            <p:stCondLst>
+                              <p:cond delay="0"/>
+                            </p:stCondLst>
+                            <p:childTnLst>
+                              <p:par>
+                                <p:cTn id="10" presetID="22" presetClass="entr" presetSubtype="1" fill="hold" grpId="0" nodeType="clickEffect">
+                                  <p:stCondLst>
+                                    <p:cond delay="0"/>
+                                  </p:stCondLst>
+                                  <p:childTnLst>
+                                    <p:set>
+                                      <p:cBhvr>
+                                        <p:cTn id="11" dur="1" fill="hold">
+                                          <p:stCondLst>
+                                            <p:cond delay="0"/>
+                                          </p:stCondLst>
+                                        </p:cTn>
+                                        <p:tgtEl>
+                                          <p:spTgt spid="563203">
+                                            <p:txEl>
+                                              <p:pRg st="1" end="1"/>
+                                            </p:txEl>
+                                          </p:spTgt>
+                                        </p:tgtEl>
+                                        <p:attrNameLst>
+                                          <p:attrName>style.visibility</p:attrName>
+                                        </p:attrNameLst>
+                                      </p:cBhvr>
+                                      <p:to>
+                                        <p:strVal val="visible"/>
+                                      </p:to>
+                                    </p:set>
+                                    <p:animEffect transition="in" filter="wipe(up)">
+                                      <p:cBhvr>
+                                        <p:cTn id="12" dur="500"/>
+                                        <p:tgtEl>
+                                          <p:spTgt spid="563203">
+                                            <p:txEl>
+                                              <p:pRg st="1" end="1"/>
+                                            </p:txEl>
+                                          </p:spTgt>
+                                        </p:tgtEl>
+                                      </p:cBhvr>
+                                    </p:animEffect>
+                                  </p:childTnLst>
+                                </p:cTn>
+                              </p:par>
+                            </p:childTnLst>
+                          </p:cTn>
+                        </p:par>
+                      </p:childTnLst>
+                    </p:cTn>
+                  </p:par>
+                  <p:par>
+                    <p:cTn id="13" fill="hold">
+                      <p:stCondLst>
+                        <p:cond delay="indefinite"/>
+                      </p:stCondLst>
+                      <p:childTnLst>
+                        <p:par>
+                          <p:cTn id="14" fill="hold">
+                            <p:stCondLst>
+                              <p:cond delay="0"/>
+                            </p:stCondLst>
+                            <p:childTnLst>
+                              <p:par>
+                                <p:cTn id="15" presetID="22" presetClass="entr" presetSubtype="1" fill="hold" grpId="0" nodeType="clickEffect">
+                                  <p:stCondLst>
+                                    <p:cond delay="0"/>
+                                  </p:stCondLst>
+                                  <p:childTnLst>
+                                    <p:set>
+                                      <p:cBhvr>
+                                        <p:cTn id="16" dur="1" fill="hold">
+                                          <p:stCondLst>
+                                            <p:cond delay="0"/>
+                                          </p:stCondLst>
+                                        </p:cTn>
+                                        <p:tgtEl>
+                                          <p:spTgt spid="563203">
+                                            <p:txEl>
+                                              <p:pRg st="2" end="2"/>
+                                            </p:txEl>
+                                          </p:spTgt>
+                                        </p:tgtEl>
+                                        <p:attrNameLst>
+                                          <p:attrName>style.visibility</p:attrName>
+                                        </p:attrNameLst>
+                                      </p:cBhvr>
+                                      <p:to>
+                                        <p:strVal val="visible"/>
+                                      </p:to>
+                                    </p:set>
+                                    <p:animEffect transition="in" filter="wipe(up)">
+                                      <p:cBhvr>
+                                        <p:cTn id="17" dur="500"/>
+                                        <p:tgtEl>
+                                          <p:spTgt spid="563203">
+                                            <p:txEl>
+                                              <p:pRg st="2" end="2"/>
+                                            </p:txEl>
+                                          </p:spTgt>
+                                        </p:tgtEl>
+                                      </p:cBhvr>
+                                    </p:animEffect>
+                                  </p:childTnLst>
+                                </p:cTn>
+                              </p:par>
+                            </p:childTnLst>
+                          </p:cTn>
+                        </p:par>
+                      </p:childTnLst>
+                    </p:cTn>
+                  </p:par>
+                  <p:par>
+                    <p:cTn id="18" fill="hold">
+                      <p:stCondLst>
+                        <p:cond delay="indefinite"/>
+                      </p:stCondLst>
+                      <p:childTnLst>
+                        <p:par>
+                          <p:cTn id="19" fill="hold">
+                            <p:stCondLst>
+                              <p:cond delay="0"/>
+                            </p:stCondLst>
+                            <p:childTnLst>
+                              <p:par>
+                                <p:cTn id="20" presetID="22" presetClass="entr" presetSubtype="1" fill="hold" grpId="0" nodeType="clickEffect">
+                                  <p:stCondLst>
+                                    <p:cond delay="0"/>
+                                  </p:stCondLst>
+                                  <p:childTnLst>
+                                    <p:set>
+                                      <p:cBhvr>
+                                        <p:cTn id="21" dur="1" fill="hold">
+                                          <p:stCondLst>
+                                            <p:cond delay="0"/>
+                                          </p:stCondLst>
+                                        </p:cTn>
+                                        <p:tgtEl>
+                                          <p:spTgt spid="563203">
+                                            <p:txEl>
+                                              <p:pRg st="3" end="3"/>
+                                            </p:txEl>
+                                          </p:spTgt>
+                                        </p:tgtEl>
+                                        <p:attrNameLst>
+                                          <p:attrName>style.visibility</p:attrName>
+                                        </p:attrNameLst>
+                                      </p:cBhvr>
+                                      <p:to>
+                                        <p:strVal val="visible"/>
+                                      </p:to>
+                                    </p:set>
+                                    <p:animEffect transition="in" filter="wipe(up)">
+                                      <p:cBhvr>
+                                        <p:cTn id="22" dur="500"/>
+                                        <p:tgtEl>
+                                          <p:spTgt spid="563203">
+                                            <p:txEl>
+                                              <p:pRg st="3" end="3"/>
+                                            </p:txEl>
+                                          </p:spTgt>
+                                        </p:tgtEl>
+                                      </p:cBhvr>
+                                    </p:animEffect>
+                                  </p:childTnLst>
+                                </p:cTn>
+                              </p:par>
+                            </p:childTnLst>
+                          </p:cTn>
+                        </p:par>
+                      </p:childTnLst>
+                    </p:cTn>
+                  </p:par>
+                </p:childTnLst>
+              </p:cTn>
+              <p:prevCondLst>
+                <p:cond evt="onPrev" delay="0">
+                  <p:tgtEl>
+                    <p:sldTgt/>
+                  </p:tgtEl>
+                </p:cond>
+              </p:prevCondLst>
+              <p:nextCondLst>
+                <p:cond evt="onNext" delay="0">
+                  <p:tgtEl>
+                    <p:sldTgt/>
+                  </p:tgtEl>
+                </p:cond>
+              </p:nextCondLst>
+            </p:seq>
+          </p:childTnLst>
+        </p:cTn>
+      </p:par>
+    </p:tnLst>
+    <p:bldLst>
+      <p:bldP spid="563203" grpId="0" build="p" autoUpdateAnimBg="0"/>
+    </p:bldLst>
+  </p:timing>
+</p:sld>
+</file>
+
+<file path=ppt/slides/slide8.xml><?xml version="1.0" encoding="utf-8"?>
+<p:sld xmlns:a="http://schemas.openxmlformats.org/drawingml/2006/main" xmlns:r="http://schemas.openxmlformats.org/officeDocument/2006/relationships" xmlns:p="http://schemas.openxmlformats.org/presentationml/2006/main" showMasterPhAnim="0">
+  <p:cSld>
+    <p:spTree>
+      <p:nvGrpSpPr>
+        <p:cNvPr id="1" name=""/>
+        <p:cNvGrpSpPr/>
+        <p:nvPr/>
+      </p:nvGrpSpPr>
+      <p:grpSpPr>
+        <a:xfrm>
+          <a:off x="0" y="0"/>
+          <a:ext cx="0" cy="0"/>
+          <a:chOff x="0" y="0"/>
+          <a:chExt cx="0" cy="0"/>
+        </a:xfrm>
+      </p:grpSpPr>
+      <p:sp>
+        <p:nvSpPr>
+          <p:cNvPr id="565251" name="Rectangle 3"/>
+          <p:cNvSpPr>
+            <a:spLocks noGrp="1" noChangeArrowheads="1"/>
+          </p:cNvSpPr>
+          <p:nvPr>
+            <p:ph idx="1"/>
+          </p:nvPr>
+        </p:nvSpPr>
+        <p:spPr>
+          <a:xfrm>
+            <a:off x="611560" y="1124744"/>
+            <a:ext cx="7666037" cy="4641850"/>
+          </a:xfrm>
+        </p:spPr>
+        <p:txBody>
+          <a:bodyPr/>
+          <a:lstStyle/>
+          <a:p>
+            <a:pPr eaLnBrk="0" hangingPunct="0">
+              <a:lnSpc>
+                <a:spcPct val="150000"/>
+              </a:lnSpc>
+              <a:spcBef>
+                <a:spcPts val="0"/>
+              </a:spcBef>
+            </a:pPr>
+            <a:r>
+              <a:rPr lang="zh-CN" altLang="en-US" sz="2800" b="1" dirty="0"/>
+              <a:t>单选按钮测试</a:t>
+            </a:r>
+          </a:p>
+          <a:p>
+            <a:pPr lvl="1" eaLnBrk="0" hangingPunct="0">
+              <a:lnSpc>
+                <a:spcPct val="150000"/>
+              </a:lnSpc>
+              <a:spcBef>
+                <a:spcPts val="0"/>
+              </a:spcBef>
+              <a:spcAft>
+                <a:spcPts val="0"/>
+              </a:spcAft>
+            </a:pPr>
+            <a:r>
+              <a:rPr lang="zh-CN" altLang="en-US" sz="2400" b="1" dirty="0">
+                <a:solidFill>
+                  <a:schemeClr val="tx1"/>
+                </a:solidFill>
+              </a:rPr>
+              <a:t>各单选按钮功能是否能正确完成</a:t>
+            </a:r>
+            <a:endParaRPr lang="en-US" altLang="zh-CN" sz="2400" b="1" dirty="0">
+              <a:solidFill>
+                <a:schemeClr val="tx1"/>
+              </a:solidFill>
+            </a:endParaRPr>
+          </a:p>
+          <a:p>
+            <a:pPr lvl="1" eaLnBrk="0" hangingPunct="0">
+              <a:lnSpc>
+                <a:spcPct val="150000"/>
+              </a:lnSpc>
+              <a:spcBef>
+                <a:spcPts val="0"/>
+              </a:spcBef>
+              <a:spcAft>
+                <a:spcPts val="0"/>
+              </a:spcAft>
+            </a:pPr>
+            <a:r>
+              <a:rPr lang="zh-CN" altLang="en-US" sz="2400" b="1" dirty="0">
+                <a:solidFill>
+                  <a:schemeClr val="tx1"/>
+                </a:solidFill>
+              </a:rPr>
+              <a:t>单选按钮是否</a:t>
+            </a:r>
+            <a:r>
+              <a:rPr lang="zh-CN" altLang="en-US" sz="2400" b="1" dirty="0">
+                <a:solidFill>
+                  <a:srgbClr val="FF0000"/>
+                </a:solidFill>
+              </a:rPr>
+              <a:t>只能选中</a:t>
+            </a:r>
+            <a:r>
+              <a:rPr lang="zh-CN" altLang="en-US" sz="2400" b="1" dirty="0">
+                <a:solidFill>
+                  <a:schemeClr val="tx1"/>
+                </a:solidFill>
+              </a:rPr>
+              <a:t>一个</a:t>
+            </a:r>
+          </a:p>
+          <a:p>
+            <a:pPr lvl="1" eaLnBrk="0" hangingPunct="0">
+              <a:lnSpc>
+                <a:spcPct val="150000"/>
+              </a:lnSpc>
+              <a:spcBef>
+                <a:spcPts val="0"/>
+              </a:spcBef>
+              <a:spcAft>
+                <a:spcPts val="0"/>
+              </a:spcAft>
+            </a:pPr>
+            <a:r>
+              <a:rPr lang="zh-CN" altLang="en-US" sz="2400" b="1" dirty="0">
+                <a:solidFill>
+                  <a:schemeClr val="tx1"/>
+                </a:solidFill>
+              </a:rPr>
+              <a:t>是否有默认被选中的</a:t>
+            </a:r>
+            <a:r>
+              <a:rPr lang="zh-CN" altLang="en-US" sz="2400" b="1" dirty="0" smtClean="0">
+                <a:solidFill>
+                  <a:schemeClr val="tx1"/>
+                </a:solidFill>
+              </a:rPr>
+              <a:t>选项</a:t>
+            </a:r>
+            <a:endParaRPr lang="en-US" altLang="zh-CN" sz="2400" b="1" dirty="0">
+              <a:solidFill>
+                <a:schemeClr val="tx1"/>
+              </a:solidFill>
+            </a:endParaRPr>
+          </a:p>
+        </p:txBody>
+      </p:sp>
+      <p:sp>
+        <p:nvSpPr>
+          <p:cNvPr id="8" name="Text Box 1"/>
+          <p:cNvSpPr txBox="1">
+            <a:spLocks noChangeArrowheads="1"/>
+          </p:cNvSpPr>
+          <p:nvPr/>
+        </p:nvSpPr>
+        <p:spPr bwMode="auto">
+          <a:xfrm>
+            <a:off x="632867" y="301438"/>
+            <a:ext cx="3118459" cy="679290"/>
+          </a:xfrm>
+          <a:prstGeom prst="rect">
+            <a:avLst/>
+          </a:prstGeom>
+          <a:noFill/>
+          <a:ln w="9525">
+            <a:noFill/>
+            <a:miter lim="800000"/>
+            <a:headEnd/>
+            <a:tailEnd/>
+          </a:ln>
+        </p:spPr>
+        <p:txBody>
+          <a:bodyPr wrap="none" lIns="90000" tIns="46800" rIns="90000" bIns="46800">
+            <a:spAutoFit/>
+          </a:bodyPr>
+          <a:lstStyle/>
+          <a:p>
+            <a:pPr marL="166688" indent="-163513">
+              <a:spcAft>
+                <a:spcPts val="600"/>
+              </a:spcAft>
+              <a:tabLst>
+                <a:tab pos="166688" algn="l"/>
+                <a:tab pos="614363" algn="l"/>
+                <a:tab pos="1063625" algn="l"/>
+                <a:tab pos="1512888" algn="l"/>
+                <a:tab pos="1962150" algn="l"/>
+                <a:tab pos="2411413" algn="l"/>
+                <a:tab pos="2860675" algn="l"/>
+                <a:tab pos="3309938" algn="l"/>
+                <a:tab pos="3759200" algn="l"/>
+                <a:tab pos="4208463" algn="l"/>
+                <a:tab pos="4657725" algn="l"/>
+                <a:tab pos="5106988" algn="l"/>
+                <a:tab pos="5556250" algn="l"/>
+                <a:tab pos="6005513" algn="l"/>
+                <a:tab pos="6454775" algn="l"/>
+                <a:tab pos="6904038" algn="l"/>
+                <a:tab pos="7353300" algn="l"/>
+                <a:tab pos="7802563" algn="l"/>
+                <a:tab pos="8251825" algn="l"/>
+                <a:tab pos="8701088" algn="l"/>
+                <a:tab pos="9150350" algn="l"/>
+              </a:tabLst>
+            </a:pPr>
+            <a:r>
+              <a:rPr lang="zh-CN" altLang="en-US" sz="3800" b="1" dirty="0">
+                <a:solidFill>
+                  <a:schemeClr val="tx2"/>
+                </a:solidFill>
+                <a:latin typeface="黑体" pitchFamily="49" charset="-122"/>
+                <a:ea typeface="黑体" pitchFamily="49" charset="-122"/>
+                <a:cs typeface="+mj-cs"/>
+              </a:rPr>
+              <a:t>单选</a:t>
+            </a:r>
+            <a:r>
+              <a:rPr lang="zh-CN" altLang="en-US" sz="3800" b="1" dirty="0">
+                <a:solidFill>
+                  <a:schemeClr val="tx2"/>
+                </a:solidFill>
+                <a:latin typeface="黑体" pitchFamily="49" charset="-122"/>
+                <a:ea typeface="黑体" pitchFamily="49" charset="-122"/>
+                <a:cs typeface="+mj-cs"/>
+              </a:rPr>
+              <a:t>按钮测试</a:t>
+            </a:r>
+            <a:endParaRPr lang="zh-CN" sz="3800" b="1" dirty="0">
+              <a:solidFill>
+                <a:schemeClr val="tx2"/>
+              </a:solidFill>
+              <a:latin typeface="黑体" pitchFamily="49" charset="-122"/>
+              <a:ea typeface="黑体" pitchFamily="49" charset="-122"/>
+              <a:cs typeface="+mj-cs"/>
+            </a:endParaRPr>
+          </a:p>
+        </p:txBody>
+      </p:sp>
+    </p:spTree>
+    <p:extLst>
+      <p:ext uri="{BB962C8B-B14F-4D97-AF65-F5344CB8AC3E}">
+        <p14:creationId xmlns:p14="http://schemas.microsoft.com/office/powerpoint/2010/main" val="1407259489"/>
+      </p:ext>
+    </p:extLst>
+  </p:cSld>
+  <p:clrMapOvr>
+    <a:masterClrMapping/>
+  </p:clrMapOvr>
+  <p:transition>
+    <p:blinds dir="vert"/>
+  </p:transition>
+  <p:timing>
+    <p:tnLst>
+      <p:par>
+        <p:cTn id="1" dur="indefinite" restart="never" nodeType="tmRoot">
+          <p:childTnLst>
+            <p:seq concurrent="1" nextAc="seek">
+              <p:cTn id="2" dur="indefinite" nodeType="mainSeq">
+                <p:childTnLst>
+                  <p:par>
+                    <p:cTn id="3" fill="hold">
+                      <p:stCondLst>
+                        <p:cond delay="indefinite"/>
+                        <p:cond evt="onBegin" delay="0">
+                          <p:tn val="2"/>
+                        </p:cond>
+                      </p:stCondLst>
+                      <p:childTnLst>
+                        <p:par>
+                          <p:cTn id="4" fill="hold">
+                            <p:stCondLst>
+                              <p:cond delay="0"/>
+                            </p:stCondLst>
+                            <p:childTnLst>
+                              <p:par>
+                                <p:cTn id="5" presetID="14" presetClass="entr" presetSubtype="10" fill="hold" nodeType="withEffect">
+                                  <p:stCondLst>
+                                    <p:cond delay="0"/>
+                                  </p:stCondLst>
+                                  <p:childTnLst>
+                                    <p:set>
+                                      <p:cBhvr>
+                                        <p:cTn id="6" dur="1" fill="hold">
+                                          <p:stCondLst>
+                                            <p:cond delay="0"/>
+                                          </p:stCondLst>
+                                        </p:cTn>
+                                        <p:tgtEl>
+                                          <p:spTgt spid="565251">
+                                            <p:txEl>
+                                              <p:pRg st="1" end="1"/>
+                                            </p:txEl>
+                                          </p:spTgt>
+                                        </p:tgtEl>
+                                        <p:attrNameLst>
+                                          <p:attrName>style.visibility</p:attrName>
+                                        </p:attrNameLst>
+                                      </p:cBhvr>
+                                      <p:to>
+                                        <p:strVal val="visible"/>
+                                      </p:to>
+                                    </p:set>
+                                    <p:animEffect transition="in" filter="randombar(horizontal)">
+                                      <p:cBhvr>
+                                        <p:cTn id="7" dur="500"/>
+                                        <p:tgtEl>
+                                          <p:spTgt spid="565251">
+                                            <p:txEl>
+                                              <p:pRg st="1" end="1"/>
+                                            </p:txEl>
+                                          </p:spTgt>
+                                        </p:tgtEl>
+                                      </p:cBhvr>
+                                    </p:animEffect>
+                                  </p:childTnLst>
+                                </p:cTn>
+                              </p:par>
+                              <p:par>
+                                <p:cTn id="8" presetID="14" presetClass="entr" presetSubtype="10" fill="hold" nodeType="withEffect">
+                                  <p:stCondLst>
+                                    <p:cond delay="0"/>
+                                  </p:stCondLst>
+                                  <p:childTnLst>
+                                    <p:set>
+                                      <p:cBhvr>
+                                        <p:cTn id="9" dur="1" fill="hold">
+                                          <p:stCondLst>
+                                            <p:cond delay="0"/>
+                                          </p:stCondLst>
+                                        </p:cTn>
+                                        <p:tgtEl>
+                                          <p:spTgt spid="565251">
+                                            <p:txEl>
+                                              <p:pRg st="2" end="2"/>
+                                            </p:txEl>
+                                          </p:spTgt>
+                                        </p:tgtEl>
+                                        <p:attrNameLst>
+                                          <p:attrName>style.visibility</p:attrName>
+                                        </p:attrNameLst>
+                                      </p:cBhvr>
+                                      <p:to>
+                                        <p:strVal val="visible"/>
+                                      </p:to>
+                                    </p:set>
+                                    <p:animEffect transition="in" filter="randombar(horizontal)">
+                                      <p:cBhvr>
+                                        <p:cTn id="10" dur="500"/>
+                                        <p:tgtEl>
+                                          <p:spTgt spid="565251">
+                                            <p:txEl>
+                                              <p:pRg st="2" end="2"/>
+                                            </p:txEl>
+                                          </p:spTgt>
+                                        </p:tgtEl>
+                                      </p:cBhvr>
+                                    </p:animEffect>
+                                  </p:childTnLst>
+                                </p:cTn>
+                              </p:par>
+                              <p:par>
+                                <p:cTn id="11" presetID="14" presetClass="entr" presetSubtype="10" fill="hold" nodeType="withEffect">
+                                  <p:stCondLst>
+                                    <p:cond delay="0"/>
+                                  </p:stCondLst>
+                                  <p:childTnLst>
+                                    <p:set>
+                                      <p:cBhvr>
+                                        <p:cTn id="12" dur="1" fill="hold">
+                                          <p:stCondLst>
+                                            <p:cond delay="0"/>
+                                          </p:stCondLst>
+                                        </p:cTn>
+                                        <p:tgtEl>
+                                          <p:spTgt spid="565251">
+                                            <p:txEl>
+                                              <p:pRg st="3" end="3"/>
+                                            </p:txEl>
+                                          </p:spTgt>
+                                        </p:tgtEl>
+                                        <p:attrNameLst>
+                                          <p:attrName>style.visibility</p:attrName>
+                                        </p:attrNameLst>
+                                      </p:cBhvr>
+                                      <p:to>
+                                        <p:strVal val="visible"/>
+                                      </p:to>
+                                    </p:set>
+                                    <p:animEffect transition="in" filter="randombar(horizontal)">
+                                      <p:cBhvr>
+                                        <p:cTn id="13" dur="500"/>
+                                        <p:tgtEl>
+                                          <p:spTgt spid="565251">
+                                            <p:txEl>
+                                              <p:pRg st="3" end="3"/>
+                                            </p:txEl>
+                                          </p:spTgt>
+                                        </p:tgtEl>
+                                      </p:cBhvr>
+                                    </p:animEffect>
+                                  </p:childTnLst>
+                                </p:cTn>
+                              </p:par>
+                            </p:childTnLst>
+                          </p:cTn>
+                        </p:par>
+                      </p:childTnLst>
+                    </p:cTn>
+                  </p:par>
+                </p:childTnLst>
+              </p:cTn>
+              <p:prevCondLst>
+                <p:cond evt="onPrev" delay="0">
+                  <p:tgtEl>
+                    <p:sldTgt/>
+                  </p:tgtEl>
+                </p:cond>
+              </p:prevCondLst>
+              <p:nextCondLst>
+                <p:cond evt="onNext" delay="0">
+                  <p:tgtEl>
+                    <p:sldTgt/>
+                  </p:tgtEl>
+                </p:cond>
+              </p:nextCondLst>
+            </p:seq>
+          </p:childTnLst>
+        </p:cTn>
+      </p:par>
+    </p:tnLst>
+  </p:timing>
+</p:sld>
+</file>
+
+<file path=ppt/slides/slide9.xml><?xml version="1.0" encoding="utf-8"?>
 <p:sld xmlns:a="http://schemas.openxmlformats.org/drawingml/2006/main" xmlns:r="http://schemas.openxmlformats.org/officeDocument/2006/relationships" xmlns:p="http://schemas.openxmlformats.org/presentationml/2006/main">
   <p:cSld>
     <p:spTree>
@@ -6276,33 +10708,7 @@
       </p:grpSpPr>
       <p:sp>
         <p:nvSpPr>
-          <p:cNvPr id="34818" name="Rectangle 2"/>
-          <p:cNvSpPr>
-            <a:spLocks noGrp="1" noChangeArrowheads="1"/>
-          </p:cNvSpPr>
-          <p:nvPr>
-            <p:ph type="title"/>
-          </p:nvPr>
-        </p:nvSpPr>
-        <p:spPr/>
-        <p:txBody>
-          <a:bodyPr/>
-          <a:lstStyle/>
-          <a:p>
-            <a:pPr eaLnBrk="1" hangingPunct="1"/>
-            <a:r>
-              <a:rPr lang="zh-CN" altLang="en-US" b="1" dirty="0">
-                <a:latin typeface="黑体" pitchFamily="49" charset="-122"/>
-                <a:ea typeface="黑体" pitchFamily="49" charset="-122"/>
-              </a:rPr>
-              <a:t>本节内容总结</a:t>
-            </a:r>
-          </a:p>
-        </p:txBody>
-      </p:sp>
-      <p:sp>
-        <p:nvSpPr>
-          <p:cNvPr id="34819" name="Rectangle 3"/>
+          <p:cNvPr id="21507" name="Rectangle 3"/>
           <p:cNvSpPr>
             <a:spLocks noGrp="1" noChangeArrowheads="1"/>
           </p:cNvSpPr>
@@ -6310,67 +10716,250 @@
             <p:ph idx="1"/>
           </p:nvPr>
         </p:nvSpPr>
-        <p:spPr/>
+        <p:spPr>
+          <a:xfrm>
+            <a:off x="683568" y="1196752"/>
+            <a:ext cx="7666037" cy="4641850"/>
+          </a:xfrm>
+        </p:spPr>
         <p:txBody>
           <a:bodyPr/>
           <a:lstStyle/>
           <a:p>
-            <a:pPr algn="just" eaLnBrk="1" hangingPunct="1"/>
-            <a:r>
-              <a:rPr lang="zh-CN" altLang="en-US" sz="3400" b="1" dirty="0"/>
-              <a:t>熟练编写测试总结报告</a:t>
-            </a:r>
-          </a:p>
-          <a:p>
-            <a:pPr lvl="1" algn="just" eaLnBrk="1" hangingPunct="1"/>
-            <a:r>
-              <a:rPr lang="zh-CN" altLang="en-US" sz="3100" b="1" dirty="0"/>
-              <a:t>文件名称、编号、版本等基本信息</a:t>
-            </a:r>
-          </a:p>
-          <a:p>
-            <a:pPr lvl="1" algn="just" eaLnBrk="1" hangingPunct="1"/>
-            <a:r>
-              <a:rPr lang="zh-CN" altLang="en-US" sz="3100" b="1" dirty="0"/>
-              <a:t>引言（编写目的、项目介绍、常用术语、参考文档）</a:t>
-            </a:r>
-          </a:p>
-          <a:p>
-            <a:pPr lvl="1" algn="just" eaLnBrk="1" hangingPunct="1"/>
-            <a:r>
-              <a:rPr lang="zh-CN" altLang="en-US" sz="3100" b="1" dirty="0"/>
-              <a:t>测试概要（测试用例设计、测试环境与配置、工具）</a:t>
-            </a:r>
-          </a:p>
-          <a:p>
-            <a:pPr lvl="1" algn="just" eaLnBrk="1" hangingPunct="1"/>
-            <a:r>
-              <a:rPr lang="zh-CN" altLang="en-US" sz="3100" b="1" dirty="0"/>
-              <a:t>测试结果与缺陷分析（测试执行情况与记录；覆盖结果分析；缺陷统计与分析 ）</a:t>
-            </a:r>
-          </a:p>
-          <a:p>
-            <a:pPr lvl="1" algn="just" eaLnBrk="1" hangingPunct="1"/>
-            <a:r>
-              <a:rPr lang="zh-CN" altLang="en-US" sz="3100" b="1" dirty="0"/>
-              <a:t>测试结论与建议（测试结论、测试建议）</a:t>
-            </a:r>
-          </a:p>
-          <a:p>
-            <a:endParaRPr lang="zh-CN" altLang="en-US" dirty="0" smtClean="0"/>
-          </a:p>
-          <a:p>
-            <a:endParaRPr lang="zh-CN" altLang="en-US" dirty="0" smtClean="0"/>
-          </a:p>
-          <a:p>
-            <a:endParaRPr lang="zh-CN" altLang="en-US" dirty="0" smtClean="0"/>
+            <a:pPr>
+              <a:lnSpc>
+                <a:spcPct val="150000"/>
+              </a:lnSpc>
+              <a:spcBef>
+                <a:spcPts val="0"/>
+              </a:spcBef>
+            </a:pPr>
+            <a:r>
+              <a:rPr lang="zh-CN" altLang="en-US" sz="2800" b="1" dirty="0"/>
+              <a:t>复选框测试</a:t>
+            </a:r>
+            <a:endParaRPr lang="en-US" altLang="zh-CN" sz="2800" b="1" dirty="0"/>
+          </a:p>
+          <a:p>
+            <a:pPr lvl="1">
+              <a:lnSpc>
+                <a:spcPct val="150000"/>
+              </a:lnSpc>
+              <a:spcBef>
+                <a:spcPts val="0"/>
+              </a:spcBef>
+              <a:spcAft>
+                <a:spcPts val="0"/>
+              </a:spcAft>
+            </a:pPr>
+            <a:r>
+              <a:rPr lang="zh-CN" altLang="en-US" sz="2800" b="1" dirty="0">
+                <a:cs typeface="+mn-cs"/>
+              </a:rPr>
+              <a:t>多个复选框可以同时选中</a:t>
+            </a:r>
+            <a:endParaRPr lang="en-US" altLang="zh-CN" sz="2800" b="1" dirty="0">
+              <a:cs typeface="+mn-cs"/>
+            </a:endParaRPr>
+          </a:p>
+          <a:p>
+            <a:pPr lvl="1">
+              <a:lnSpc>
+                <a:spcPct val="150000"/>
+              </a:lnSpc>
+              <a:spcBef>
+                <a:spcPts val="0"/>
+              </a:spcBef>
+              <a:spcAft>
+                <a:spcPts val="0"/>
+              </a:spcAft>
+            </a:pPr>
+            <a:r>
+              <a:rPr lang="zh-CN" altLang="en-US" sz="2800" b="1" dirty="0">
+                <a:cs typeface="+mn-cs"/>
+              </a:rPr>
+              <a:t>多个复选框可以部分选中</a:t>
+            </a:r>
+            <a:endParaRPr lang="en-US" altLang="zh-CN" sz="2800" b="1" dirty="0">
+              <a:cs typeface="+mn-cs"/>
+            </a:endParaRPr>
+          </a:p>
+          <a:p>
+            <a:pPr lvl="1">
+              <a:lnSpc>
+                <a:spcPct val="150000"/>
+              </a:lnSpc>
+              <a:spcBef>
+                <a:spcPts val="0"/>
+              </a:spcBef>
+              <a:spcAft>
+                <a:spcPts val="0"/>
+              </a:spcAft>
+            </a:pPr>
+            <a:r>
+              <a:rPr lang="zh-CN" altLang="en-US" sz="2800" b="1" dirty="0">
+                <a:cs typeface="+mn-cs"/>
+              </a:rPr>
+              <a:t>多个复选框可以不被选中</a:t>
+            </a:r>
+            <a:endParaRPr lang="en-US" altLang="zh-CN" sz="2800" b="1" dirty="0">
+              <a:cs typeface="+mn-cs"/>
+            </a:endParaRPr>
+          </a:p>
+          <a:p>
+            <a:pPr lvl="1">
+              <a:lnSpc>
+                <a:spcPct val="150000"/>
+              </a:lnSpc>
+              <a:spcBef>
+                <a:spcPts val="0"/>
+              </a:spcBef>
+              <a:spcAft>
+                <a:spcPts val="0"/>
+              </a:spcAft>
+            </a:pPr>
+            <a:r>
+              <a:rPr lang="zh-CN" altLang="en-US" sz="2800" b="1" dirty="0">
+                <a:cs typeface="+mn-cs"/>
+              </a:rPr>
+              <a:t>逐一执行每个复选框的功能</a:t>
+            </a:r>
+            <a:endParaRPr lang="en-US" altLang="zh-CN" sz="2800" b="1" dirty="0">
+              <a:cs typeface="+mn-cs"/>
+            </a:endParaRPr>
+          </a:p>
+          <a:p>
+            <a:pPr lvl="1">
+              <a:lnSpc>
+                <a:spcPct val="150000"/>
+              </a:lnSpc>
+              <a:spcBef>
+                <a:spcPts val="0"/>
+              </a:spcBef>
+              <a:spcAft>
+                <a:spcPts val="0"/>
+              </a:spcAft>
+            </a:pPr>
+            <a:r>
+              <a:rPr lang="zh-CN" altLang="en-US" sz="2800" b="1" dirty="0">
+                <a:cs typeface="+mn-cs"/>
+              </a:rPr>
+              <a:t>组合执行复选框的功能</a:t>
+            </a:r>
+            <a:endParaRPr lang="en-US" altLang="zh-CN" sz="2800" b="1" dirty="0">
+              <a:cs typeface="+mn-cs"/>
+            </a:endParaRPr>
+          </a:p>
+          <a:p>
+            <a:pPr lvl="1">
+              <a:lnSpc>
+                <a:spcPct val="150000"/>
+              </a:lnSpc>
+              <a:spcBef>
+                <a:spcPts val="0"/>
+              </a:spcBef>
+            </a:pPr>
+            <a:endParaRPr lang="zh-CN" altLang="en-US" sz="2800" b="1" dirty="0">
+              <a:cs typeface="+mn-cs"/>
+            </a:endParaRPr>
+          </a:p>
+        </p:txBody>
+      </p:sp>
+      <p:sp>
+        <p:nvSpPr>
+          <p:cNvPr id="7" name="Text Box 1"/>
+          <p:cNvSpPr txBox="1">
+            <a:spLocks noChangeArrowheads="1"/>
+          </p:cNvSpPr>
+          <p:nvPr/>
+        </p:nvSpPr>
+        <p:spPr bwMode="auto">
+          <a:xfrm>
+            <a:off x="646312" y="373446"/>
+            <a:ext cx="2629544" cy="679290"/>
+          </a:xfrm>
+          <a:prstGeom prst="rect">
+            <a:avLst/>
+          </a:prstGeom>
+          <a:noFill/>
+          <a:ln w="9525">
+            <a:noFill/>
+            <a:miter lim="800000"/>
+            <a:headEnd/>
+            <a:tailEnd/>
+          </a:ln>
+        </p:spPr>
+        <p:txBody>
+          <a:bodyPr wrap="none" lIns="90000" tIns="46800" rIns="90000" bIns="46800">
+            <a:spAutoFit/>
+          </a:bodyPr>
+          <a:lstStyle/>
+          <a:p>
+            <a:pPr marL="166688" indent="-163513">
+              <a:spcAft>
+                <a:spcPts val="600"/>
+              </a:spcAft>
+              <a:tabLst>
+                <a:tab pos="166688" algn="l"/>
+                <a:tab pos="614363" algn="l"/>
+                <a:tab pos="1063625" algn="l"/>
+                <a:tab pos="1512888" algn="l"/>
+                <a:tab pos="1962150" algn="l"/>
+                <a:tab pos="2411413" algn="l"/>
+                <a:tab pos="2860675" algn="l"/>
+                <a:tab pos="3309938" algn="l"/>
+                <a:tab pos="3759200" algn="l"/>
+                <a:tab pos="4208463" algn="l"/>
+                <a:tab pos="4657725" algn="l"/>
+                <a:tab pos="5106988" algn="l"/>
+                <a:tab pos="5556250" algn="l"/>
+                <a:tab pos="6005513" algn="l"/>
+                <a:tab pos="6454775" algn="l"/>
+                <a:tab pos="6904038" algn="l"/>
+                <a:tab pos="7353300" algn="l"/>
+                <a:tab pos="7802563" algn="l"/>
+                <a:tab pos="8251825" algn="l"/>
+                <a:tab pos="8701088" algn="l"/>
+                <a:tab pos="9150350" algn="l"/>
+              </a:tabLst>
+            </a:pPr>
+            <a:r>
+              <a:rPr lang="zh-CN" altLang="en-US" sz="3800" b="1" dirty="0">
+                <a:solidFill>
+                  <a:schemeClr val="tx2"/>
+                </a:solidFill>
+                <a:latin typeface="黑体" pitchFamily="49" charset="-122"/>
+                <a:ea typeface="黑体" pitchFamily="49" charset="-122"/>
+                <a:cs typeface="+mj-cs"/>
+              </a:rPr>
+              <a:t>复选框</a:t>
+            </a:r>
+            <a:r>
+              <a:rPr lang="zh-CN" altLang="en-US" sz="3800" b="1" dirty="0">
+                <a:solidFill>
+                  <a:schemeClr val="tx2"/>
+                </a:solidFill>
+                <a:latin typeface="黑体" pitchFamily="49" charset="-122"/>
+                <a:ea typeface="黑体" pitchFamily="49" charset="-122"/>
+                <a:cs typeface="+mj-cs"/>
+              </a:rPr>
+              <a:t>测试</a:t>
+            </a:r>
+            <a:endParaRPr lang="zh-CN" sz="3800" b="1" dirty="0">
+              <a:solidFill>
+                <a:schemeClr val="tx2"/>
+              </a:solidFill>
+              <a:latin typeface="黑体" pitchFamily="49" charset="-122"/>
+              <a:ea typeface="黑体" pitchFamily="49" charset="-122"/>
+              <a:cs typeface="+mj-cs"/>
+            </a:endParaRPr>
           </a:p>
         </p:txBody>
       </p:sp>
     </p:spTree>
     <p:extLst>
       <p:ext uri="{BB962C8B-B14F-4D97-AF65-F5344CB8AC3E}">
-        <p14:creationId xmlns:p14="http://schemas.microsoft.com/office/powerpoint/2010/main" val="2105809270"/>
+        <p14:creationId xmlns:p14="http://schemas.microsoft.com/office/powerpoint/2010/main" val="4068677628"/>
       </p:ext>
     </p:extLst>
   </p:cSld>
@@ -6378,256 +10967,274 @@
     <a:masterClrMapping/>
   </p:clrMapOvr>
   <p:transition>
-    <p:randomBar dir="vert"/>
+    <p:blinds dir="vert"/>
   </p:transition>
   <p:timing>
     <p:tnLst>
       <p:par>
-        <p:cTn id="1" dur="indefinite" restart="never" nodeType="tmRoot"/>
+        <p:cTn id="1" dur="indefinite" restart="never" nodeType="tmRoot">
+          <p:childTnLst>
+            <p:seq concurrent="1" nextAc="seek">
+              <p:cTn id="2" dur="indefinite" nodeType="mainSeq">
+                <p:childTnLst>
+                  <p:par>
+                    <p:cTn id="3" fill="hold">
+                      <p:stCondLst>
+                        <p:cond delay="indefinite"/>
+                        <p:cond evt="onBegin" delay="0">
+                          <p:tn val="2"/>
+                        </p:cond>
+                      </p:stCondLst>
+                      <p:childTnLst>
+                        <p:par>
+                          <p:cTn id="4" fill="hold">
+                            <p:stCondLst>
+                              <p:cond delay="0"/>
+                            </p:stCondLst>
+                            <p:childTnLst>
+                              <p:par>
+                                <p:cTn id="5" presetID="14" presetClass="entr" presetSubtype="10" fill="hold" nodeType="withEffect">
+                                  <p:stCondLst>
+                                    <p:cond delay="0"/>
+                                  </p:stCondLst>
+                                  <p:childTnLst>
+                                    <p:set>
+                                      <p:cBhvr>
+                                        <p:cTn id="6" dur="1" fill="hold">
+                                          <p:stCondLst>
+                                            <p:cond delay="0"/>
+                                          </p:stCondLst>
+                                        </p:cTn>
+                                        <p:tgtEl>
+                                          <p:spTgt spid="21507">
+                                            <p:txEl>
+                                              <p:pRg st="1" end="1"/>
+                                            </p:txEl>
+                                          </p:spTgt>
+                                        </p:tgtEl>
+                                        <p:attrNameLst>
+                                          <p:attrName>style.visibility</p:attrName>
+                                        </p:attrNameLst>
+                                      </p:cBhvr>
+                                      <p:to>
+                                        <p:strVal val="visible"/>
+                                      </p:to>
+                                    </p:set>
+                                    <p:animEffect transition="in" filter="randombar(horizontal)">
+                                      <p:cBhvr>
+                                        <p:cTn id="7" dur="500"/>
+                                        <p:tgtEl>
+                                          <p:spTgt spid="21507">
+                                            <p:txEl>
+                                              <p:pRg st="1" end="1"/>
+                                            </p:txEl>
+                                          </p:spTgt>
+                                        </p:tgtEl>
+                                      </p:cBhvr>
+                                    </p:animEffect>
+                                  </p:childTnLst>
+                                </p:cTn>
+                              </p:par>
+                              <p:par>
+                                <p:cTn id="8" presetID="14" presetClass="entr" presetSubtype="10" fill="hold" nodeType="withEffect">
+                                  <p:stCondLst>
+                                    <p:cond delay="0"/>
+                                  </p:stCondLst>
+                                  <p:childTnLst>
+                                    <p:set>
+                                      <p:cBhvr>
+                                        <p:cTn id="9" dur="1" fill="hold">
+                                          <p:stCondLst>
+                                            <p:cond delay="0"/>
+                                          </p:stCondLst>
+                                        </p:cTn>
+                                        <p:tgtEl>
+                                          <p:spTgt spid="21507">
+                                            <p:txEl>
+                                              <p:pRg st="2" end="2"/>
+                                            </p:txEl>
+                                          </p:spTgt>
+                                        </p:tgtEl>
+                                        <p:attrNameLst>
+                                          <p:attrName>style.visibility</p:attrName>
+                                        </p:attrNameLst>
+                                      </p:cBhvr>
+                                      <p:to>
+                                        <p:strVal val="visible"/>
+                                      </p:to>
+                                    </p:set>
+                                    <p:animEffect transition="in" filter="randombar(horizontal)">
+                                      <p:cBhvr>
+                                        <p:cTn id="10" dur="500"/>
+                                        <p:tgtEl>
+                                          <p:spTgt spid="21507">
+                                            <p:txEl>
+                                              <p:pRg st="2" end="2"/>
+                                            </p:txEl>
+                                          </p:spTgt>
+                                        </p:tgtEl>
+                                      </p:cBhvr>
+                                    </p:animEffect>
+                                  </p:childTnLst>
+                                </p:cTn>
+                              </p:par>
+                              <p:par>
+                                <p:cTn id="11" presetID="14" presetClass="entr" presetSubtype="10" fill="hold" nodeType="withEffect">
+                                  <p:stCondLst>
+                                    <p:cond delay="0"/>
+                                  </p:stCondLst>
+                                  <p:childTnLst>
+                                    <p:set>
+                                      <p:cBhvr>
+                                        <p:cTn id="12" dur="1" fill="hold">
+                                          <p:stCondLst>
+                                            <p:cond delay="0"/>
+                                          </p:stCondLst>
+                                        </p:cTn>
+                                        <p:tgtEl>
+                                          <p:spTgt spid="21507">
+                                            <p:txEl>
+                                              <p:pRg st="3" end="3"/>
+                                            </p:txEl>
+                                          </p:spTgt>
+                                        </p:tgtEl>
+                                        <p:attrNameLst>
+                                          <p:attrName>style.visibility</p:attrName>
+                                        </p:attrNameLst>
+                                      </p:cBhvr>
+                                      <p:to>
+                                        <p:strVal val="visible"/>
+                                      </p:to>
+                                    </p:set>
+                                    <p:animEffect transition="in" filter="randombar(horizontal)">
+                                      <p:cBhvr>
+                                        <p:cTn id="13" dur="500"/>
+                                        <p:tgtEl>
+                                          <p:spTgt spid="21507">
+                                            <p:txEl>
+                                              <p:pRg st="3" end="3"/>
+                                            </p:txEl>
+                                          </p:spTgt>
+                                        </p:tgtEl>
+                                      </p:cBhvr>
+                                    </p:animEffect>
+                                  </p:childTnLst>
+                                </p:cTn>
+                              </p:par>
+                              <p:par>
+                                <p:cTn id="14" presetID="14" presetClass="entr" presetSubtype="10" fill="hold" nodeType="withEffect">
+                                  <p:stCondLst>
+                                    <p:cond delay="0"/>
+                                  </p:stCondLst>
+                                  <p:childTnLst>
+                                    <p:set>
+                                      <p:cBhvr>
+                                        <p:cTn id="15" dur="1" fill="hold">
+                                          <p:stCondLst>
+                                            <p:cond delay="0"/>
+                                          </p:stCondLst>
+                                        </p:cTn>
+                                        <p:tgtEl>
+                                          <p:spTgt spid="21507">
+                                            <p:txEl>
+                                              <p:pRg st="4" end="4"/>
+                                            </p:txEl>
+                                          </p:spTgt>
+                                        </p:tgtEl>
+                                        <p:attrNameLst>
+                                          <p:attrName>style.visibility</p:attrName>
+                                        </p:attrNameLst>
+                                      </p:cBhvr>
+                                      <p:to>
+                                        <p:strVal val="visible"/>
+                                      </p:to>
+                                    </p:set>
+                                    <p:animEffect transition="in" filter="randombar(horizontal)">
+                                      <p:cBhvr>
+                                        <p:cTn id="16" dur="500"/>
+                                        <p:tgtEl>
+                                          <p:spTgt spid="21507">
+                                            <p:txEl>
+                                              <p:pRg st="4" end="4"/>
+                                            </p:txEl>
+                                          </p:spTgt>
+                                        </p:tgtEl>
+                                      </p:cBhvr>
+                                    </p:animEffect>
+                                  </p:childTnLst>
+                                </p:cTn>
+                              </p:par>
+                              <p:par>
+                                <p:cTn id="17" presetID="14" presetClass="entr" presetSubtype="10" fill="hold" nodeType="withEffect">
+                                  <p:stCondLst>
+                                    <p:cond delay="0"/>
+                                  </p:stCondLst>
+                                  <p:childTnLst>
+                                    <p:set>
+                                      <p:cBhvr>
+                                        <p:cTn id="18" dur="1" fill="hold">
+                                          <p:stCondLst>
+                                            <p:cond delay="0"/>
+                                          </p:stCondLst>
+                                        </p:cTn>
+                                        <p:tgtEl>
+                                          <p:spTgt spid="21507">
+                                            <p:txEl>
+                                              <p:pRg st="5" end="5"/>
+                                            </p:txEl>
+                                          </p:spTgt>
+                                        </p:tgtEl>
+                                        <p:attrNameLst>
+                                          <p:attrName>style.visibility</p:attrName>
+                                        </p:attrNameLst>
+                                      </p:cBhvr>
+                                      <p:to>
+                                        <p:strVal val="visible"/>
+                                      </p:to>
+                                    </p:set>
+                                    <p:animEffect transition="in" filter="randombar(horizontal)">
+                                      <p:cBhvr>
+                                        <p:cTn id="19" dur="500"/>
+                                        <p:tgtEl>
+                                          <p:spTgt spid="21507">
+                                            <p:txEl>
+                                              <p:pRg st="5" end="5"/>
+                                            </p:txEl>
+                                          </p:spTgt>
+                                        </p:tgtEl>
+                                      </p:cBhvr>
+                                    </p:animEffect>
+                                  </p:childTnLst>
+                                </p:cTn>
+                              </p:par>
+                            </p:childTnLst>
+                          </p:cTn>
+                        </p:par>
+                      </p:childTnLst>
+                    </p:cTn>
+                  </p:par>
+                </p:childTnLst>
+              </p:cTn>
+              <p:prevCondLst>
+                <p:cond evt="onPrev" delay="0">
+                  <p:tgtEl>
+                    <p:sldTgt/>
+                  </p:tgtEl>
+                </p:cond>
+              </p:prevCondLst>
+              <p:nextCondLst>
+                <p:cond evt="onNext" delay="0">
+                  <p:tgtEl>
+                    <p:sldTgt/>
+                  </p:tgtEl>
+                </p:cond>
+              </p:nextCondLst>
+            </p:seq>
+          </p:childTnLst>
+        </p:cTn>
       </p:par>
     </p:tnLst>
   </p:timing>
-</p:sld>
-</file>
-
-<file path=ppt/slides/slide7.xml><?xml version="1.0" encoding="utf-8"?>
-<p:sld xmlns:a="http://schemas.openxmlformats.org/drawingml/2006/main" xmlns:r="http://schemas.openxmlformats.org/officeDocument/2006/relationships" xmlns:p="http://schemas.openxmlformats.org/presentationml/2006/main">
-  <p:cSld>
-    <p:spTree>
-      <p:nvGrpSpPr>
-        <p:cNvPr id="1" name=""/>
-        <p:cNvGrpSpPr/>
-        <p:nvPr/>
-      </p:nvGrpSpPr>
-      <p:grpSpPr>
-        <a:xfrm>
-          <a:off x="0" y="0"/>
-          <a:ext cx="0" cy="0"/>
-          <a:chOff x="0" y="0"/>
-          <a:chExt cx="0" cy="0"/>
-        </a:xfrm>
-      </p:grpSpPr>
-      <p:sp>
-        <p:nvSpPr>
-          <p:cNvPr id="66562" name="标题 1"/>
-          <p:cNvSpPr>
-            <a:spLocks noGrp="1"/>
-          </p:cNvSpPr>
-          <p:nvPr>
-            <p:ph type="title" idx="4294967295"/>
-          </p:nvPr>
-        </p:nvSpPr>
-        <p:spPr>
-          <a:xfrm>
-            <a:off x="755576" y="3212976"/>
-            <a:ext cx="8001000" cy="1216025"/>
-          </a:xfrm>
-        </p:spPr>
-        <p:txBody>
-          <a:bodyPr/>
-          <a:lstStyle/>
-          <a:p>
-            <a:pPr algn="ctr"/>
-            <a:r>
-              <a:rPr lang="zh-CN" b="1" dirty="0" smtClean="0">
-                <a:latin typeface="黑体" pitchFamily="49" charset="-122"/>
-                <a:ea typeface="黑体" pitchFamily="49" charset="-122"/>
-              </a:rPr>
-              <a:t>谢 谢</a:t>
-            </a:r>
-          </a:p>
-        </p:txBody>
-      </p:sp>
-      <p:sp>
-        <p:nvSpPr>
-          <p:cNvPr id="66563" name="内容占位符 2"/>
-          <p:cNvSpPr>
-            <a:spLocks noGrp="1"/>
-          </p:cNvSpPr>
-          <p:nvPr>
-            <p:ph idx="4294967295"/>
-          </p:nvPr>
-        </p:nvSpPr>
-        <p:spPr/>
-        <p:txBody>
-          <a:bodyPr/>
-          <a:lstStyle/>
-          <a:p>
-            <a:endParaRPr lang="zh-CN" altLang="zh-CN" smtClean="0"/>
-          </a:p>
-        </p:txBody>
-      </p:sp>
-      <p:sp>
-        <p:nvSpPr>
-          <p:cNvPr id="66564" name="灯片编号占位符 3"/>
-          <p:cNvSpPr txBox="1">
-            <a:spLocks noGrp="1" noChangeArrowheads="1"/>
-          </p:cNvSpPr>
-          <p:nvPr/>
-        </p:nvSpPr>
-        <p:spPr bwMode="auto">
-          <a:xfrm>
-            <a:off x="6553200" y="6245225"/>
-            <a:ext cx="1981200" cy="476250"/>
-          </a:xfrm>
-          <a:prstGeom prst="rect">
-            <a:avLst/>
-          </a:prstGeom>
-          <a:noFill/>
-          <a:ln>
-            <a:noFill/>
-          </a:ln>
-          <a:extLst>
-            <a:ext uri="{909E8E84-426E-40DD-AFC4-6F175D3DCCD1}">
-              <a14:hiddenFill xmlns:a14="http://schemas.microsoft.com/office/drawing/2010/main">
-                <a:solidFill>
-                  <a:srgbClr val="FFFFFF"/>
-                </a:solidFill>
-              </a14:hiddenFill>
-            </a:ext>
-            <a:ext uri="{91240B29-F687-4F45-9708-019B960494DF}">
-              <a14:hiddenLine xmlns:a14="http://schemas.microsoft.com/office/drawing/2010/main" w="9525">
-                <a:solidFill>
-                  <a:srgbClr val="000000"/>
-                </a:solidFill>
-                <a:miter lim="800000"/>
-                <a:headEnd/>
-                <a:tailEnd/>
-              </a14:hiddenLine>
-            </a:ext>
-          </a:extLst>
-        </p:spPr>
-        <p:txBody>
-          <a:bodyPr/>
-          <a:lstStyle>
-            <a:lvl1pPr eaLnBrk="0" hangingPunct="0">
-              <a:defRPr>
-                <a:solidFill>
-                  <a:schemeClr val="tx1"/>
-                </a:solidFill>
-                <a:latin typeface="Verdana" pitchFamily="34" charset="0"/>
-                <a:ea typeface="宋体" charset="-122"/>
-              </a:defRPr>
-            </a:lvl1pPr>
-            <a:lvl2pPr marL="742950" indent="-285750" eaLnBrk="0" hangingPunct="0">
-              <a:defRPr>
-                <a:solidFill>
-                  <a:schemeClr val="tx1"/>
-                </a:solidFill>
-                <a:latin typeface="Verdana" pitchFamily="34" charset="0"/>
-                <a:ea typeface="宋体" charset="-122"/>
-              </a:defRPr>
-            </a:lvl2pPr>
-            <a:lvl3pPr marL="1143000" indent="-228600" eaLnBrk="0" hangingPunct="0">
-              <a:defRPr>
-                <a:solidFill>
-                  <a:schemeClr val="tx1"/>
-                </a:solidFill>
-                <a:latin typeface="Verdana" pitchFamily="34" charset="0"/>
-                <a:ea typeface="宋体" charset="-122"/>
-              </a:defRPr>
-            </a:lvl3pPr>
-            <a:lvl4pPr marL="1600200" indent="-228600" eaLnBrk="0" hangingPunct="0">
-              <a:defRPr>
-                <a:solidFill>
-                  <a:schemeClr val="tx1"/>
-                </a:solidFill>
-                <a:latin typeface="Verdana" pitchFamily="34" charset="0"/>
-                <a:ea typeface="宋体" charset="-122"/>
-              </a:defRPr>
-            </a:lvl4pPr>
-            <a:lvl5pPr marL="2057400" indent="-228600" eaLnBrk="0" hangingPunct="0">
-              <a:defRPr>
-                <a:solidFill>
-                  <a:schemeClr val="tx1"/>
-                </a:solidFill>
-                <a:latin typeface="Verdana" pitchFamily="34" charset="0"/>
-                <a:ea typeface="宋体" charset="-122"/>
-              </a:defRPr>
-            </a:lvl5pPr>
-            <a:lvl6pPr marL="2514600" indent="-228600" eaLnBrk="0" fontAlgn="base" hangingPunct="0">
-              <a:spcBef>
-                <a:spcPct val="0"/>
-              </a:spcBef>
-              <a:spcAft>
-                <a:spcPct val="0"/>
-              </a:spcAft>
-              <a:defRPr>
-                <a:solidFill>
-                  <a:schemeClr val="tx1"/>
-                </a:solidFill>
-                <a:latin typeface="Verdana" pitchFamily="34" charset="0"/>
-                <a:ea typeface="宋体" charset="-122"/>
-              </a:defRPr>
-            </a:lvl6pPr>
-            <a:lvl7pPr marL="2971800" indent="-228600" eaLnBrk="0" fontAlgn="base" hangingPunct="0">
-              <a:spcBef>
-                <a:spcPct val="0"/>
-              </a:spcBef>
-              <a:spcAft>
-                <a:spcPct val="0"/>
-              </a:spcAft>
-              <a:defRPr>
-                <a:solidFill>
-                  <a:schemeClr val="tx1"/>
-                </a:solidFill>
-                <a:latin typeface="Verdana" pitchFamily="34" charset="0"/>
-                <a:ea typeface="宋体" charset="-122"/>
-              </a:defRPr>
-            </a:lvl7pPr>
-            <a:lvl8pPr marL="3429000" indent="-228600" eaLnBrk="0" fontAlgn="base" hangingPunct="0">
-              <a:spcBef>
-                <a:spcPct val="0"/>
-              </a:spcBef>
-              <a:spcAft>
-                <a:spcPct val="0"/>
-              </a:spcAft>
-              <a:defRPr>
-                <a:solidFill>
-                  <a:schemeClr val="tx1"/>
-                </a:solidFill>
-                <a:latin typeface="Verdana" pitchFamily="34" charset="0"/>
-                <a:ea typeface="宋体" charset="-122"/>
-              </a:defRPr>
-            </a:lvl8pPr>
-            <a:lvl9pPr marL="3886200" indent="-228600" eaLnBrk="0" fontAlgn="base" hangingPunct="0">
-              <a:spcBef>
-                <a:spcPct val="0"/>
-              </a:spcBef>
-              <a:spcAft>
-                <a:spcPct val="0"/>
-              </a:spcAft>
-              <a:defRPr>
-                <a:solidFill>
-                  <a:schemeClr val="tx1"/>
-                </a:solidFill>
-                <a:latin typeface="Verdana" pitchFamily="34" charset="0"/>
-                <a:ea typeface="宋体" charset="-122"/>
-              </a:defRPr>
-            </a:lvl9pPr>
-          </a:lstStyle>
-          <a:p>
-            <a:pPr algn="r" eaLnBrk="1" hangingPunct="1"/>
-            <a:fld id="{2C94674F-49E1-416F-9C4D-1B58472BEB2A}" type="slidenum">
-              <a:rPr lang="en-US" altLang="zh-CN" sz="1200"/>
-              <a:pPr algn="r" eaLnBrk="1" hangingPunct="1"/>
-              <a:t>7</a:t>
-            </a:fld>
-            <a:endParaRPr lang="en-US" altLang="zh-CN" sz="1200"/>
-          </a:p>
-        </p:txBody>
-      </p:sp>
-    </p:spTree>
-    <p:extLst>
-      <p:ext uri="{BB962C8B-B14F-4D97-AF65-F5344CB8AC3E}">
-        <p14:creationId xmlns:p14="http://schemas.microsoft.com/office/powerpoint/2010/main" val="3860237757"/>
-      </p:ext>
-    </p:extLst>
-  </p:cSld>
-  <p:clrMapOvr>
-    <a:masterClrMapping/>
-  </p:clrMapOvr>
-  <p:transition/>
 </p:sld>
 </file>
 

--- a/PPT/第三部分 软件测试应用/11.6 常用控件测试方法.pptx
+++ b/PPT/第三部分 软件测试应用/11.6 常用控件测试方法.pptx
@@ -7477,6 +7477,13 @@
     <a:masterClrMapping/>
   </p:clrMapOvr>
   <p:transition/>
+  <p:timing>
+    <p:tnLst>
+      <p:par>
+        <p:cTn id="1" dur="indefinite" restart="never" nodeType="tmRoot"/>
+      </p:par>
+    </p:tnLst>
+  </p:timing>
 </p:sld>
 </file>
 
@@ -7673,10 +7680,6 @@
               </a:rPr>
               <a:t>常用控件的测试</a:t>
             </a:r>
-            <a:endParaRPr lang="zh-CN" altLang="en-US" b="1" dirty="0" smtClean="0">
-              <a:latin typeface="黑体" pitchFamily="49" charset="-122"/>
-              <a:ea typeface="黑体" pitchFamily="49" charset="-122"/>
-            </a:endParaRPr>
           </a:p>
         </p:txBody>
       </p:sp>
@@ -8502,18 +8505,7 @@
                 <a:ea typeface="黑体" pitchFamily="49" charset="-122"/>
                 <a:cs typeface="+mj-cs"/>
               </a:rPr>
-              <a:t>文本框</a:t>
-            </a:r>
-            <a:r>
-              <a:rPr lang="zh-CN" altLang="en-US" sz="3800" b="1" dirty="0">
-                <a:solidFill>
-                  <a:schemeClr val="tx2"/>
-                </a:solidFill>
-                <a:latin typeface="黑体" pitchFamily="49" charset="-122"/>
-                <a:ea typeface="黑体" pitchFamily="49" charset="-122"/>
-                <a:cs typeface="+mj-cs"/>
-              </a:rPr>
-              <a:t>测试</a:t>
+              <a:t>文本框测试</a:t>
             </a:r>
             <a:endParaRPr lang="zh-CN" sz="3800" b="1" dirty="0">
               <a:solidFill>
@@ -8809,18 +8801,7 @@
                 <a:ea typeface="黑体" pitchFamily="49" charset="-122"/>
                 <a:cs typeface="+mj-cs"/>
               </a:rPr>
-              <a:t>文本框</a:t>
-            </a:r>
-            <a:r>
-              <a:rPr lang="zh-CN" altLang="en-US" sz="3800" b="1" dirty="0">
-                <a:solidFill>
-                  <a:schemeClr val="tx2"/>
-                </a:solidFill>
-                <a:latin typeface="黑体" pitchFamily="49" charset="-122"/>
-                <a:ea typeface="黑体" pitchFamily="49" charset="-122"/>
-                <a:cs typeface="+mj-cs"/>
-              </a:rPr>
-              <a:t>测试</a:t>
+              <a:t>文本框测试</a:t>
             </a:r>
             <a:endParaRPr lang="zh-CN" sz="3800" b="1" dirty="0">
               <a:solidFill>
@@ -9023,7 +9004,51 @@
                 <a:ea typeface="+mn-ea"/>
                 <a:cs typeface="+mj-cs"/>
               </a:rPr>
-              <a:t>个字符，坚持诚信能否正确处理</a:t>
+              <a:t>个字符</a:t>
+            </a:r>
+            <a:r>
+              <a:rPr lang="zh-CN" altLang="en-US" sz="2000" b="1" dirty="0" smtClean="0">
+                <a:solidFill>
+                  <a:schemeClr val="tx2"/>
+                </a:solidFill>
+                <a:latin typeface="+mn-ea"/>
+                <a:ea typeface="+mn-ea"/>
+                <a:cs typeface="+mj-cs"/>
+              </a:rPr>
+              <a:t>，</a:t>
+            </a:r>
+            <a:r>
+              <a:rPr lang="zh-CN" altLang="en-US" sz="2000" b="1" dirty="0" smtClean="0">
+                <a:solidFill>
+                  <a:schemeClr val="tx2"/>
+                </a:solidFill>
+                <a:latin typeface="+mn-ea"/>
+                <a:ea typeface="+mn-ea"/>
+                <a:cs typeface="+mj-cs"/>
+              </a:rPr>
+              <a:t>检查</a:t>
+            </a:r>
+            <a:r>
+              <a:rPr lang="zh-CN" altLang="en-US" sz="2000" b="1" dirty="0" smtClean="0">
+                <a:solidFill>
+                  <a:schemeClr val="tx2"/>
+                </a:solidFill>
+                <a:latin typeface="+mn-ea"/>
+                <a:ea typeface="+mn-ea"/>
+                <a:cs typeface="+mj-cs"/>
+              </a:rPr>
+              <a:t>能否</a:t>
+            </a:r>
+            <a:r>
+              <a:rPr lang="zh-CN" altLang="en-US" sz="2000" b="1" dirty="0">
+                <a:solidFill>
+                  <a:schemeClr val="tx2"/>
+                </a:solidFill>
+                <a:latin typeface="+mn-ea"/>
+                <a:ea typeface="+mn-ea"/>
+                <a:cs typeface="+mj-cs"/>
+              </a:rPr>
+              <a:t>正确处理</a:t>
             </a:r>
             <a:endParaRPr lang="en-US" altLang="zh-CN" sz="2000" b="1" dirty="0">
               <a:solidFill>
@@ -9261,14 +9286,6 @@
               </a:rPr>
               <a:t>、输入不符合格式的数据，检查程序是否正确效验</a:t>
             </a:r>
-            <a:endParaRPr lang="zh-CN" altLang="en-US" sz="2000" b="1" dirty="0">
-              <a:solidFill>
-                <a:schemeClr val="tx2"/>
-              </a:solidFill>
-              <a:latin typeface="+mn-ea"/>
-              <a:ea typeface="+mn-ea"/>
-              <a:cs typeface="+mj-cs"/>
-            </a:endParaRPr>
           </a:p>
         </p:txBody>
       </p:sp>
@@ -9324,8 +9341,8 @@
         </p:nvSpPr>
         <p:spPr>
           <a:xfrm>
-            <a:off x="738188" y="1196752"/>
-            <a:ext cx="7666037" cy="4641850"/>
+            <a:off x="600075" y="1196752"/>
+            <a:ext cx="8868469" cy="4641850"/>
           </a:xfrm>
         </p:spPr>
         <p:txBody>
@@ -9338,7 +9355,7 @@
               </a:lnSpc>
             </a:pPr>
             <a:r>
-              <a:rPr lang="zh-CN" altLang="en-US" sz="2400" b="1" dirty="0"/>
+              <a:rPr lang="zh-CN" altLang="en-US" sz="3200" b="1" dirty="0"/>
               <a:t>按钮测试</a:t>
             </a:r>
           </a:p>
@@ -9352,7 +9369,7 @@
               </a:spcAft>
             </a:pPr>
             <a:r>
-              <a:rPr lang="zh-CN" altLang="en-US" sz="2000" b="1" dirty="0">
+              <a:rPr lang="zh-CN" altLang="en-US" sz="2800" b="1" dirty="0">
                 <a:solidFill>
                   <a:schemeClr val="tx1"/>
                 </a:solidFill>
@@ -9370,7 +9387,7 @@
               </a:spcAft>
             </a:pPr>
             <a:r>
-              <a:rPr lang="zh-CN" altLang="en-US" sz="2000" b="1" dirty="0">
+              <a:rPr lang="zh-CN" altLang="en-US" sz="2800" b="1" dirty="0">
                 <a:solidFill>
                   <a:schemeClr val="tx1"/>
                 </a:solidFill>
@@ -9388,7 +9405,7 @@
               </a:spcAft>
             </a:pPr>
             <a:r>
-              <a:rPr lang="zh-CN" altLang="en-US" sz="2000" b="1" dirty="0">
+              <a:rPr lang="zh-CN" altLang="en-US" sz="2800" b="1" dirty="0">
                 <a:solidFill>
                   <a:schemeClr val="tx1"/>
                 </a:solidFill>
@@ -9396,7 +9413,7 @@
               <a:t>对于</a:t>
             </a:r>
             <a:r>
-              <a:rPr lang="zh-CN" altLang="en-US" sz="2000" b="1" dirty="0">
+              <a:rPr lang="zh-CN" altLang="en-US" sz="2800" b="1" dirty="0">
                 <a:solidFill>
                   <a:srgbClr val="FF0000"/>
                 </a:solidFill>
@@ -9404,7 +9421,7 @@
               <a:t>不符合业务</a:t>
             </a:r>
             <a:r>
-              <a:rPr lang="zh-CN" altLang="en-US" sz="2000" b="1" dirty="0">
+              <a:rPr lang="zh-CN" altLang="en-US" sz="2800" b="1" dirty="0">
                 <a:solidFill>
                   <a:schemeClr val="tx1"/>
                 </a:solidFill>
@@ -9481,18 +9498,7 @@
                 <a:ea typeface="黑体" pitchFamily="49" charset="-122"/>
                 <a:cs typeface="+mj-cs"/>
               </a:rPr>
-              <a:t>按钮</a:t>
-            </a:r>
-            <a:r>
-              <a:rPr lang="zh-CN" altLang="en-US" sz="3800" b="1" dirty="0">
-                <a:solidFill>
-                  <a:schemeClr val="tx2"/>
-                </a:solidFill>
-                <a:latin typeface="黑体" pitchFamily="49" charset="-122"/>
-                <a:ea typeface="黑体" pitchFamily="49" charset="-122"/>
-                <a:cs typeface="+mj-cs"/>
-              </a:rPr>
-              <a:t>测试</a:t>
+              <a:t>按钮测试</a:t>
             </a:r>
             <a:endParaRPr lang="zh-CN" sz="3800" b="1" dirty="0">
               <a:solidFill>
@@ -9796,11 +9802,7 @@
             </a:r>
             <a:r>
               <a:rPr lang="zh-CN" altLang="en-US" sz="2000" b="1" dirty="0" smtClean="0"/>
-              <a:t>、点击按钮正确响应操作。如：点击提交按钮，正确执行报案的添加</a:t>
-            </a:r>
-            <a:r>
-              <a:rPr lang="zh-CN" altLang="en-US" sz="2000" b="1" dirty="0" smtClean="0"/>
-              <a:t>；点击重置按钮，恢复到初始状态</a:t>
+              <a:t>、点击按钮正确响应操作。如：点击提交按钮，正确执行报案的添加；点击重置按钮，恢复到初始状态</a:t>
             </a:r>
             <a:endParaRPr lang="en-US" altLang="zh-CN" sz="2000" b="1" dirty="0" smtClean="0"/>
           </a:p>
@@ -9933,18 +9935,7 @@
                 <a:ea typeface="黑体" pitchFamily="49" charset="-122"/>
                 <a:cs typeface="+mj-cs"/>
               </a:rPr>
-              <a:t>按钮</a:t>
-            </a:r>
-            <a:r>
-              <a:rPr lang="zh-CN" altLang="en-US" sz="3800" b="1" dirty="0">
-                <a:solidFill>
-                  <a:schemeClr val="tx2"/>
-                </a:solidFill>
-                <a:latin typeface="黑体" pitchFamily="49" charset="-122"/>
-                <a:ea typeface="黑体" pitchFamily="49" charset="-122"/>
-                <a:cs typeface="+mj-cs"/>
-              </a:rPr>
-              <a:t>测试</a:t>
+              <a:t>按钮测试</a:t>
             </a:r>
             <a:endParaRPr lang="zh-CN" sz="3800" b="1" dirty="0">
               <a:solidFill>
@@ -10469,18 +10460,7 @@
                 <a:ea typeface="黑体" pitchFamily="49" charset="-122"/>
                 <a:cs typeface="+mj-cs"/>
               </a:rPr>
-              <a:t>单选</a:t>
-            </a:r>
-            <a:r>
-              <a:rPr lang="zh-CN" altLang="en-US" sz="3800" b="1" dirty="0">
-                <a:solidFill>
-                  <a:schemeClr val="tx2"/>
-                </a:solidFill>
-                <a:latin typeface="黑体" pitchFamily="49" charset="-122"/>
-                <a:ea typeface="黑体" pitchFamily="49" charset="-122"/>
-                <a:cs typeface="+mj-cs"/>
-              </a:rPr>
-              <a:t>按钮测试</a:t>
+              <a:t>单选按钮测试</a:t>
             </a:r>
             <a:endParaRPr lang="zh-CN" sz="3800" b="1" dirty="0">
               <a:solidFill>
@@ -10932,18 +10912,7 @@
                 <a:ea typeface="黑体" pitchFamily="49" charset="-122"/>
                 <a:cs typeface="+mj-cs"/>
               </a:rPr>
-              <a:t>复选框</a:t>
-            </a:r>
-            <a:r>
-              <a:rPr lang="zh-CN" altLang="en-US" sz="3800" b="1" dirty="0">
-                <a:solidFill>
-                  <a:schemeClr val="tx2"/>
-                </a:solidFill>
-                <a:latin typeface="黑体" pitchFamily="49" charset="-122"/>
-                <a:ea typeface="黑体" pitchFamily="49" charset="-122"/>
-                <a:cs typeface="+mj-cs"/>
-              </a:rPr>
-              <a:t>测试</a:t>
+              <a:t>复选框测试</a:t>
             </a:r>
             <a:endParaRPr lang="zh-CN" sz="3800" b="1" dirty="0">
               <a:solidFill>
